--- a/Report/Capstone 2 Presentation.pptx
+++ b/Report/Capstone 2 Presentation.pptx
@@ -5,27 +5,32 @@
     <p:sldMasterId id="2147483877" r:id="rId1"/>
   </p:sldMasterIdLst>
   <p:notesMasterIdLst>
-    <p:notesMasterId r:id="rId20"/>
+    <p:notesMasterId r:id="rId25"/>
   </p:notesMasterIdLst>
   <p:sldIdLst>
     <p:sldId id="256" r:id="rId2"/>
     <p:sldId id="257" r:id="rId3"/>
-    <p:sldId id="258" r:id="rId4"/>
-    <p:sldId id="259" r:id="rId5"/>
-    <p:sldId id="260" r:id="rId6"/>
-    <p:sldId id="261" r:id="rId7"/>
-    <p:sldId id="262" r:id="rId8"/>
-    <p:sldId id="263" r:id="rId9"/>
-    <p:sldId id="264" r:id="rId10"/>
-    <p:sldId id="265" r:id="rId11"/>
-    <p:sldId id="266" r:id="rId12"/>
-    <p:sldId id="268" r:id="rId13"/>
-    <p:sldId id="269" r:id="rId14"/>
-    <p:sldId id="270" r:id="rId15"/>
-    <p:sldId id="271" r:id="rId16"/>
-    <p:sldId id="273" r:id="rId17"/>
-    <p:sldId id="272" r:id="rId18"/>
-    <p:sldId id="274" r:id="rId19"/>
+    <p:sldId id="275" r:id="rId4"/>
+    <p:sldId id="258" r:id="rId5"/>
+    <p:sldId id="259" r:id="rId6"/>
+    <p:sldId id="276" r:id="rId7"/>
+    <p:sldId id="260" r:id="rId8"/>
+    <p:sldId id="261" r:id="rId9"/>
+    <p:sldId id="262" r:id="rId10"/>
+    <p:sldId id="263" r:id="rId11"/>
+    <p:sldId id="264" r:id="rId12"/>
+    <p:sldId id="265" r:id="rId13"/>
+    <p:sldId id="266" r:id="rId14"/>
+    <p:sldId id="268" r:id="rId15"/>
+    <p:sldId id="278" r:id="rId16"/>
+    <p:sldId id="269" r:id="rId17"/>
+    <p:sldId id="270" r:id="rId18"/>
+    <p:sldId id="271" r:id="rId19"/>
+    <p:sldId id="277" r:id="rId20"/>
+    <p:sldId id="273" r:id="rId21"/>
+    <p:sldId id="272" r:id="rId22"/>
+    <p:sldId id="279" r:id="rId23"/>
+    <p:sldId id="274" r:id="rId24"/>
   </p:sldIdLst>
   <p:sldSz cx="12192000" cy="6858000"/>
   <p:notesSz cx="6858000" cy="9144000"/>
@@ -124,6 +129,11 @@
       </a:defRPr>
     </a:lvl9pPr>
   </p:defaultTextStyle>
+  <p:extLst>
+    <p:ext uri="{EFAFB233-063F-42B5-8137-9DF3F51BA10A}">
+      <p15:sldGuideLst xmlns:p15="http://schemas.microsoft.com/office/powerpoint/2012/main"/>
+    </p:ext>
+  </p:extLst>
 </p:presentation>
 </file>
 
@@ -209,7 +219,7 @@
           <a:p>
             <a:fld id="{F2EEDBF6-91BB-4CB1-96CA-7EC1DEF6FDA6}" type="datetimeFigureOut">
               <a:rPr lang="zh-TW" altLang="en-US" smtClean="0"/>
-              <a:t>2021/2/21</a:t>
+              <a:t>2021/2/23</a:t>
             </a:fld>
             <a:endParaRPr lang="zh-TW" altLang="en-US"/>
           </a:p>
@@ -618,7 +628,7 @@
           <a:p>
             <a:fld id="{72345051-2045-45DA-935E-2E3CA1A69ADC}" type="datetimeFigureOut">
               <a:rPr lang="en-US" smtClean="0"/>
-              <a:t>2/21/2021</a:t>
+              <a:t>2/23/2021</a:t>
             </a:fld>
             <a:endParaRPr lang="en-US" dirty="0"/>
           </a:p>
@@ -788,7 +798,7 @@
           <a:p>
             <a:fld id="{72345051-2045-45DA-935E-2E3CA1A69ADC}" type="datetimeFigureOut">
               <a:rPr lang="en-US" smtClean="0"/>
-              <a:t>2/21/2021</a:t>
+              <a:t>2/23/2021</a:t>
             </a:fld>
             <a:endParaRPr lang="en-US" dirty="0"/>
           </a:p>
@@ -968,7 +978,7 @@
           <a:p>
             <a:fld id="{72345051-2045-45DA-935E-2E3CA1A69ADC}" type="datetimeFigureOut">
               <a:rPr lang="en-US" smtClean="0"/>
-              <a:t>2/21/2021</a:t>
+              <a:t>2/23/2021</a:t>
             </a:fld>
             <a:endParaRPr lang="en-US" dirty="0"/>
           </a:p>
@@ -1138,7 +1148,7 @@
           <a:p>
             <a:fld id="{72345051-2045-45DA-935E-2E3CA1A69ADC}" type="datetimeFigureOut">
               <a:rPr lang="en-US" smtClean="0"/>
-              <a:t>2/21/2021</a:t>
+              <a:t>2/23/2021</a:t>
             </a:fld>
             <a:endParaRPr lang="en-US" dirty="0"/>
           </a:p>
@@ -1389,7 +1399,7 @@
           <a:p>
             <a:fld id="{72345051-2045-45DA-935E-2E3CA1A69ADC}" type="datetimeFigureOut">
               <a:rPr lang="en-US" smtClean="0"/>
-              <a:t>2/21/2021</a:t>
+              <a:t>2/23/2021</a:t>
             </a:fld>
             <a:endParaRPr lang="en-US" dirty="0"/>
           </a:p>
@@ -1621,7 +1631,7 @@
           <a:p>
             <a:fld id="{72345051-2045-45DA-935E-2E3CA1A69ADC}" type="datetimeFigureOut">
               <a:rPr lang="en-US" smtClean="0"/>
-              <a:t>2/21/2021</a:t>
+              <a:t>2/23/2021</a:t>
             </a:fld>
             <a:endParaRPr lang="en-US" dirty="0"/>
           </a:p>
@@ -1968,7 +1978,7 @@
           <a:p>
             <a:fld id="{72345051-2045-45DA-935E-2E3CA1A69ADC}" type="datetimeFigureOut">
               <a:rPr lang="en-US" smtClean="0"/>
-              <a:t>2/21/2021</a:t>
+              <a:t>2/23/2021</a:t>
             </a:fld>
             <a:endParaRPr lang="en-US" dirty="0"/>
           </a:p>
@@ -2086,7 +2096,7 @@
           <a:p>
             <a:fld id="{72345051-2045-45DA-935E-2E3CA1A69ADC}" type="datetimeFigureOut">
               <a:rPr lang="en-US" smtClean="0"/>
-              <a:t>2/21/2021</a:t>
+              <a:t>2/23/2021</a:t>
             </a:fld>
             <a:endParaRPr lang="en-US" dirty="0"/>
           </a:p>
@@ -2204,7 +2214,7 @@
           <a:p>
             <a:fld id="{72345051-2045-45DA-935E-2E3CA1A69ADC}" type="datetimeFigureOut">
               <a:rPr lang="en-US" smtClean="0"/>
-              <a:t>2/21/2021</a:t>
+              <a:t>2/23/2021</a:t>
             </a:fld>
             <a:endParaRPr lang="en-US" dirty="0"/>
           </a:p>
@@ -2488,7 +2498,7 @@
           <a:p>
             <a:fld id="{72345051-2045-45DA-935E-2E3CA1A69ADC}" type="datetimeFigureOut">
               <a:rPr lang="en-US" smtClean="0"/>
-              <a:t>2/21/2021</a:t>
+              <a:t>2/23/2021</a:t>
             </a:fld>
             <a:endParaRPr lang="en-US" dirty="0"/>
           </a:p>
@@ -2752,7 +2762,7 @@
           <a:p>
             <a:fld id="{72345051-2045-45DA-935E-2E3CA1A69ADC}" type="datetimeFigureOut">
               <a:rPr lang="en-US" smtClean="0"/>
-              <a:t>2/21/2021</a:t>
+              <a:t>2/23/2021</a:t>
             </a:fld>
             <a:endParaRPr lang="en-US" dirty="0"/>
           </a:p>
@@ -2966,7 +2976,7 @@
           <a:p>
             <a:fld id="{72345051-2045-45DA-935E-2E3CA1A69ADC}" type="datetimeFigureOut">
               <a:rPr lang="en-US" smtClean="0"/>
-              <a:t>2/21/2021</a:t>
+              <a:t>2/23/2021</a:t>
             </a:fld>
             <a:endParaRPr lang="en-US" dirty="0"/>
           </a:p>
@@ -3402,13 +3412,13 @@
         </p:nvSpPr>
         <p:spPr>
           <a:xfrm>
-            <a:off x="959796" y="119999"/>
+            <a:off x="1034952" y="-1145130"/>
             <a:ext cx="10499388" cy="6618002"/>
           </a:xfrm>
         </p:spPr>
         <p:txBody>
           <a:bodyPr>
-            <a:normAutofit fontScale="90000"/>
+            <a:normAutofit/>
           </a:bodyPr>
           <a:lstStyle/>
           <a:p>
@@ -3426,12 +3436,6 @@
               <a:rPr lang="en-US" altLang="zh-TW" sz="5300" dirty="0"/>
               <a:t>Predicting individual annual cost of medical insurance by ML method</a:t>
             </a:r>
-            <a:br>
-              <a:rPr lang="en-US" altLang="zh-TW" dirty="0"/>
-            </a:br>
-            <a:br>
-              <a:rPr lang="en-US" altLang="zh-TW" dirty="0"/>
-            </a:br>
             <a:br>
               <a:rPr lang="en-US" altLang="zh-TW" dirty="0"/>
             </a:br>
@@ -3456,6 +3460,100 @@
           </a:p>
         </p:txBody>
       </p:sp>
+      <p:pic>
+        <p:nvPicPr>
+          <p:cNvPr id="5" name="Picture 6" descr="Federal Regulation Raises the Cost of Your Health Insurance | FreedomWorks">
+            <a:extLst>
+              <a:ext uri="{FF2B5EF4-FFF2-40B4-BE49-F238E27FC236}">
+                <a16:creationId xmlns:a16="http://schemas.microsoft.com/office/drawing/2014/main" id="{D8549A22-B4E6-425E-B315-B142A04C844F}"/>
+              </a:ext>
+            </a:extLst>
+          </p:cNvPr>
+          <p:cNvPicPr>
+            <a:picLocks noChangeAspect="1" noChangeArrowheads="1"/>
+          </p:cNvPicPr>
+          <p:nvPr/>
+        </p:nvPicPr>
+        <p:blipFill>
+          <a:blip r:embed="rId2">
+            <a:extLst>
+              <a:ext uri="{28A0092B-C50C-407E-A947-70E740481C1C}">
+                <a14:useLocalDpi xmlns:a14="http://schemas.microsoft.com/office/drawing/2010/main" val="0"/>
+              </a:ext>
+            </a:extLst>
+          </a:blip>
+          <a:srcRect/>
+          <a:stretch>
+            <a:fillRect/>
+          </a:stretch>
+        </p:blipFill>
+        <p:spPr bwMode="auto">
+          <a:xfrm>
+            <a:off x="1034952" y="4044570"/>
+            <a:ext cx="4603953" cy="2390514"/>
+          </a:xfrm>
+          <a:prstGeom prst="rect">
+            <a:avLst/>
+          </a:prstGeom>
+          <a:noFill/>
+          <a:extLst>
+            <a:ext uri="{909E8E84-426E-40DD-AFC4-6F175D3DCCD1}">
+              <a14:hiddenFill xmlns:a14="http://schemas.microsoft.com/office/drawing/2010/main">
+                <a:solidFill>
+                  <a:srgbClr val="FFFFFF"/>
+                </a:solidFill>
+              </a14:hiddenFill>
+            </a:ext>
+          </a:extLst>
+        </p:spPr>
+      </p:pic>
+      <p:pic>
+        <p:nvPicPr>
+          <p:cNvPr id="1032" name="Picture 8" descr="How To Get The Cheapest Health Insurance Rates By State Comparison">
+            <a:extLst>
+              <a:ext uri="{FF2B5EF4-FFF2-40B4-BE49-F238E27FC236}">
+                <a16:creationId xmlns:a16="http://schemas.microsoft.com/office/drawing/2014/main" id="{019A2CBB-C479-46E6-86BE-E92FC9812FBA}"/>
+              </a:ext>
+            </a:extLst>
+          </p:cNvPr>
+          <p:cNvPicPr>
+            <a:picLocks noChangeAspect="1" noChangeArrowheads="1"/>
+          </p:cNvPicPr>
+          <p:nvPr/>
+        </p:nvPicPr>
+        <p:blipFill>
+          <a:blip r:embed="rId3">
+            <a:extLst>
+              <a:ext uri="{28A0092B-C50C-407E-A947-70E740481C1C}">
+                <a14:useLocalDpi xmlns:a14="http://schemas.microsoft.com/office/drawing/2010/main" val="0"/>
+              </a:ext>
+            </a:extLst>
+          </a:blip>
+          <a:srcRect/>
+          <a:stretch>
+            <a:fillRect/>
+          </a:stretch>
+        </p:blipFill>
+        <p:spPr bwMode="auto">
+          <a:xfrm>
+            <a:off x="6930389" y="3943751"/>
+            <a:ext cx="3322817" cy="2488905"/>
+          </a:xfrm>
+          <a:prstGeom prst="rect">
+            <a:avLst/>
+          </a:prstGeom>
+          <a:noFill/>
+          <a:extLst>
+            <a:ext uri="{909E8E84-426E-40DD-AFC4-6F175D3DCCD1}">
+              <a14:hiddenFill xmlns:a14="http://schemas.microsoft.com/office/drawing/2010/main">
+                <a:solidFill>
+                  <a:srgbClr val="FFFFFF"/>
+                </a:solidFill>
+              </a14:hiddenFill>
+            </a:ext>
+          </a:extLst>
+        </p:spPr>
+      </p:pic>
     </p:spTree>
     <p:extLst>
       <p:ext uri="{BB962C8B-B14F-4D97-AF65-F5344CB8AC3E}">
@@ -3524,7 +3622,7 @@
         </p:nvSpPr>
         <p:spPr>
           <a:xfrm>
-            <a:off x="857839" y="490194"/>
+            <a:off x="838986" y="480767"/>
             <a:ext cx="10237509" cy="646331"/>
           </a:xfrm>
           <a:prstGeom prst="rect">
@@ -3540,7 +3638,7 @@
           <a:p>
             <a:r>
               <a:rPr lang="en-US" altLang="zh-TW" sz="3600" dirty="0"/>
-              <a:t>Modelling – Feature Selection</a:t>
+              <a:t>Exploratory Data Analysis (EDA) – chi-squared test</a:t>
             </a:r>
             <a:endParaRPr lang="zh-TW" altLang="en-US" sz="3600" dirty="0"/>
           </a:p>
@@ -3548,10 +3646,10 @@
       </p:sp>
       <p:sp>
         <p:nvSpPr>
-          <p:cNvPr id="3" name="文字方塊 2">
+          <p:cNvPr id="5" name="文字方塊 4">
             <a:extLst>
               <a:ext uri="{FF2B5EF4-FFF2-40B4-BE49-F238E27FC236}">
-                <a16:creationId xmlns:a16="http://schemas.microsoft.com/office/drawing/2014/main" id="{4A31BB5C-5672-4A3C-878D-8574BD98EBC3}"/>
+                <a16:creationId xmlns:a16="http://schemas.microsoft.com/office/drawing/2014/main" id="{96FA59E2-9E6D-448C-A9F4-6D5C926EFAE1}"/>
               </a:ext>
             </a:extLst>
           </p:cNvPr>
@@ -3560,8 +3658,8 @@
         </p:nvSpPr>
         <p:spPr>
           <a:xfrm>
-            <a:off x="857839" y="1289046"/>
-            <a:ext cx="8974317" cy="461665"/>
+            <a:off x="838986" y="1932495"/>
+            <a:ext cx="9618531" cy="3108543"/>
           </a:xfrm>
           <a:prstGeom prst="rect">
             <a:avLst/>
@@ -3569,110 +3667,85 @@
           <a:noFill/>
         </p:spPr>
         <p:txBody>
-          <a:bodyPr wrap="square" rtlCol="0">
+          <a:bodyPr wrap="none" rtlCol="0">
             <a:spAutoFit/>
           </a:bodyPr>
           <a:lstStyle/>
           <a:p>
-            <a:r>
-              <a:rPr lang="en-US" altLang="zh-TW" sz="2400" dirty="0"/>
-              <a:t>OLS Summary Report</a:t>
-            </a:r>
-            <a:endParaRPr lang="zh-TW" altLang="en-US" dirty="0"/>
-          </a:p>
-        </p:txBody>
-      </p:sp>
-      <p:pic>
-        <p:nvPicPr>
-          <p:cNvPr id="5" name="圖片 4">
-            <a:extLst>
-              <a:ext uri="{FF2B5EF4-FFF2-40B4-BE49-F238E27FC236}">
-                <a16:creationId xmlns:a16="http://schemas.microsoft.com/office/drawing/2014/main" id="{C2B969B4-5C0B-4FB2-8CAA-226C627C5DE5}"/>
-              </a:ext>
-            </a:extLst>
-          </p:cNvPr>
-          <p:cNvPicPr>
-            <a:picLocks noChangeAspect="1"/>
-          </p:cNvPicPr>
-          <p:nvPr/>
-        </p:nvPicPr>
-        <p:blipFill rotWithShape="1">
-          <a:blip r:embed="rId2"/>
-          <a:srcRect l="18247" t="23720" r="47809" b="24399"/>
-          <a:stretch/>
-        </p:blipFill>
-        <p:spPr>
-          <a:xfrm>
-            <a:off x="2950591" y="1823117"/>
-            <a:ext cx="5599520" cy="4814272"/>
-          </a:xfrm>
-          <a:prstGeom prst="rect">
-            <a:avLst/>
-          </a:prstGeom>
-        </p:spPr>
-      </p:pic>
-      <p:sp>
-        <p:nvSpPr>
-          <p:cNvPr id="6" name="矩形 5">
-            <a:extLst>
-              <a:ext uri="{FF2B5EF4-FFF2-40B4-BE49-F238E27FC236}">
-                <a16:creationId xmlns:a16="http://schemas.microsoft.com/office/drawing/2014/main" id="{185C8ED5-C502-46E4-98A1-9136B5BA7E42}"/>
-              </a:ext>
-            </a:extLst>
-          </p:cNvPr>
-          <p:cNvSpPr/>
-          <p:nvPr/>
-        </p:nvSpPr>
-        <p:spPr>
-          <a:xfrm>
-            <a:off x="6096000" y="1668544"/>
-            <a:ext cx="606458" cy="5024487"/>
-          </a:xfrm>
-          <a:prstGeom prst="rect">
-            <a:avLst/>
-          </a:prstGeom>
-          <a:noFill/>
-          <a:ln w="57150">
-            <a:solidFill>
-              <a:srgbClr val="FF0000"/>
-            </a:solidFill>
-          </a:ln>
-        </p:spPr>
-        <p:style>
-          <a:lnRef idx="2">
-            <a:schemeClr val="accent1">
-              <a:shade val="50000"/>
-            </a:schemeClr>
-          </a:lnRef>
-          <a:fillRef idx="1">
-            <a:schemeClr val="accent1"/>
-          </a:fillRef>
-          <a:effectRef idx="0">
-            <a:schemeClr val="accent1"/>
-          </a:effectRef>
-          <a:fontRef idx="minor">
-            <a:schemeClr val="lt1"/>
-          </a:fontRef>
-        </p:style>
-        <p:txBody>
-          <a:bodyPr rtlCol="0" anchor="ctr"/>
-          <a:lstStyle/>
-          <a:p>
-            <a:pPr algn="ctr"/>
-            <a:endParaRPr lang="zh-TW" altLang="en-US">
-              <a:ln>
-                <a:solidFill>
-                  <a:srgbClr val="C00000"/>
-                </a:solidFill>
-              </a:ln>
-            </a:endParaRPr>
+            <a:pPr marL="457200" indent="-457200">
+              <a:buFont typeface="Wingdings" panose="05000000000000000000" pitchFamily="2" charset="2"/>
+              <a:buChar char="p"/>
+            </a:pPr>
+            <a:r>
+              <a:rPr lang="en-US" altLang="zh-TW" sz="2800" dirty="0"/>
+              <a:t>For checking correlation between categorical variables </a:t>
+            </a:r>
+          </a:p>
+          <a:p>
+            <a:pPr marL="457200" indent="-457200">
+              <a:buFont typeface="Wingdings" panose="05000000000000000000" pitchFamily="2" charset="2"/>
+              <a:buChar char="p"/>
+            </a:pPr>
+            <a:endParaRPr lang="en-US" altLang="zh-TW" sz="2800" dirty="0"/>
+          </a:p>
+          <a:p>
+            <a:pPr marL="457200" indent="-457200">
+              <a:buFont typeface="Wingdings" panose="05000000000000000000" pitchFamily="2" charset="2"/>
+              <a:buChar char="p"/>
+            </a:pPr>
+            <a:r>
+              <a:rPr lang="en-US" altLang="zh-TW" sz="2800" dirty="0"/>
+              <a:t>Similar with heatmap for numerical variables</a:t>
+            </a:r>
+          </a:p>
+          <a:p>
+            <a:pPr marL="457200" indent="-457200">
+              <a:buFont typeface="Wingdings" panose="05000000000000000000" pitchFamily="2" charset="2"/>
+              <a:buChar char="p"/>
+            </a:pPr>
+            <a:endParaRPr lang="en-US" altLang="zh-TW" sz="2800" dirty="0"/>
+          </a:p>
+          <a:p>
+            <a:pPr marL="457200" indent="-457200">
+              <a:buFont typeface="Wingdings" panose="05000000000000000000" pitchFamily="2" charset="2"/>
+              <a:buChar char="p"/>
+            </a:pPr>
+            <a:r>
+              <a:rPr lang="en-US" altLang="zh-TW" sz="2800" dirty="0"/>
+              <a:t>Null Hypothesis: The categorical variables are not correlated</a:t>
+            </a:r>
+          </a:p>
+          <a:p>
+            <a:pPr marL="457200" indent="-457200">
+              <a:buFont typeface="Wingdings" panose="05000000000000000000" pitchFamily="2" charset="2"/>
+              <a:buChar char="p"/>
+            </a:pPr>
+            <a:endParaRPr lang="en-US" altLang="zh-TW" sz="2800" dirty="0"/>
+          </a:p>
+          <a:p>
+            <a:pPr marL="457200" indent="-457200">
+              <a:buFont typeface="Wingdings" panose="05000000000000000000" pitchFamily="2" charset="2"/>
+              <a:buChar char="p"/>
+            </a:pPr>
+            <a:r>
+              <a:rPr lang="en-US" altLang="zh-TW" sz="2800" dirty="0"/>
+              <a:t>Findings: Smoker and Gender,  </a:t>
+            </a:r>
+            <a:r>
+              <a:rPr lang="en-US" altLang="zh-TW" sz="2800" dirty="0" err="1"/>
+              <a:t>bmi</a:t>
+            </a:r>
+            <a:r>
+              <a:rPr lang="en-US" altLang="zh-TW" sz="2800" dirty="0"/>
+              <a:t> and Gender are correlated</a:t>
+            </a:r>
           </a:p>
         </p:txBody>
       </p:sp>
     </p:spTree>
     <p:extLst>
       <p:ext uri="{BB962C8B-B14F-4D97-AF65-F5344CB8AC3E}">
-        <p14:creationId xmlns:p14="http://schemas.microsoft.com/office/powerpoint/2010/main" val="3737491056"/>
+        <p14:creationId xmlns:p14="http://schemas.microsoft.com/office/powerpoint/2010/main" val="2598681696"/>
       </p:ext>
     </p:extLst>
   </p:cSld>
@@ -3753,7 +3826,7 @@
           <a:p>
             <a:r>
               <a:rPr lang="en-US" altLang="zh-TW" sz="3600" dirty="0"/>
-              <a:t>Modelling – Feature Selection</a:t>
+              <a:t>Modelling</a:t>
             </a:r>
             <a:endParaRPr lang="zh-TW" altLang="en-US" sz="3600" dirty="0"/>
           </a:p>
@@ -3761,10 +3834,10 @@
       </p:sp>
       <p:sp>
         <p:nvSpPr>
-          <p:cNvPr id="3" name="文字方塊 2">
+          <p:cNvPr id="5" name="文字方塊 4">
             <a:extLst>
               <a:ext uri="{FF2B5EF4-FFF2-40B4-BE49-F238E27FC236}">
-                <a16:creationId xmlns:a16="http://schemas.microsoft.com/office/drawing/2014/main" id="{4A31BB5C-5672-4A3C-878D-8574BD98EBC3}"/>
+                <a16:creationId xmlns:a16="http://schemas.microsoft.com/office/drawing/2014/main" id="{71A541B6-D2D0-47B7-8641-EC9F2C6A583D}"/>
               </a:ext>
             </a:extLst>
           </p:cNvPr>
@@ -3773,8 +3846,8 @@
         </p:nvSpPr>
         <p:spPr>
           <a:xfrm>
-            <a:off x="857839" y="1033541"/>
-            <a:ext cx="8974317" cy="461665"/>
+            <a:off x="838985" y="1190009"/>
+            <a:ext cx="9472333" cy="5262979"/>
           </a:xfrm>
           <a:prstGeom prst="rect">
             <a:avLst/>
@@ -3787,104 +3860,92 @@
           </a:bodyPr>
           <a:lstStyle/>
           <a:p>
-            <a:r>
-              <a:rPr lang="en-US" altLang="zh-TW" sz="2400"/>
-              <a:t>Recursive Feature Elimination and Cross-Validation Selection (RFECV)</a:t>
-            </a:r>
-            <a:endParaRPr lang="en-US" altLang="zh-TW" sz="2400" dirty="0"/>
-          </a:p>
-        </p:txBody>
-      </p:sp>
-      <p:pic>
-        <p:nvPicPr>
-          <p:cNvPr id="3074" name="Picture 2">
-            <a:extLst>
-              <a:ext uri="{FF2B5EF4-FFF2-40B4-BE49-F238E27FC236}">
-                <a16:creationId xmlns:a16="http://schemas.microsoft.com/office/drawing/2014/main" id="{4C881D46-6295-45B5-8C14-6AF170045B4A}"/>
-              </a:ext>
-            </a:extLst>
-          </p:cNvPr>
-          <p:cNvPicPr>
-            <a:picLocks noChangeAspect="1" noChangeArrowheads="1"/>
-          </p:cNvPicPr>
-          <p:nvPr/>
-        </p:nvPicPr>
-        <p:blipFill>
-          <a:blip r:embed="rId2">
-            <a:extLst>
-              <a:ext uri="{28A0092B-C50C-407E-A947-70E740481C1C}">
-                <a14:useLocalDpi xmlns:a14="http://schemas.microsoft.com/office/drawing/2010/main" val="0"/>
-              </a:ext>
-            </a:extLst>
-          </a:blip>
-          <a:srcRect/>
-          <a:stretch>
-            <a:fillRect/>
-          </a:stretch>
-        </p:blipFill>
-        <p:spPr bwMode="auto">
-          <a:xfrm>
-            <a:off x="1746186" y="1729177"/>
-            <a:ext cx="8460813" cy="5128823"/>
-          </a:xfrm>
-          <a:prstGeom prst="rect">
-            <a:avLst/>
-          </a:prstGeom>
-          <a:noFill/>
-          <a:extLst>
-            <a:ext uri="{909E8E84-426E-40DD-AFC4-6F175D3DCCD1}">
-              <a14:hiddenFill xmlns:a14="http://schemas.microsoft.com/office/drawing/2010/main">
-                <a:solidFill>
-                  <a:srgbClr val="FFFFFF"/>
-                </a:solidFill>
-              </a14:hiddenFill>
-            </a:ext>
-          </a:extLst>
-        </p:spPr>
-      </p:pic>
-      <p:cxnSp>
-        <p:nvCxnSpPr>
-          <p:cNvPr id="7" name="直線接點 6">
-            <a:extLst>
-              <a:ext uri="{FF2B5EF4-FFF2-40B4-BE49-F238E27FC236}">
-                <a16:creationId xmlns:a16="http://schemas.microsoft.com/office/drawing/2014/main" id="{FB7ED45F-FB59-48F4-8ACB-B1B51A5B434D}"/>
-              </a:ext>
-            </a:extLst>
-          </p:cNvPr>
-          <p:cNvCxnSpPr>
-            <a:cxnSpLocks/>
-          </p:cNvCxnSpPr>
-          <p:nvPr/>
-        </p:nvCxnSpPr>
-        <p:spPr>
-          <a:xfrm flipV="1">
-            <a:off x="5243810" y="2111604"/>
-            <a:ext cx="0" cy="4250286"/>
-          </a:xfrm>
-          <a:prstGeom prst="line">
-            <a:avLst/>
-          </a:prstGeom>
-          <a:ln w="38100"/>
-        </p:spPr>
-        <p:style>
-          <a:lnRef idx="1">
-            <a:schemeClr val="accent2"/>
-          </a:lnRef>
-          <a:fillRef idx="0">
-            <a:schemeClr val="accent2"/>
-          </a:fillRef>
-          <a:effectRef idx="0">
-            <a:schemeClr val="accent2"/>
-          </a:effectRef>
-          <a:fontRef idx="minor">
-            <a:schemeClr val="tx1"/>
-          </a:fontRef>
-        </p:style>
-      </p:cxnSp>
+            <a:pPr marL="342900" indent="-342900">
+              <a:buFont typeface="Wingdings" panose="05000000000000000000" pitchFamily="2" charset="2"/>
+              <a:buChar char="p"/>
+            </a:pPr>
+            <a:r>
+              <a:rPr lang="en-US" altLang="zh-TW" sz="2800" dirty="0"/>
+              <a:t>2 ML approaches for predicting continuous variable</a:t>
+            </a:r>
+          </a:p>
+          <a:p>
+            <a:endParaRPr lang="en-US" altLang="zh-TW" sz="2800" dirty="0"/>
+          </a:p>
+          <a:p>
+            <a:pPr marL="457200" indent="-457200">
+              <a:buFont typeface="Wingdings" panose="05000000000000000000" pitchFamily="2" charset="2"/>
+              <a:buChar char="p"/>
+            </a:pPr>
+            <a:r>
+              <a:rPr lang="en-US" altLang="zh-TW" sz="2800" dirty="0"/>
+              <a:t>Ordinary least squares (OLS)</a:t>
+            </a:r>
+          </a:p>
+          <a:p>
+            <a:pPr marL="457200" indent="-457200">
+              <a:buFont typeface="Wingdings" panose="05000000000000000000" pitchFamily="2" charset="2"/>
+              <a:buChar char="p"/>
+            </a:pPr>
+            <a:endParaRPr lang="en-US" altLang="zh-TW" sz="2800" dirty="0"/>
+          </a:p>
+          <a:p>
+            <a:pPr marL="457200" indent="-457200">
+              <a:buFont typeface="Wingdings" panose="05000000000000000000" pitchFamily="2" charset="2"/>
+              <a:buChar char="u"/>
+            </a:pPr>
+            <a:r>
+              <a:rPr lang="en-US" altLang="zh-TW" sz="2800" dirty="0"/>
+              <a:t> A type of linear least squares method for estimating the unknown continuous variable in a linear regression model</a:t>
+            </a:r>
+          </a:p>
+          <a:p>
+            <a:pPr marL="457200" indent="-457200">
+              <a:buFont typeface="Wingdings" panose="05000000000000000000" pitchFamily="2" charset="2"/>
+              <a:buChar char="u"/>
+            </a:pPr>
+            <a:endParaRPr lang="en-US" altLang="zh-TW" sz="2800" dirty="0"/>
+          </a:p>
+          <a:p>
+            <a:pPr marL="457200" indent="-457200">
+              <a:buFont typeface="Wingdings" panose="05000000000000000000" pitchFamily="2" charset="2"/>
+              <a:buChar char="p"/>
+            </a:pPr>
+            <a:r>
+              <a:rPr lang="en-US" altLang="zh-TW" sz="2800" dirty="0"/>
+              <a:t>Random Forest Regressor (RFR)</a:t>
+            </a:r>
+          </a:p>
+          <a:p>
+            <a:pPr marL="457200" indent="-457200">
+              <a:buFont typeface="Wingdings" panose="05000000000000000000" pitchFamily="2" charset="2"/>
+              <a:buChar char="p"/>
+            </a:pPr>
+            <a:endParaRPr lang="en-US" altLang="zh-TW" sz="2800" dirty="0"/>
+          </a:p>
+          <a:p>
+            <a:pPr marL="457200" indent="-457200">
+              <a:buFont typeface="Wingdings" panose="05000000000000000000" pitchFamily="2" charset="2"/>
+              <a:buChar char="u"/>
+            </a:pPr>
+            <a:r>
+              <a:rPr lang="en-US" altLang="zh-TW" sz="2800" dirty="0"/>
+              <a:t>An ensemble learning method for regression operate by constructing a multitude of decision trees</a:t>
+            </a:r>
+          </a:p>
+          <a:p>
+            <a:pPr marL="457200" indent="-457200">
+              <a:buFont typeface="Wingdings" panose="05000000000000000000" pitchFamily="2" charset="2"/>
+              <a:buChar char="p"/>
+            </a:pPr>
+            <a:endParaRPr lang="en-US" altLang="zh-TW" sz="2800" dirty="0"/>
+          </a:p>
+        </p:txBody>
+      </p:sp>
     </p:spTree>
     <p:extLst>
       <p:ext uri="{BB962C8B-B14F-4D97-AF65-F5344CB8AC3E}">
-        <p14:creationId xmlns:p14="http://schemas.microsoft.com/office/powerpoint/2010/main" val="3980520121"/>
+        <p14:creationId xmlns:p14="http://schemas.microsoft.com/office/powerpoint/2010/main" val="3376696260"/>
       </p:ext>
     </p:extLst>
   </p:cSld>
@@ -3965,6 +4026,607 @@
           <a:p>
             <a:r>
               <a:rPr lang="en-US" altLang="zh-TW" sz="3600" dirty="0"/>
+              <a:t>Modelling – Feature Selection</a:t>
+            </a:r>
+            <a:endParaRPr lang="zh-TW" altLang="en-US" sz="3600" dirty="0"/>
+          </a:p>
+        </p:txBody>
+      </p:sp>
+      <p:sp>
+        <p:nvSpPr>
+          <p:cNvPr id="3" name="文字方塊 2">
+            <a:extLst>
+              <a:ext uri="{FF2B5EF4-FFF2-40B4-BE49-F238E27FC236}">
+                <a16:creationId xmlns:a16="http://schemas.microsoft.com/office/drawing/2014/main" id="{4A31BB5C-5672-4A3C-878D-8574BD98EBC3}"/>
+              </a:ext>
+            </a:extLst>
+          </p:cNvPr>
+          <p:cNvSpPr txBox="1"/>
+          <p:nvPr/>
+        </p:nvSpPr>
+        <p:spPr>
+          <a:xfrm>
+            <a:off x="857839" y="1289046"/>
+            <a:ext cx="8974317" cy="461665"/>
+          </a:xfrm>
+          <a:prstGeom prst="rect">
+            <a:avLst/>
+          </a:prstGeom>
+          <a:noFill/>
+        </p:spPr>
+        <p:txBody>
+          <a:bodyPr wrap="square" rtlCol="0">
+            <a:spAutoFit/>
+          </a:bodyPr>
+          <a:lstStyle/>
+          <a:p>
+            <a:r>
+              <a:rPr lang="en-US" altLang="zh-TW" sz="2400" dirty="0"/>
+              <a:t>OLS Summary Report</a:t>
+            </a:r>
+            <a:endParaRPr lang="zh-TW" altLang="en-US" dirty="0"/>
+          </a:p>
+        </p:txBody>
+      </p:sp>
+      <p:pic>
+        <p:nvPicPr>
+          <p:cNvPr id="5" name="圖片 4">
+            <a:extLst>
+              <a:ext uri="{FF2B5EF4-FFF2-40B4-BE49-F238E27FC236}">
+                <a16:creationId xmlns:a16="http://schemas.microsoft.com/office/drawing/2014/main" id="{C2B969B4-5C0B-4FB2-8CAA-226C627C5DE5}"/>
+              </a:ext>
+            </a:extLst>
+          </p:cNvPr>
+          <p:cNvPicPr>
+            <a:picLocks noChangeAspect="1"/>
+          </p:cNvPicPr>
+          <p:nvPr/>
+        </p:nvPicPr>
+        <p:blipFill rotWithShape="1">
+          <a:blip r:embed="rId2"/>
+          <a:srcRect l="18247" t="23720" r="47809" b="24399"/>
+          <a:stretch/>
+        </p:blipFill>
+        <p:spPr>
+          <a:xfrm>
+            <a:off x="2950591" y="1823117"/>
+            <a:ext cx="5599520" cy="4814272"/>
+          </a:xfrm>
+          <a:prstGeom prst="rect">
+            <a:avLst/>
+          </a:prstGeom>
+        </p:spPr>
+      </p:pic>
+      <p:sp>
+        <p:nvSpPr>
+          <p:cNvPr id="6" name="矩形 5">
+            <a:extLst>
+              <a:ext uri="{FF2B5EF4-FFF2-40B4-BE49-F238E27FC236}">
+                <a16:creationId xmlns:a16="http://schemas.microsoft.com/office/drawing/2014/main" id="{185C8ED5-C502-46E4-98A1-9136B5BA7E42}"/>
+              </a:ext>
+            </a:extLst>
+          </p:cNvPr>
+          <p:cNvSpPr/>
+          <p:nvPr/>
+        </p:nvSpPr>
+        <p:spPr>
+          <a:xfrm>
+            <a:off x="6096000" y="1668544"/>
+            <a:ext cx="606458" cy="5024487"/>
+          </a:xfrm>
+          <a:prstGeom prst="rect">
+            <a:avLst/>
+          </a:prstGeom>
+          <a:noFill/>
+          <a:ln w="57150">
+            <a:solidFill>
+              <a:srgbClr val="FF0000"/>
+            </a:solidFill>
+          </a:ln>
+        </p:spPr>
+        <p:style>
+          <a:lnRef idx="2">
+            <a:schemeClr val="accent1">
+              <a:shade val="50000"/>
+            </a:schemeClr>
+          </a:lnRef>
+          <a:fillRef idx="1">
+            <a:schemeClr val="accent1"/>
+          </a:fillRef>
+          <a:effectRef idx="0">
+            <a:schemeClr val="accent1"/>
+          </a:effectRef>
+          <a:fontRef idx="minor">
+            <a:schemeClr val="lt1"/>
+          </a:fontRef>
+        </p:style>
+        <p:txBody>
+          <a:bodyPr rtlCol="0" anchor="ctr"/>
+          <a:lstStyle/>
+          <a:p>
+            <a:pPr algn="ctr"/>
+            <a:endParaRPr lang="zh-TW" altLang="en-US">
+              <a:ln>
+                <a:solidFill>
+                  <a:srgbClr val="C00000"/>
+                </a:solidFill>
+              </a:ln>
+            </a:endParaRPr>
+          </a:p>
+        </p:txBody>
+      </p:sp>
+    </p:spTree>
+    <p:extLst>
+      <p:ext uri="{BB962C8B-B14F-4D97-AF65-F5344CB8AC3E}">
+        <p14:creationId xmlns:p14="http://schemas.microsoft.com/office/powerpoint/2010/main" val="3737491056"/>
+      </p:ext>
+    </p:extLst>
+  </p:cSld>
+  <p:clrMapOvr>
+    <a:masterClrMapping/>
+  </p:clrMapOvr>
+</p:sld>
+</file>
+
+<file path=ppt/slides/slide13.xml><?xml version="1.0" encoding="utf-8"?>
+<p:sld xmlns:a="http://schemas.openxmlformats.org/drawingml/2006/main" xmlns:r="http://schemas.openxmlformats.org/officeDocument/2006/relationships" xmlns:p="http://schemas.openxmlformats.org/presentationml/2006/main">
+  <p:cSld>
+    <p:bg>
+      <p:bgPr>
+        <a:gradFill rotWithShape="1">
+          <a:gsLst>
+            <a:gs pos="0">
+              <a:schemeClr val="bg2">
+                <a:tint val="94000"/>
+                <a:satMod val="80000"/>
+                <a:lumMod val="106000"/>
+              </a:schemeClr>
+            </a:gs>
+            <a:gs pos="100000">
+              <a:schemeClr val="bg2">
+                <a:shade val="80000"/>
+              </a:schemeClr>
+            </a:gs>
+          </a:gsLst>
+          <a:path path="circle">
+            <a:fillToRect l="43000" r="43000" b="100000"/>
+          </a:path>
+        </a:gradFill>
+        <a:effectLst/>
+      </p:bgPr>
+    </p:bg>
+    <p:spTree>
+      <p:nvGrpSpPr>
+        <p:cNvPr id="1" name=""/>
+        <p:cNvGrpSpPr/>
+        <p:nvPr/>
+      </p:nvGrpSpPr>
+      <p:grpSpPr>
+        <a:xfrm>
+          <a:off x="0" y="0"/>
+          <a:ext cx="0" cy="0"/>
+          <a:chOff x="0" y="0"/>
+          <a:chExt cx="0" cy="0"/>
+        </a:xfrm>
+      </p:grpSpPr>
+      <p:sp>
+        <p:nvSpPr>
+          <p:cNvPr id="4" name="文字方塊 3">
+            <a:extLst>
+              <a:ext uri="{FF2B5EF4-FFF2-40B4-BE49-F238E27FC236}">
+                <a16:creationId xmlns:a16="http://schemas.microsoft.com/office/drawing/2014/main" id="{2659F110-C4F6-48B8-91F7-F97A47BEF5C6}"/>
+              </a:ext>
+            </a:extLst>
+          </p:cNvPr>
+          <p:cNvSpPr txBox="1"/>
+          <p:nvPr/>
+        </p:nvSpPr>
+        <p:spPr>
+          <a:xfrm>
+            <a:off x="857839" y="490194"/>
+            <a:ext cx="10237509" cy="646331"/>
+          </a:xfrm>
+          <a:prstGeom prst="rect">
+            <a:avLst/>
+          </a:prstGeom>
+          <a:noFill/>
+        </p:spPr>
+        <p:txBody>
+          <a:bodyPr wrap="square" rtlCol="0">
+            <a:spAutoFit/>
+          </a:bodyPr>
+          <a:lstStyle/>
+          <a:p>
+            <a:r>
+              <a:rPr lang="en-US" altLang="zh-TW" sz="3600" dirty="0"/>
+              <a:t>Modelling – Feature Selection</a:t>
+            </a:r>
+            <a:endParaRPr lang="zh-TW" altLang="en-US" sz="3600" dirty="0"/>
+          </a:p>
+        </p:txBody>
+      </p:sp>
+      <p:sp>
+        <p:nvSpPr>
+          <p:cNvPr id="3" name="文字方塊 2">
+            <a:extLst>
+              <a:ext uri="{FF2B5EF4-FFF2-40B4-BE49-F238E27FC236}">
+                <a16:creationId xmlns:a16="http://schemas.microsoft.com/office/drawing/2014/main" id="{4A31BB5C-5672-4A3C-878D-8574BD98EBC3}"/>
+              </a:ext>
+            </a:extLst>
+          </p:cNvPr>
+          <p:cNvSpPr txBox="1"/>
+          <p:nvPr/>
+        </p:nvSpPr>
+        <p:spPr>
+          <a:xfrm>
+            <a:off x="857839" y="1033541"/>
+            <a:ext cx="8974317" cy="461665"/>
+          </a:xfrm>
+          <a:prstGeom prst="rect">
+            <a:avLst/>
+          </a:prstGeom>
+          <a:noFill/>
+        </p:spPr>
+        <p:txBody>
+          <a:bodyPr wrap="square" rtlCol="0">
+            <a:spAutoFit/>
+          </a:bodyPr>
+          <a:lstStyle/>
+          <a:p>
+            <a:r>
+              <a:rPr lang="en-US" altLang="zh-TW" sz="2400"/>
+              <a:t>Recursive Feature Elimination and Cross-Validation Selection (RFECV)</a:t>
+            </a:r>
+            <a:endParaRPr lang="en-US" altLang="zh-TW" sz="2400" dirty="0"/>
+          </a:p>
+        </p:txBody>
+      </p:sp>
+      <p:pic>
+        <p:nvPicPr>
+          <p:cNvPr id="3074" name="Picture 2">
+            <a:extLst>
+              <a:ext uri="{FF2B5EF4-FFF2-40B4-BE49-F238E27FC236}">
+                <a16:creationId xmlns:a16="http://schemas.microsoft.com/office/drawing/2014/main" id="{4C881D46-6295-45B5-8C14-6AF170045B4A}"/>
+              </a:ext>
+            </a:extLst>
+          </p:cNvPr>
+          <p:cNvPicPr>
+            <a:picLocks noChangeAspect="1" noChangeArrowheads="1"/>
+          </p:cNvPicPr>
+          <p:nvPr/>
+        </p:nvPicPr>
+        <p:blipFill>
+          <a:blip r:embed="rId2">
+            <a:extLst>
+              <a:ext uri="{28A0092B-C50C-407E-A947-70E740481C1C}">
+                <a14:useLocalDpi xmlns:a14="http://schemas.microsoft.com/office/drawing/2010/main" val="0"/>
+              </a:ext>
+            </a:extLst>
+          </a:blip>
+          <a:srcRect/>
+          <a:stretch>
+            <a:fillRect/>
+          </a:stretch>
+        </p:blipFill>
+        <p:spPr bwMode="auto">
+          <a:xfrm>
+            <a:off x="1746186" y="1729177"/>
+            <a:ext cx="8460813" cy="5128823"/>
+          </a:xfrm>
+          <a:prstGeom prst="rect">
+            <a:avLst/>
+          </a:prstGeom>
+          <a:noFill/>
+          <a:extLst>
+            <a:ext uri="{909E8E84-426E-40DD-AFC4-6F175D3DCCD1}">
+              <a14:hiddenFill xmlns:a14="http://schemas.microsoft.com/office/drawing/2010/main">
+                <a:solidFill>
+                  <a:srgbClr val="FFFFFF"/>
+                </a:solidFill>
+              </a14:hiddenFill>
+            </a:ext>
+          </a:extLst>
+        </p:spPr>
+      </p:pic>
+      <p:cxnSp>
+        <p:nvCxnSpPr>
+          <p:cNvPr id="7" name="直線接點 6">
+            <a:extLst>
+              <a:ext uri="{FF2B5EF4-FFF2-40B4-BE49-F238E27FC236}">
+                <a16:creationId xmlns:a16="http://schemas.microsoft.com/office/drawing/2014/main" id="{FB7ED45F-FB59-48F4-8ACB-B1B51A5B434D}"/>
+              </a:ext>
+            </a:extLst>
+          </p:cNvPr>
+          <p:cNvCxnSpPr>
+            <a:cxnSpLocks/>
+          </p:cNvCxnSpPr>
+          <p:nvPr/>
+        </p:nvCxnSpPr>
+        <p:spPr>
+          <a:xfrm flipV="1">
+            <a:off x="5243810" y="2111604"/>
+            <a:ext cx="0" cy="4250286"/>
+          </a:xfrm>
+          <a:prstGeom prst="line">
+            <a:avLst/>
+          </a:prstGeom>
+          <a:ln w="38100"/>
+        </p:spPr>
+        <p:style>
+          <a:lnRef idx="1">
+            <a:schemeClr val="accent2"/>
+          </a:lnRef>
+          <a:fillRef idx="0">
+            <a:schemeClr val="accent2"/>
+          </a:fillRef>
+          <a:effectRef idx="0">
+            <a:schemeClr val="accent2"/>
+          </a:effectRef>
+          <a:fontRef idx="minor">
+            <a:schemeClr val="tx1"/>
+          </a:fontRef>
+        </p:style>
+      </p:cxnSp>
+    </p:spTree>
+    <p:extLst>
+      <p:ext uri="{BB962C8B-B14F-4D97-AF65-F5344CB8AC3E}">
+        <p14:creationId xmlns:p14="http://schemas.microsoft.com/office/powerpoint/2010/main" val="3980520121"/>
+      </p:ext>
+    </p:extLst>
+  </p:cSld>
+  <p:clrMapOvr>
+    <a:masterClrMapping/>
+  </p:clrMapOvr>
+</p:sld>
+</file>
+
+<file path=ppt/slides/slide14.xml><?xml version="1.0" encoding="utf-8"?>
+<p:sld xmlns:a="http://schemas.openxmlformats.org/drawingml/2006/main" xmlns:r="http://schemas.openxmlformats.org/officeDocument/2006/relationships" xmlns:p="http://schemas.openxmlformats.org/presentationml/2006/main">
+  <p:cSld>
+    <p:bg>
+      <p:bgPr>
+        <a:gradFill rotWithShape="1">
+          <a:gsLst>
+            <a:gs pos="0">
+              <a:schemeClr val="bg2">
+                <a:tint val="94000"/>
+                <a:satMod val="80000"/>
+                <a:lumMod val="106000"/>
+              </a:schemeClr>
+            </a:gs>
+            <a:gs pos="100000">
+              <a:schemeClr val="bg2">
+                <a:shade val="80000"/>
+              </a:schemeClr>
+            </a:gs>
+          </a:gsLst>
+          <a:path path="circle">
+            <a:fillToRect l="43000" r="43000" b="100000"/>
+          </a:path>
+        </a:gradFill>
+        <a:effectLst/>
+      </p:bgPr>
+    </p:bg>
+    <p:spTree>
+      <p:nvGrpSpPr>
+        <p:cNvPr id="1" name=""/>
+        <p:cNvGrpSpPr/>
+        <p:nvPr/>
+      </p:nvGrpSpPr>
+      <p:grpSpPr>
+        <a:xfrm>
+          <a:off x="0" y="0"/>
+          <a:ext cx="0" cy="0"/>
+          <a:chOff x="0" y="0"/>
+          <a:chExt cx="0" cy="0"/>
+        </a:xfrm>
+      </p:grpSpPr>
+      <p:sp>
+        <p:nvSpPr>
+          <p:cNvPr id="4" name="文字方塊 3">
+            <a:extLst>
+              <a:ext uri="{FF2B5EF4-FFF2-40B4-BE49-F238E27FC236}">
+                <a16:creationId xmlns:a16="http://schemas.microsoft.com/office/drawing/2014/main" id="{2659F110-C4F6-48B8-91F7-F97A47BEF5C6}"/>
+              </a:ext>
+            </a:extLst>
+          </p:cNvPr>
+          <p:cNvSpPr txBox="1"/>
+          <p:nvPr/>
+        </p:nvSpPr>
+        <p:spPr>
+          <a:xfrm>
+            <a:off x="857839" y="490194"/>
+            <a:ext cx="10237509" cy="646331"/>
+          </a:xfrm>
+          <a:prstGeom prst="rect">
+            <a:avLst/>
+          </a:prstGeom>
+          <a:noFill/>
+        </p:spPr>
+        <p:txBody>
+          <a:bodyPr wrap="square" rtlCol="0">
+            <a:spAutoFit/>
+          </a:bodyPr>
+          <a:lstStyle/>
+          <a:p>
+            <a:r>
+              <a:rPr lang="en-US" altLang="zh-TW" sz="3600" dirty="0"/>
+              <a:t>Result – Metrics</a:t>
+            </a:r>
+            <a:endParaRPr lang="zh-TW" altLang="en-US" sz="3600" dirty="0"/>
+          </a:p>
+        </p:txBody>
+      </p:sp>
+      <p:sp>
+        <p:nvSpPr>
+          <p:cNvPr id="7" name="文字方塊 6">
+            <a:extLst>
+              <a:ext uri="{FF2B5EF4-FFF2-40B4-BE49-F238E27FC236}">
+                <a16:creationId xmlns:a16="http://schemas.microsoft.com/office/drawing/2014/main" id="{2A564A91-525B-49B4-990B-678C4396F191}"/>
+              </a:ext>
+            </a:extLst>
+          </p:cNvPr>
+          <p:cNvSpPr txBox="1"/>
+          <p:nvPr/>
+        </p:nvSpPr>
+        <p:spPr>
+          <a:xfrm>
+            <a:off x="857839" y="1628303"/>
+            <a:ext cx="10884455" cy="3539430"/>
+          </a:xfrm>
+          <a:prstGeom prst="rect">
+            <a:avLst/>
+          </a:prstGeom>
+          <a:noFill/>
+        </p:spPr>
+        <p:txBody>
+          <a:bodyPr wrap="none" rtlCol="0">
+            <a:spAutoFit/>
+          </a:bodyPr>
+          <a:lstStyle/>
+          <a:p>
+            <a:pPr marL="457200" indent="-457200">
+              <a:buFont typeface="Wingdings" panose="05000000000000000000" pitchFamily="2" charset="2"/>
+              <a:buChar char="p"/>
+            </a:pPr>
+            <a:r>
+              <a:rPr lang="en-US" altLang="zh-TW" sz="2800" dirty="0"/>
+              <a:t>R2 Score</a:t>
+            </a:r>
+          </a:p>
+          <a:p>
+            <a:r>
+              <a:rPr lang="en-US" altLang="zh-TW" sz="2800" dirty="0"/>
+              <a:t>R2 is a statistic that will give some information about the goodness of </a:t>
+            </a:r>
+          </a:p>
+          <a:p>
+            <a:r>
+              <a:rPr lang="en-US" altLang="zh-TW" sz="2800" dirty="0"/>
+              <a:t>fit of a model. (Best model will have R2 Score:1)</a:t>
+            </a:r>
+          </a:p>
+          <a:p>
+            <a:pPr marL="457200" indent="-457200">
+              <a:buFont typeface="Wingdings" panose="05000000000000000000" pitchFamily="2" charset="2"/>
+              <a:buChar char="p"/>
+            </a:pPr>
+            <a:endParaRPr lang="en-US" altLang="zh-TW" sz="2800" dirty="0"/>
+          </a:p>
+          <a:p>
+            <a:pPr marL="457200" indent="-457200">
+              <a:buFont typeface="Wingdings" panose="05000000000000000000" pitchFamily="2" charset="2"/>
+              <a:buChar char="p"/>
+            </a:pPr>
+            <a:r>
+              <a:rPr lang="en-US" altLang="zh-TW" sz="2800" dirty="0"/>
+              <a:t>Root Mean Square Error(RMSE)</a:t>
+            </a:r>
+          </a:p>
+          <a:p>
+            <a:r>
+              <a:rPr lang="en-US" altLang="zh-TW" sz="2800" dirty="0"/>
+              <a:t> A frequently used measure of the differences between values (sample or </a:t>
+            </a:r>
+          </a:p>
+          <a:p>
+            <a:r>
+              <a:rPr lang="en-US" altLang="zh-TW" sz="2800" dirty="0"/>
+              <a:t>population values) predicted by a model or an estimator and the </a:t>
+            </a:r>
+          </a:p>
+          <a:p>
+            <a:r>
+              <a:rPr lang="en-US" altLang="zh-TW" sz="2800" dirty="0"/>
+              <a:t>values observed. </a:t>
+            </a:r>
+          </a:p>
+        </p:txBody>
+      </p:sp>
+    </p:spTree>
+    <p:extLst>
+      <p:ext uri="{BB962C8B-B14F-4D97-AF65-F5344CB8AC3E}">
+        <p14:creationId xmlns:p14="http://schemas.microsoft.com/office/powerpoint/2010/main" val="1758822958"/>
+      </p:ext>
+    </p:extLst>
+  </p:cSld>
+  <p:clrMapOvr>
+    <a:masterClrMapping/>
+  </p:clrMapOvr>
+</p:sld>
+</file>
+
+<file path=ppt/slides/slide15.xml><?xml version="1.0" encoding="utf-8"?>
+<p:sld xmlns:a="http://schemas.openxmlformats.org/drawingml/2006/main" xmlns:r="http://schemas.openxmlformats.org/officeDocument/2006/relationships" xmlns:p="http://schemas.openxmlformats.org/presentationml/2006/main">
+  <p:cSld>
+    <p:bg>
+      <p:bgPr>
+        <a:gradFill rotWithShape="1">
+          <a:gsLst>
+            <a:gs pos="0">
+              <a:schemeClr val="bg2">
+                <a:tint val="94000"/>
+                <a:satMod val="80000"/>
+                <a:lumMod val="106000"/>
+              </a:schemeClr>
+            </a:gs>
+            <a:gs pos="100000">
+              <a:schemeClr val="bg2">
+                <a:shade val="80000"/>
+              </a:schemeClr>
+            </a:gs>
+          </a:gsLst>
+          <a:path path="circle">
+            <a:fillToRect l="43000" r="43000" b="100000"/>
+          </a:path>
+        </a:gradFill>
+        <a:effectLst/>
+      </p:bgPr>
+    </p:bg>
+    <p:spTree>
+      <p:nvGrpSpPr>
+        <p:cNvPr id="1" name=""/>
+        <p:cNvGrpSpPr/>
+        <p:nvPr/>
+      </p:nvGrpSpPr>
+      <p:grpSpPr>
+        <a:xfrm>
+          <a:off x="0" y="0"/>
+          <a:ext cx="0" cy="0"/>
+          <a:chOff x="0" y="0"/>
+          <a:chExt cx="0" cy="0"/>
+        </a:xfrm>
+      </p:grpSpPr>
+      <p:sp>
+        <p:nvSpPr>
+          <p:cNvPr id="4" name="文字方塊 3">
+            <a:extLst>
+              <a:ext uri="{FF2B5EF4-FFF2-40B4-BE49-F238E27FC236}">
+                <a16:creationId xmlns:a16="http://schemas.microsoft.com/office/drawing/2014/main" id="{2659F110-C4F6-48B8-91F7-F97A47BEF5C6}"/>
+              </a:ext>
+            </a:extLst>
+          </p:cNvPr>
+          <p:cNvSpPr txBox="1"/>
+          <p:nvPr/>
+        </p:nvSpPr>
+        <p:spPr>
+          <a:xfrm>
+            <a:off x="857839" y="490194"/>
+            <a:ext cx="10237509" cy="646331"/>
+          </a:xfrm>
+          <a:prstGeom prst="rect">
+            <a:avLst/>
+          </a:prstGeom>
+          <a:noFill/>
+        </p:spPr>
+        <p:txBody>
+          <a:bodyPr wrap="square" rtlCol="0">
+            <a:spAutoFit/>
+          </a:bodyPr>
+          <a:lstStyle/>
+          <a:p>
+            <a:r>
+              <a:rPr lang="en-US" altLang="zh-TW" sz="3600" dirty="0"/>
               <a:t>Result – OLS Model</a:t>
             </a:r>
             <a:endParaRPr lang="zh-TW" altLang="en-US" sz="3600" dirty="0"/>
@@ -3983,13 +4645,7 @@
           <p:cNvGraphicFramePr>
             <a:graphicFrameLocks noGrp="1"/>
           </p:cNvGraphicFramePr>
-          <p:nvPr>
-            <p:extLst>
-              <p:ext uri="{D42A27DB-BD31-4B8C-83A1-F6EECF244321}">
-                <p14:modId xmlns:p14="http://schemas.microsoft.com/office/powerpoint/2010/main" val="2907570186"/>
-              </p:ext>
-            </p:extLst>
-          </p:nvPr>
+          <p:nvPr/>
         </p:nvGraphicFramePr>
         <p:xfrm>
           <a:off x="2146203" y="1989006"/>
@@ -4453,7 +5109,7 @@
     </p:spTree>
     <p:extLst>
       <p:ext uri="{BB962C8B-B14F-4D97-AF65-F5344CB8AC3E}">
-        <p14:creationId xmlns:p14="http://schemas.microsoft.com/office/powerpoint/2010/main" val="1758822958"/>
+        <p14:creationId xmlns:p14="http://schemas.microsoft.com/office/powerpoint/2010/main" val="2071218478"/>
       </p:ext>
     </p:extLst>
   </p:cSld>
@@ -4463,7 +5119,7 @@
 </p:sld>
 </file>
 
-<file path=ppt/slides/slide13.xml><?xml version="1.0" encoding="utf-8"?>
+<file path=ppt/slides/slide16.xml><?xml version="1.0" encoding="utf-8"?>
 <p:sld xmlns:a="http://schemas.openxmlformats.org/drawingml/2006/main" xmlns:r="http://schemas.openxmlformats.org/officeDocument/2006/relationships" xmlns:p="http://schemas.openxmlformats.org/presentationml/2006/main">
   <p:cSld>
     <p:bg>
@@ -4947,7 +5603,7 @@
 </p:sld>
 </file>
 
-<file path=ppt/slides/slide14.xml><?xml version="1.0" encoding="utf-8"?>
+<file path=ppt/slides/slide17.xml><?xml version="1.0" encoding="utf-8"?>
 <p:sld xmlns:a="http://schemas.openxmlformats.org/drawingml/2006/main" xmlns:r="http://schemas.openxmlformats.org/officeDocument/2006/relationships" xmlns:p="http://schemas.openxmlformats.org/presentationml/2006/main">
   <p:cSld>
     <p:bg>
@@ -5431,668 +6087,6 @@
 </p:sld>
 </file>
 
-<file path=ppt/slides/slide15.xml><?xml version="1.0" encoding="utf-8"?>
-<p:sld xmlns:a="http://schemas.openxmlformats.org/drawingml/2006/main" xmlns:r="http://schemas.openxmlformats.org/officeDocument/2006/relationships" xmlns:p="http://schemas.openxmlformats.org/presentationml/2006/main">
-  <p:cSld>
-    <p:bg>
-      <p:bgPr>
-        <a:gradFill rotWithShape="1">
-          <a:gsLst>
-            <a:gs pos="0">
-              <a:schemeClr val="bg2">
-                <a:tint val="94000"/>
-                <a:satMod val="80000"/>
-                <a:lumMod val="106000"/>
-              </a:schemeClr>
-            </a:gs>
-            <a:gs pos="100000">
-              <a:schemeClr val="bg2">
-                <a:shade val="80000"/>
-              </a:schemeClr>
-            </a:gs>
-          </a:gsLst>
-          <a:path path="circle">
-            <a:fillToRect l="43000" r="43000" b="100000"/>
-          </a:path>
-        </a:gradFill>
-        <a:effectLst/>
-      </p:bgPr>
-    </p:bg>
-    <p:spTree>
-      <p:nvGrpSpPr>
-        <p:cNvPr id="1" name=""/>
-        <p:cNvGrpSpPr/>
-        <p:nvPr/>
-      </p:nvGrpSpPr>
-      <p:grpSpPr>
-        <a:xfrm>
-          <a:off x="0" y="0"/>
-          <a:ext cx="0" cy="0"/>
-          <a:chOff x="0" y="0"/>
-          <a:chExt cx="0" cy="0"/>
-        </a:xfrm>
-      </p:grpSpPr>
-      <p:sp>
-        <p:nvSpPr>
-          <p:cNvPr id="4" name="文字方塊 3">
-            <a:extLst>
-              <a:ext uri="{FF2B5EF4-FFF2-40B4-BE49-F238E27FC236}">
-                <a16:creationId xmlns:a16="http://schemas.microsoft.com/office/drawing/2014/main" id="{2659F110-C4F6-48B8-91F7-F97A47BEF5C6}"/>
-              </a:ext>
-            </a:extLst>
-          </p:cNvPr>
-          <p:cNvSpPr txBox="1"/>
-          <p:nvPr/>
-        </p:nvSpPr>
-        <p:spPr>
-          <a:xfrm>
-            <a:off x="857839" y="490194"/>
-            <a:ext cx="10237509" cy="646331"/>
-          </a:xfrm>
-          <a:prstGeom prst="rect">
-            <a:avLst/>
-          </a:prstGeom>
-          <a:noFill/>
-        </p:spPr>
-        <p:txBody>
-          <a:bodyPr wrap="square" rtlCol="0">
-            <a:spAutoFit/>
-          </a:bodyPr>
-          <a:lstStyle/>
-          <a:p>
-            <a:r>
-              <a:rPr lang="en-US" altLang="zh-TW" sz="3600" dirty="0"/>
-              <a:t>Result –Feature Importance</a:t>
-            </a:r>
-            <a:endParaRPr lang="zh-TW" altLang="en-US" sz="3600" dirty="0"/>
-          </a:p>
-        </p:txBody>
-      </p:sp>
-      <p:pic>
-        <p:nvPicPr>
-          <p:cNvPr id="6" name="圖片 5">
-            <a:extLst>
-              <a:ext uri="{FF2B5EF4-FFF2-40B4-BE49-F238E27FC236}">
-                <a16:creationId xmlns:a16="http://schemas.microsoft.com/office/drawing/2014/main" id="{18753931-0CC8-4ED6-A49D-6237CF4978BC}"/>
-              </a:ext>
-            </a:extLst>
-          </p:cNvPr>
-          <p:cNvPicPr/>
-          <p:nvPr/>
-        </p:nvPicPr>
-        <p:blipFill>
-          <a:blip r:embed="rId2">
-            <a:extLst>
-              <a:ext uri="{28A0092B-C50C-407E-A947-70E740481C1C}">
-                <a14:useLocalDpi xmlns:a14="http://schemas.microsoft.com/office/drawing/2010/main" val="0"/>
-              </a:ext>
-            </a:extLst>
-          </a:blip>
-          <a:srcRect/>
-          <a:stretch>
-            <a:fillRect/>
-          </a:stretch>
-        </p:blipFill>
-        <p:spPr bwMode="auto">
-          <a:xfrm>
-            <a:off x="2582547" y="1136524"/>
-            <a:ext cx="6910245" cy="5721475"/>
-          </a:xfrm>
-          <a:prstGeom prst="rect">
-            <a:avLst/>
-          </a:prstGeom>
-          <a:noFill/>
-          <a:ln>
-            <a:noFill/>
-          </a:ln>
-        </p:spPr>
-      </p:pic>
-      <p:sp>
-        <p:nvSpPr>
-          <p:cNvPr id="11" name="箭號: 向下 10">
-            <a:extLst>
-              <a:ext uri="{FF2B5EF4-FFF2-40B4-BE49-F238E27FC236}">
-                <a16:creationId xmlns:a16="http://schemas.microsoft.com/office/drawing/2014/main" id="{C1BC723D-0519-4805-8664-11BAD2294205}"/>
-              </a:ext>
-            </a:extLst>
-          </p:cNvPr>
-          <p:cNvSpPr/>
-          <p:nvPr/>
-        </p:nvSpPr>
-        <p:spPr>
-          <a:xfrm>
-            <a:off x="9803876" y="3582186"/>
-            <a:ext cx="358616" cy="1385723"/>
-          </a:xfrm>
-          <a:prstGeom prst="downArrow">
-            <a:avLst/>
-          </a:prstGeom>
-        </p:spPr>
-        <p:style>
-          <a:lnRef idx="2">
-            <a:schemeClr val="accent1">
-              <a:shade val="50000"/>
-            </a:schemeClr>
-          </a:lnRef>
-          <a:fillRef idx="1">
-            <a:schemeClr val="accent1"/>
-          </a:fillRef>
-          <a:effectRef idx="0">
-            <a:schemeClr val="accent1"/>
-          </a:effectRef>
-          <a:fontRef idx="minor">
-            <a:schemeClr val="lt1"/>
-          </a:fontRef>
-        </p:style>
-        <p:txBody>
-          <a:bodyPr rtlCol="0" anchor="ctr"/>
-          <a:lstStyle/>
-          <a:p>
-            <a:pPr algn="ctr"/>
-            <a:endParaRPr lang="zh-TW" altLang="en-US"/>
-          </a:p>
-        </p:txBody>
-      </p:sp>
-      <p:sp>
-        <p:nvSpPr>
-          <p:cNvPr id="12" name="箭號: 向下 11">
-            <a:extLst>
-              <a:ext uri="{FF2B5EF4-FFF2-40B4-BE49-F238E27FC236}">
-                <a16:creationId xmlns:a16="http://schemas.microsoft.com/office/drawing/2014/main" id="{E471933D-A262-487D-85DC-9378CAEE21E4}"/>
-              </a:ext>
-            </a:extLst>
-          </p:cNvPr>
-          <p:cNvSpPr/>
-          <p:nvPr/>
-        </p:nvSpPr>
-        <p:spPr>
-          <a:xfrm rot="10800000">
-            <a:off x="9803876" y="2205873"/>
-            <a:ext cx="358616" cy="1385723"/>
-          </a:xfrm>
-          <a:prstGeom prst="downArrow">
-            <a:avLst/>
-          </a:prstGeom>
-        </p:spPr>
-        <p:style>
-          <a:lnRef idx="2">
-            <a:schemeClr val="accent1">
-              <a:shade val="50000"/>
-            </a:schemeClr>
-          </a:lnRef>
-          <a:fillRef idx="1">
-            <a:schemeClr val="accent1"/>
-          </a:fillRef>
-          <a:effectRef idx="0">
-            <a:schemeClr val="accent1"/>
-          </a:effectRef>
-          <a:fontRef idx="minor">
-            <a:schemeClr val="lt1"/>
-          </a:fontRef>
-        </p:style>
-        <p:txBody>
-          <a:bodyPr rtlCol="0" anchor="ctr"/>
-          <a:lstStyle/>
-          <a:p>
-            <a:pPr algn="ctr"/>
-            <a:endParaRPr lang="zh-TW" altLang="en-US"/>
-          </a:p>
-        </p:txBody>
-      </p:sp>
-      <p:cxnSp>
-        <p:nvCxnSpPr>
-          <p:cNvPr id="8" name="直線接點 7">
-            <a:extLst>
-              <a:ext uri="{FF2B5EF4-FFF2-40B4-BE49-F238E27FC236}">
-                <a16:creationId xmlns:a16="http://schemas.microsoft.com/office/drawing/2014/main" id="{E8B89DF1-BE7B-4211-9CAF-AD03CE4E7033}"/>
-              </a:ext>
-            </a:extLst>
-          </p:cNvPr>
-          <p:cNvCxnSpPr>
-            <a:cxnSpLocks/>
-          </p:cNvCxnSpPr>
-          <p:nvPr/>
-        </p:nvCxnSpPr>
-        <p:spPr>
-          <a:xfrm>
-            <a:off x="3252247" y="3582186"/>
-            <a:ext cx="7588577" cy="0"/>
-          </a:xfrm>
-          <a:prstGeom prst="line">
-            <a:avLst/>
-          </a:prstGeom>
-          <a:ln w="28575"/>
-        </p:spPr>
-        <p:style>
-          <a:lnRef idx="1">
-            <a:schemeClr val="accent2"/>
-          </a:lnRef>
-          <a:fillRef idx="0">
-            <a:schemeClr val="accent2"/>
-          </a:fillRef>
-          <a:effectRef idx="0">
-            <a:schemeClr val="accent2"/>
-          </a:effectRef>
-          <a:fontRef idx="minor">
-            <a:schemeClr val="tx1"/>
-          </a:fontRef>
-        </p:style>
-      </p:cxnSp>
-      <p:sp>
-        <p:nvSpPr>
-          <p:cNvPr id="13" name="文字方塊 12">
-            <a:extLst>
-              <a:ext uri="{FF2B5EF4-FFF2-40B4-BE49-F238E27FC236}">
-                <a16:creationId xmlns:a16="http://schemas.microsoft.com/office/drawing/2014/main" id="{F71F1C01-91A6-425A-A504-7165A7465FEF}"/>
-              </a:ext>
-            </a:extLst>
-          </p:cNvPr>
-          <p:cNvSpPr txBox="1"/>
-          <p:nvPr/>
-        </p:nvSpPr>
-        <p:spPr>
-          <a:xfrm>
-            <a:off x="10251847" y="2174266"/>
-            <a:ext cx="1687001" cy="1200329"/>
-          </a:xfrm>
-          <a:prstGeom prst="rect">
-            <a:avLst/>
-          </a:prstGeom>
-          <a:noFill/>
-        </p:spPr>
-        <p:txBody>
-          <a:bodyPr wrap="square" rtlCol="0">
-            <a:spAutoFit/>
-          </a:bodyPr>
-          <a:lstStyle/>
-          <a:p>
-            <a:r>
-              <a:rPr lang="en-US" altLang="zh-TW" sz="2400" b="1" dirty="0"/>
-              <a:t>Adopted in selected model</a:t>
-            </a:r>
-            <a:endParaRPr lang="zh-TW" altLang="en-US" sz="2400" b="1" dirty="0"/>
-          </a:p>
-        </p:txBody>
-      </p:sp>
-      <p:sp>
-        <p:nvSpPr>
-          <p:cNvPr id="14" name="文字方塊 13">
-            <a:extLst>
-              <a:ext uri="{FF2B5EF4-FFF2-40B4-BE49-F238E27FC236}">
-                <a16:creationId xmlns:a16="http://schemas.microsoft.com/office/drawing/2014/main" id="{3CC7DF13-36DB-44DB-AC29-AB5556596FAC}"/>
-              </a:ext>
-            </a:extLst>
-          </p:cNvPr>
-          <p:cNvSpPr txBox="1"/>
-          <p:nvPr/>
-        </p:nvSpPr>
-        <p:spPr>
-          <a:xfrm>
-            <a:off x="10251847" y="3674882"/>
-            <a:ext cx="1833316" cy="1200329"/>
-          </a:xfrm>
-          <a:prstGeom prst="rect">
-            <a:avLst/>
-          </a:prstGeom>
-          <a:noFill/>
-        </p:spPr>
-        <p:txBody>
-          <a:bodyPr wrap="square" rtlCol="0">
-            <a:spAutoFit/>
-          </a:bodyPr>
-          <a:lstStyle/>
-          <a:p>
-            <a:r>
-              <a:rPr lang="en-US" altLang="zh-TW" sz="2400" b="1" dirty="0"/>
-              <a:t>Not adopted in selected model</a:t>
-            </a:r>
-            <a:endParaRPr lang="zh-TW" altLang="en-US" sz="2400" b="1" dirty="0"/>
-          </a:p>
-        </p:txBody>
-      </p:sp>
-    </p:spTree>
-    <p:extLst>
-      <p:ext uri="{BB962C8B-B14F-4D97-AF65-F5344CB8AC3E}">
-        <p14:creationId xmlns:p14="http://schemas.microsoft.com/office/powerpoint/2010/main" val="1720184591"/>
-      </p:ext>
-    </p:extLst>
-  </p:cSld>
-  <p:clrMapOvr>
-    <a:masterClrMapping/>
-  </p:clrMapOvr>
-</p:sld>
-</file>
-
-<file path=ppt/slides/slide16.xml><?xml version="1.0" encoding="utf-8"?>
-<p:sld xmlns:a="http://schemas.openxmlformats.org/drawingml/2006/main" xmlns:r="http://schemas.openxmlformats.org/officeDocument/2006/relationships" xmlns:p="http://schemas.openxmlformats.org/presentationml/2006/main">
-  <p:cSld>
-    <p:bg>
-      <p:bgPr>
-        <a:gradFill rotWithShape="1">
-          <a:gsLst>
-            <a:gs pos="0">
-              <a:schemeClr val="bg2">
-                <a:tint val="94000"/>
-                <a:satMod val="80000"/>
-                <a:lumMod val="106000"/>
-              </a:schemeClr>
-            </a:gs>
-            <a:gs pos="100000">
-              <a:schemeClr val="bg2">
-                <a:shade val="80000"/>
-              </a:schemeClr>
-            </a:gs>
-          </a:gsLst>
-          <a:path path="circle">
-            <a:fillToRect l="43000" r="43000" b="100000"/>
-          </a:path>
-        </a:gradFill>
-        <a:effectLst/>
-      </p:bgPr>
-    </p:bg>
-    <p:spTree>
-      <p:nvGrpSpPr>
-        <p:cNvPr id="1" name=""/>
-        <p:cNvGrpSpPr/>
-        <p:nvPr/>
-      </p:nvGrpSpPr>
-      <p:grpSpPr>
-        <a:xfrm>
-          <a:off x="0" y="0"/>
-          <a:ext cx="0" cy="0"/>
-          <a:chOff x="0" y="0"/>
-          <a:chExt cx="0" cy="0"/>
-        </a:xfrm>
-      </p:grpSpPr>
-      <p:sp>
-        <p:nvSpPr>
-          <p:cNvPr id="4" name="文字方塊 3">
-            <a:extLst>
-              <a:ext uri="{FF2B5EF4-FFF2-40B4-BE49-F238E27FC236}">
-                <a16:creationId xmlns:a16="http://schemas.microsoft.com/office/drawing/2014/main" id="{2659F110-C4F6-48B8-91F7-F97A47BEF5C6}"/>
-              </a:ext>
-            </a:extLst>
-          </p:cNvPr>
-          <p:cNvSpPr txBox="1"/>
-          <p:nvPr/>
-        </p:nvSpPr>
-        <p:spPr>
-          <a:xfrm>
-            <a:off x="857839" y="490194"/>
-            <a:ext cx="10237509" cy="646331"/>
-          </a:xfrm>
-          <a:prstGeom prst="rect">
-            <a:avLst/>
-          </a:prstGeom>
-          <a:noFill/>
-        </p:spPr>
-        <p:txBody>
-          <a:bodyPr wrap="square" rtlCol="0">
-            <a:spAutoFit/>
-          </a:bodyPr>
-          <a:lstStyle/>
-          <a:p>
-            <a:r>
-              <a:rPr lang="en-US" altLang="zh-TW" sz="3600" dirty="0"/>
-              <a:t>Future Studies</a:t>
-            </a:r>
-            <a:endParaRPr lang="zh-TW" altLang="en-US" sz="3600" dirty="0"/>
-          </a:p>
-        </p:txBody>
-      </p:sp>
-      <p:sp>
-        <p:nvSpPr>
-          <p:cNvPr id="2" name="文字方塊 1">
-            <a:extLst>
-              <a:ext uri="{FF2B5EF4-FFF2-40B4-BE49-F238E27FC236}">
-                <a16:creationId xmlns:a16="http://schemas.microsoft.com/office/drawing/2014/main" id="{82CE0CC7-CBC7-4DBE-AA12-A998082337A3}"/>
-              </a:ext>
-            </a:extLst>
-          </p:cNvPr>
-          <p:cNvSpPr txBox="1"/>
-          <p:nvPr/>
-        </p:nvSpPr>
-        <p:spPr>
-          <a:xfrm>
-            <a:off x="999241" y="1597249"/>
-            <a:ext cx="9954705" cy="2246769"/>
-          </a:xfrm>
-          <a:prstGeom prst="rect">
-            <a:avLst/>
-          </a:prstGeom>
-          <a:noFill/>
-        </p:spPr>
-        <p:txBody>
-          <a:bodyPr wrap="square" rtlCol="0">
-            <a:spAutoFit/>
-          </a:bodyPr>
-          <a:lstStyle/>
-          <a:p>
-            <a:pPr marL="285750" indent="-285750">
-              <a:buFont typeface="Wingdings" panose="05000000000000000000" pitchFamily="2" charset="2"/>
-              <a:buChar char="p"/>
-            </a:pPr>
-            <a:r>
-              <a:rPr lang="en-US" altLang="zh-TW" sz="2800" dirty="0"/>
-              <a:t>Increasing data size to prevent over-fitting</a:t>
-            </a:r>
-          </a:p>
-          <a:p>
-            <a:pPr marL="285750" indent="-285750">
-              <a:buFont typeface="Wingdings" panose="05000000000000000000" pitchFamily="2" charset="2"/>
-              <a:buChar char="p"/>
-            </a:pPr>
-            <a:endParaRPr lang="en-US" altLang="zh-TW" sz="2800" dirty="0"/>
-          </a:p>
-          <a:p>
-            <a:pPr marL="285750" indent="-285750">
-              <a:buFont typeface="Wingdings" panose="05000000000000000000" pitchFamily="2" charset="2"/>
-              <a:buChar char="p"/>
-            </a:pPr>
-            <a:r>
-              <a:rPr lang="en-US" altLang="zh-TW" sz="2800" dirty="0"/>
-              <a:t>Comprise more customer information (More features)</a:t>
-            </a:r>
-          </a:p>
-          <a:p>
-            <a:pPr marL="285750" indent="-285750">
-              <a:buFont typeface="Wingdings" panose="05000000000000000000" pitchFamily="2" charset="2"/>
-              <a:buChar char="p"/>
-            </a:pPr>
-            <a:endParaRPr lang="en-US" altLang="zh-TW" sz="2800" dirty="0"/>
-          </a:p>
-          <a:p>
-            <a:pPr marL="285750" indent="-285750">
-              <a:buFont typeface="Wingdings" panose="05000000000000000000" pitchFamily="2" charset="2"/>
-              <a:buChar char="p"/>
-            </a:pPr>
-            <a:r>
-              <a:rPr lang="en-US" altLang="zh-TW" sz="2800" dirty="0"/>
-              <a:t>Comparing more ML methods such as K-NN and Neural Network</a:t>
-            </a:r>
-            <a:endParaRPr lang="zh-TW" altLang="en-US" sz="2800" dirty="0"/>
-          </a:p>
-        </p:txBody>
-      </p:sp>
-    </p:spTree>
-    <p:extLst>
-      <p:ext uri="{BB962C8B-B14F-4D97-AF65-F5344CB8AC3E}">
-        <p14:creationId xmlns:p14="http://schemas.microsoft.com/office/powerpoint/2010/main" val="283270376"/>
-      </p:ext>
-    </p:extLst>
-  </p:cSld>
-  <p:clrMapOvr>
-    <a:masterClrMapping/>
-  </p:clrMapOvr>
-</p:sld>
-</file>
-
-<file path=ppt/slides/slide17.xml><?xml version="1.0" encoding="utf-8"?>
-<p:sld xmlns:a="http://schemas.openxmlformats.org/drawingml/2006/main" xmlns:r="http://schemas.openxmlformats.org/officeDocument/2006/relationships" xmlns:p="http://schemas.openxmlformats.org/presentationml/2006/main">
-  <p:cSld>
-    <p:bg>
-      <p:bgPr>
-        <a:gradFill rotWithShape="1">
-          <a:gsLst>
-            <a:gs pos="0">
-              <a:schemeClr val="bg2">
-                <a:tint val="94000"/>
-                <a:satMod val="80000"/>
-                <a:lumMod val="106000"/>
-              </a:schemeClr>
-            </a:gs>
-            <a:gs pos="100000">
-              <a:schemeClr val="bg2">
-                <a:shade val="80000"/>
-              </a:schemeClr>
-            </a:gs>
-          </a:gsLst>
-          <a:path path="circle">
-            <a:fillToRect l="43000" r="43000" b="100000"/>
-          </a:path>
-        </a:gradFill>
-        <a:effectLst/>
-      </p:bgPr>
-    </p:bg>
-    <p:spTree>
-      <p:nvGrpSpPr>
-        <p:cNvPr id="1" name=""/>
-        <p:cNvGrpSpPr/>
-        <p:nvPr/>
-      </p:nvGrpSpPr>
-      <p:grpSpPr>
-        <a:xfrm>
-          <a:off x="0" y="0"/>
-          <a:ext cx="0" cy="0"/>
-          <a:chOff x="0" y="0"/>
-          <a:chExt cx="0" cy="0"/>
-        </a:xfrm>
-      </p:grpSpPr>
-      <p:sp>
-        <p:nvSpPr>
-          <p:cNvPr id="4" name="文字方塊 3">
-            <a:extLst>
-              <a:ext uri="{FF2B5EF4-FFF2-40B4-BE49-F238E27FC236}">
-                <a16:creationId xmlns:a16="http://schemas.microsoft.com/office/drawing/2014/main" id="{2659F110-C4F6-48B8-91F7-F97A47BEF5C6}"/>
-              </a:ext>
-            </a:extLst>
-          </p:cNvPr>
-          <p:cNvSpPr txBox="1"/>
-          <p:nvPr/>
-        </p:nvSpPr>
-        <p:spPr>
-          <a:xfrm>
-            <a:off x="857839" y="490194"/>
-            <a:ext cx="10237509" cy="646331"/>
-          </a:xfrm>
-          <a:prstGeom prst="rect">
-            <a:avLst/>
-          </a:prstGeom>
-          <a:noFill/>
-        </p:spPr>
-        <p:txBody>
-          <a:bodyPr wrap="square" rtlCol="0">
-            <a:spAutoFit/>
-          </a:bodyPr>
-          <a:lstStyle/>
-          <a:p>
-            <a:r>
-              <a:rPr lang="en-US" altLang="zh-TW" sz="3600" dirty="0"/>
-              <a:t>Conclusion</a:t>
-            </a:r>
-            <a:endParaRPr lang="zh-TW" altLang="en-US" sz="3600" dirty="0"/>
-          </a:p>
-        </p:txBody>
-      </p:sp>
-      <p:sp>
-        <p:nvSpPr>
-          <p:cNvPr id="10" name="文字方塊 9">
-            <a:extLst>
-              <a:ext uri="{FF2B5EF4-FFF2-40B4-BE49-F238E27FC236}">
-                <a16:creationId xmlns:a16="http://schemas.microsoft.com/office/drawing/2014/main" id="{E1564228-FE28-4582-B1D1-3D182BFE32BF}"/>
-              </a:ext>
-            </a:extLst>
-          </p:cNvPr>
-          <p:cNvSpPr txBox="1"/>
-          <p:nvPr/>
-        </p:nvSpPr>
-        <p:spPr>
-          <a:xfrm>
-            <a:off x="999241" y="1597249"/>
-            <a:ext cx="9954705" cy="2677656"/>
-          </a:xfrm>
-          <a:prstGeom prst="rect">
-            <a:avLst/>
-          </a:prstGeom>
-          <a:noFill/>
-        </p:spPr>
-        <p:txBody>
-          <a:bodyPr wrap="square" rtlCol="0">
-            <a:spAutoFit/>
-          </a:bodyPr>
-          <a:lstStyle/>
-          <a:p>
-            <a:pPr marL="285750" indent="-285750">
-              <a:buFont typeface="Wingdings" panose="05000000000000000000" pitchFamily="2" charset="2"/>
-              <a:buChar char="p"/>
-            </a:pPr>
-            <a:r>
-              <a:rPr lang="en-US" altLang="zh-TW" sz="2800" dirty="0"/>
-              <a:t>Established a model for predicting medical insurance cost</a:t>
-            </a:r>
-          </a:p>
-          <a:p>
-            <a:pPr marL="285750" indent="-285750">
-              <a:buFont typeface="Wingdings" panose="05000000000000000000" pitchFamily="2" charset="2"/>
-              <a:buChar char="p"/>
-            </a:pPr>
-            <a:endParaRPr lang="en-US" altLang="zh-TW" sz="2800" dirty="0"/>
-          </a:p>
-          <a:p>
-            <a:pPr marL="285750" indent="-285750">
-              <a:buFont typeface="Wingdings" panose="05000000000000000000" pitchFamily="2" charset="2"/>
-              <a:buChar char="p"/>
-            </a:pPr>
-            <a:r>
-              <a:rPr lang="en-US" altLang="zh-TW" sz="2800" dirty="0"/>
-              <a:t>Explored important and non-essential factors</a:t>
-            </a:r>
-          </a:p>
-          <a:p>
-            <a:pPr marL="285750" indent="-285750">
-              <a:buFont typeface="Wingdings" panose="05000000000000000000" pitchFamily="2" charset="2"/>
-              <a:buChar char="p"/>
-            </a:pPr>
-            <a:endParaRPr lang="en-US" altLang="zh-TW" sz="2800" dirty="0"/>
-          </a:p>
-          <a:p>
-            <a:pPr marL="285750" indent="-285750">
-              <a:buFont typeface="Wingdings" panose="05000000000000000000" pitchFamily="2" charset="2"/>
-              <a:buChar char="p"/>
-            </a:pPr>
-            <a:r>
-              <a:rPr lang="en-US" altLang="zh-TW" sz="2800" dirty="0"/>
-              <a:t>Importance to start-up companies and general public</a:t>
-            </a:r>
-          </a:p>
-          <a:p>
-            <a:endParaRPr lang="en-US" altLang="zh-TW" sz="2800" dirty="0"/>
-          </a:p>
-        </p:txBody>
-      </p:sp>
-    </p:spTree>
-    <p:extLst>
-      <p:ext uri="{BB962C8B-B14F-4D97-AF65-F5344CB8AC3E}">
-        <p14:creationId xmlns:p14="http://schemas.microsoft.com/office/powerpoint/2010/main" val="1003608044"/>
-      </p:ext>
-    </p:extLst>
-  </p:cSld>
-  <p:clrMapOvr>
-    <a:masterClrMapping/>
-  </p:clrMapOvr>
-</p:sld>
-</file>
-
 <file path=ppt/slides/slide18.xml><?xml version="1.0" encoding="utf-8"?>
 <p:sld xmlns:a="http://schemas.openxmlformats.org/drawingml/2006/main" xmlns:r="http://schemas.openxmlformats.org/officeDocument/2006/relationships" xmlns:p="http://schemas.openxmlformats.org/presentationml/2006/main">
   <p:cSld>
@@ -6148,8 +6142,8 @@
         </p:nvSpPr>
         <p:spPr>
           <a:xfrm>
-            <a:off x="4775780" y="2592973"/>
-            <a:ext cx="2899344" cy="1200329"/>
+            <a:off x="857839" y="490194"/>
+            <a:ext cx="10237509" cy="646331"/>
           </a:xfrm>
           <a:prstGeom prst="rect">
             <a:avLst/>
@@ -6163,17 +6157,423 @@
           <a:lstStyle/>
           <a:p>
             <a:r>
-              <a:rPr lang="en-US" altLang="zh-TW" sz="7200" dirty="0"/>
-              <a:t>Q &amp; A</a:t>
-            </a:r>
-            <a:endParaRPr lang="zh-TW" altLang="en-US" sz="7200" dirty="0"/>
+              <a:rPr lang="en-US" altLang="zh-TW" sz="3600" dirty="0"/>
+              <a:t>Result –Feature Importance</a:t>
+            </a:r>
+            <a:endParaRPr lang="zh-TW" altLang="en-US" sz="3600" dirty="0"/>
+          </a:p>
+        </p:txBody>
+      </p:sp>
+      <p:pic>
+        <p:nvPicPr>
+          <p:cNvPr id="6" name="圖片 5">
+            <a:extLst>
+              <a:ext uri="{FF2B5EF4-FFF2-40B4-BE49-F238E27FC236}">
+                <a16:creationId xmlns:a16="http://schemas.microsoft.com/office/drawing/2014/main" id="{18753931-0CC8-4ED6-A49D-6237CF4978BC}"/>
+              </a:ext>
+            </a:extLst>
+          </p:cNvPr>
+          <p:cNvPicPr/>
+          <p:nvPr/>
+        </p:nvPicPr>
+        <p:blipFill>
+          <a:blip r:embed="rId2">
+            <a:extLst>
+              <a:ext uri="{28A0092B-C50C-407E-A947-70E740481C1C}">
+                <a14:useLocalDpi xmlns:a14="http://schemas.microsoft.com/office/drawing/2010/main" val="0"/>
+              </a:ext>
+            </a:extLst>
+          </a:blip>
+          <a:srcRect/>
+          <a:stretch>
+            <a:fillRect/>
+          </a:stretch>
+        </p:blipFill>
+        <p:spPr bwMode="auto">
+          <a:xfrm>
+            <a:off x="2582547" y="1136524"/>
+            <a:ext cx="6910245" cy="5721475"/>
+          </a:xfrm>
+          <a:prstGeom prst="rect">
+            <a:avLst/>
+          </a:prstGeom>
+          <a:noFill/>
+          <a:ln>
+            <a:noFill/>
+          </a:ln>
+        </p:spPr>
+      </p:pic>
+      <p:sp>
+        <p:nvSpPr>
+          <p:cNvPr id="11" name="箭號: 向下 10">
+            <a:extLst>
+              <a:ext uri="{FF2B5EF4-FFF2-40B4-BE49-F238E27FC236}">
+                <a16:creationId xmlns:a16="http://schemas.microsoft.com/office/drawing/2014/main" id="{C1BC723D-0519-4805-8664-11BAD2294205}"/>
+              </a:ext>
+            </a:extLst>
+          </p:cNvPr>
+          <p:cNvSpPr/>
+          <p:nvPr/>
+        </p:nvSpPr>
+        <p:spPr>
+          <a:xfrm>
+            <a:off x="9803876" y="3582186"/>
+            <a:ext cx="358616" cy="1385723"/>
+          </a:xfrm>
+          <a:prstGeom prst="downArrow">
+            <a:avLst/>
+          </a:prstGeom>
+        </p:spPr>
+        <p:style>
+          <a:lnRef idx="2">
+            <a:schemeClr val="accent1">
+              <a:shade val="50000"/>
+            </a:schemeClr>
+          </a:lnRef>
+          <a:fillRef idx="1">
+            <a:schemeClr val="accent1"/>
+          </a:fillRef>
+          <a:effectRef idx="0">
+            <a:schemeClr val="accent1"/>
+          </a:effectRef>
+          <a:fontRef idx="minor">
+            <a:schemeClr val="lt1"/>
+          </a:fontRef>
+        </p:style>
+        <p:txBody>
+          <a:bodyPr rtlCol="0" anchor="ctr"/>
+          <a:lstStyle/>
+          <a:p>
+            <a:pPr algn="ctr"/>
+            <a:endParaRPr lang="zh-TW" altLang="en-US"/>
+          </a:p>
+        </p:txBody>
+      </p:sp>
+      <p:sp>
+        <p:nvSpPr>
+          <p:cNvPr id="12" name="箭號: 向下 11">
+            <a:extLst>
+              <a:ext uri="{FF2B5EF4-FFF2-40B4-BE49-F238E27FC236}">
+                <a16:creationId xmlns:a16="http://schemas.microsoft.com/office/drawing/2014/main" id="{E471933D-A262-487D-85DC-9378CAEE21E4}"/>
+              </a:ext>
+            </a:extLst>
+          </p:cNvPr>
+          <p:cNvSpPr/>
+          <p:nvPr/>
+        </p:nvSpPr>
+        <p:spPr>
+          <a:xfrm rot="10800000">
+            <a:off x="9803876" y="2205873"/>
+            <a:ext cx="358616" cy="1385723"/>
+          </a:xfrm>
+          <a:prstGeom prst="downArrow">
+            <a:avLst/>
+          </a:prstGeom>
+        </p:spPr>
+        <p:style>
+          <a:lnRef idx="2">
+            <a:schemeClr val="accent1">
+              <a:shade val="50000"/>
+            </a:schemeClr>
+          </a:lnRef>
+          <a:fillRef idx="1">
+            <a:schemeClr val="accent1"/>
+          </a:fillRef>
+          <a:effectRef idx="0">
+            <a:schemeClr val="accent1"/>
+          </a:effectRef>
+          <a:fontRef idx="minor">
+            <a:schemeClr val="lt1"/>
+          </a:fontRef>
+        </p:style>
+        <p:txBody>
+          <a:bodyPr rtlCol="0" anchor="ctr"/>
+          <a:lstStyle/>
+          <a:p>
+            <a:pPr algn="ctr"/>
+            <a:endParaRPr lang="zh-TW" altLang="en-US"/>
+          </a:p>
+        </p:txBody>
+      </p:sp>
+      <p:cxnSp>
+        <p:nvCxnSpPr>
+          <p:cNvPr id="8" name="直線接點 7">
+            <a:extLst>
+              <a:ext uri="{FF2B5EF4-FFF2-40B4-BE49-F238E27FC236}">
+                <a16:creationId xmlns:a16="http://schemas.microsoft.com/office/drawing/2014/main" id="{E8B89DF1-BE7B-4211-9CAF-AD03CE4E7033}"/>
+              </a:ext>
+            </a:extLst>
+          </p:cNvPr>
+          <p:cNvCxnSpPr>
+            <a:cxnSpLocks/>
+          </p:cNvCxnSpPr>
+          <p:nvPr/>
+        </p:nvCxnSpPr>
+        <p:spPr>
+          <a:xfrm>
+            <a:off x="3252247" y="3582186"/>
+            <a:ext cx="7588577" cy="0"/>
+          </a:xfrm>
+          <a:prstGeom prst="line">
+            <a:avLst/>
+          </a:prstGeom>
+          <a:ln w="28575"/>
+        </p:spPr>
+        <p:style>
+          <a:lnRef idx="1">
+            <a:schemeClr val="accent2"/>
+          </a:lnRef>
+          <a:fillRef idx="0">
+            <a:schemeClr val="accent2"/>
+          </a:fillRef>
+          <a:effectRef idx="0">
+            <a:schemeClr val="accent2"/>
+          </a:effectRef>
+          <a:fontRef idx="minor">
+            <a:schemeClr val="tx1"/>
+          </a:fontRef>
+        </p:style>
+      </p:cxnSp>
+      <p:sp>
+        <p:nvSpPr>
+          <p:cNvPr id="13" name="文字方塊 12">
+            <a:extLst>
+              <a:ext uri="{FF2B5EF4-FFF2-40B4-BE49-F238E27FC236}">
+                <a16:creationId xmlns:a16="http://schemas.microsoft.com/office/drawing/2014/main" id="{F71F1C01-91A6-425A-A504-7165A7465FEF}"/>
+              </a:ext>
+            </a:extLst>
+          </p:cNvPr>
+          <p:cNvSpPr txBox="1"/>
+          <p:nvPr/>
+        </p:nvSpPr>
+        <p:spPr>
+          <a:xfrm>
+            <a:off x="10251847" y="2174266"/>
+            <a:ext cx="1687001" cy="1200329"/>
+          </a:xfrm>
+          <a:prstGeom prst="rect">
+            <a:avLst/>
+          </a:prstGeom>
+          <a:noFill/>
+        </p:spPr>
+        <p:txBody>
+          <a:bodyPr wrap="square" rtlCol="0">
+            <a:spAutoFit/>
+          </a:bodyPr>
+          <a:lstStyle/>
+          <a:p>
+            <a:r>
+              <a:rPr lang="en-US" altLang="zh-TW" sz="2400" b="1" dirty="0"/>
+              <a:t>Adopted in selected model</a:t>
+            </a:r>
+            <a:endParaRPr lang="zh-TW" altLang="en-US" sz="2400" b="1" dirty="0"/>
+          </a:p>
+        </p:txBody>
+      </p:sp>
+      <p:sp>
+        <p:nvSpPr>
+          <p:cNvPr id="14" name="文字方塊 13">
+            <a:extLst>
+              <a:ext uri="{FF2B5EF4-FFF2-40B4-BE49-F238E27FC236}">
+                <a16:creationId xmlns:a16="http://schemas.microsoft.com/office/drawing/2014/main" id="{3CC7DF13-36DB-44DB-AC29-AB5556596FAC}"/>
+              </a:ext>
+            </a:extLst>
+          </p:cNvPr>
+          <p:cNvSpPr txBox="1"/>
+          <p:nvPr/>
+        </p:nvSpPr>
+        <p:spPr>
+          <a:xfrm>
+            <a:off x="10251847" y="3674882"/>
+            <a:ext cx="1833316" cy="1200329"/>
+          </a:xfrm>
+          <a:prstGeom prst="rect">
+            <a:avLst/>
+          </a:prstGeom>
+          <a:noFill/>
+        </p:spPr>
+        <p:txBody>
+          <a:bodyPr wrap="square" rtlCol="0">
+            <a:spAutoFit/>
+          </a:bodyPr>
+          <a:lstStyle/>
+          <a:p>
+            <a:r>
+              <a:rPr lang="en-US" altLang="zh-TW" sz="2400" b="1" dirty="0"/>
+              <a:t>Not adopted in selected model</a:t>
+            </a:r>
+            <a:endParaRPr lang="zh-TW" altLang="en-US" sz="2400" b="1" dirty="0"/>
           </a:p>
         </p:txBody>
       </p:sp>
     </p:spTree>
     <p:extLst>
       <p:ext uri="{BB962C8B-B14F-4D97-AF65-F5344CB8AC3E}">
-        <p14:creationId xmlns:p14="http://schemas.microsoft.com/office/powerpoint/2010/main" val="4228334862"/>
+        <p14:creationId xmlns:p14="http://schemas.microsoft.com/office/powerpoint/2010/main" val="1720184591"/>
+      </p:ext>
+    </p:extLst>
+  </p:cSld>
+  <p:clrMapOvr>
+    <a:masterClrMapping/>
+  </p:clrMapOvr>
+</p:sld>
+</file>
+
+<file path=ppt/slides/slide19.xml><?xml version="1.0" encoding="utf-8"?>
+<p:sld xmlns:a="http://schemas.openxmlformats.org/drawingml/2006/main" xmlns:r="http://schemas.openxmlformats.org/officeDocument/2006/relationships" xmlns:p="http://schemas.openxmlformats.org/presentationml/2006/main">
+  <p:cSld>
+    <p:bg>
+      <p:bgPr>
+        <a:gradFill rotWithShape="1">
+          <a:gsLst>
+            <a:gs pos="0">
+              <a:schemeClr val="bg2">
+                <a:tint val="94000"/>
+                <a:satMod val="80000"/>
+                <a:lumMod val="106000"/>
+              </a:schemeClr>
+            </a:gs>
+            <a:gs pos="100000">
+              <a:schemeClr val="bg2">
+                <a:shade val="80000"/>
+              </a:schemeClr>
+            </a:gs>
+          </a:gsLst>
+          <a:path path="circle">
+            <a:fillToRect l="43000" r="43000" b="100000"/>
+          </a:path>
+        </a:gradFill>
+        <a:effectLst/>
+      </p:bgPr>
+    </p:bg>
+    <p:spTree>
+      <p:nvGrpSpPr>
+        <p:cNvPr id="1" name=""/>
+        <p:cNvGrpSpPr/>
+        <p:nvPr/>
+      </p:nvGrpSpPr>
+      <p:grpSpPr>
+        <a:xfrm>
+          <a:off x="0" y="0"/>
+          <a:ext cx="0" cy="0"/>
+          <a:chOff x="0" y="0"/>
+          <a:chExt cx="0" cy="0"/>
+        </a:xfrm>
+      </p:grpSpPr>
+      <p:sp>
+        <p:nvSpPr>
+          <p:cNvPr id="4" name="文字方塊 3">
+            <a:extLst>
+              <a:ext uri="{FF2B5EF4-FFF2-40B4-BE49-F238E27FC236}">
+                <a16:creationId xmlns:a16="http://schemas.microsoft.com/office/drawing/2014/main" id="{2659F110-C4F6-48B8-91F7-F97A47BEF5C6}"/>
+              </a:ext>
+            </a:extLst>
+          </p:cNvPr>
+          <p:cNvSpPr txBox="1"/>
+          <p:nvPr/>
+        </p:nvSpPr>
+        <p:spPr>
+          <a:xfrm>
+            <a:off x="857839" y="490194"/>
+            <a:ext cx="10237509" cy="646331"/>
+          </a:xfrm>
+          <a:prstGeom prst="rect">
+            <a:avLst/>
+          </a:prstGeom>
+          <a:noFill/>
+        </p:spPr>
+        <p:txBody>
+          <a:bodyPr wrap="square" rtlCol="0">
+            <a:spAutoFit/>
+          </a:bodyPr>
+          <a:lstStyle/>
+          <a:p>
+            <a:r>
+              <a:rPr lang="en-US" altLang="zh-TW" sz="3600" dirty="0"/>
+              <a:t>Data constraints and limitations </a:t>
+            </a:r>
+            <a:endParaRPr lang="zh-TW" altLang="en-US" sz="3600" dirty="0"/>
+          </a:p>
+        </p:txBody>
+      </p:sp>
+      <p:sp>
+        <p:nvSpPr>
+          <p:cNvPr id="2" name="文字方塊 1">
+            <a:extLst>
+              <a:ext uri="{FF2B5EF4-FFF2-40B4-BE49-F238E27FC236}">
+                <a16:creationId xmlns:a16="http://schemas.microsoft.com/office/drawing/2014/main" id="{82CE0CC7-CBC7-4DBE-AA12-A998082337A3}"/>
+              </a:ext>
+            </a:extLst>
+          </p:cNvPr>
+          <p:cNvSpPr txBox="1"/>
+          <p:nvPr/>
+        </p:nvSpPr>
+        <p:spPr>
+          <a:xfrm>
+            <a:off x="999241" y="1597249"/>
+            <a:ext cx="9954705" cy="2246769"/>
+          </a:xfrm>
+          <a:prstGeom prst="rect">
+            <a:avLst/>
+          </a:prstGeom>
+          <a:noFill/>
+        </p:spPr>
+        <p:txBody>
+          <a:bodyPr wrap="square" rtlCol="0">
+            <a:spAutoFit/>
+          </a:bodyPr>
+          <a:lstStyle/>
+          <a:p>
+            <a:pPr marL="285750" indent="-285750">
+              <a:buFont typeface="Wingdings" panose="05000000000000000000" pitchFamily="2" charset="2"/>
+              <a:buChar char="p"/>
+            </a:pPr>
+            <a:r>
+              <a:rPr lang="en-US" altLang="zh-TW" sz="2800" dirty="0"/>
+              <a:t>Data size is small (1337 customers)</a:t>
+            </a:r>
+          </a:p>
+          <a:p>
+            <a:pPr marL="285750" indent="-285750">
+              <a:buFont typeface="Wingdings" panose="05000000000000000000" pitchFamily="2" charset="2"/>
+              <a:buChar char="p"/>
+            </a:pPr>
+            <a:endParaRPr lang="en-US" altLang="zh-TW" sz="2800" dirty="0"/>
+          </a:p>
+          <a:p>
+            <a:pPr marL="285750" indent="-285750">
+              <a:buFont typeface="Wingdings" panose="05000000000000000000" pitchFamily="2" charset="2"/>
+              <a:buChar char="p"/>
+            </a:pPr>
+            <a:r>
+              <a:rPr lang="en-US" altLang="zh-TW" sz="2800" dirty="0"/>
+              <a:t>Only 6 features have been incorporated for prediction</a:t>
+            </a:r>
+          </a:p>
+          <a:p>
+            <a:pPr marL="285750" indent="-285750">
+              <a:buFont typeface="Wingdings" panose="05000000000000000000" pitchFamily="2" charset="2"/>
+              <a:buChar char="p"/>
+            </a:pPr>
+            <a:endParaRPr lang="en-US" altLang="zh-TW" sz="2800" dirty="0"/>
+          </a:p>
+          <a:p>
+            <a:pPr marL="285750" indent="-285750">
+              <a:buFont typeface="Wingdings" panose="05000000000000000000" pitchFamily="2" charset="2"/>
+              <a:buChar char="p"/>
+            </a:pPr>
+            <a:r>
+              <a:rPr lang="en-US" altLang="zh-TW" sz="2800" dirty="0"/>
+              <a:t>Only 2 regression models have been adopted and compared</a:t>
+            </a:r>
+            <a:endParaRPr lang="zh-TW" altLang="en-US" sz="2800" dirty="0"/>
+          </a:p>
+        </p:txBody>
+      </p:sp>
+    </p:spTree>
+    <p:extLst>
+      <p:ext uri="{BB962C8B-B14F-4D97-AF65-F5344CB8AC3E}">
+        <p14:creationId xmlns:p14="http://schemas.microsoft.com/office/powerpoint/2010/main" val="209568791"/>
       </p:ext>
     </p:extLst>
   </p:cSld>
@@ -6469,6 +6869,647 @@
 </p:sld>
 </file>
 
+<file path=ppt/slides/slide20.xml><?xml version="1.0" encoding="utf-8"?>
+<p:sld xmlns:a="http://schemas.openxmlformats.org/drawingml/2006/main" xmlns:r="http://schemas.openxmlformats.org/officeDocument/2006/relationships" xmlns:p="http://schemas.openxmlformats.org/presentationml/2006/main">
+  <p:cSld>
+    <p:bg>
+      <p:bgPr>
+        <a:gradFill rotWithShape="1">
+          <a:gsLst>
+            <a:gs pos="0">
+              <a:schemeClr val="bg2">
+                <a:tint val="94000"/>
+                <a:satMod val="80000"/>
+                <a:lumMod val="106000"/>
+              </a:schemeClr>
+            </a:gs>
+            <a:gs pos="100000">
+              <a:schemeClr val="bg2">
+                <a:shade val="80000"/>
+              </a:schemeClr>
+            </a:gs>
+          </a:gsLst>
+          <a:path path="circle">
+            <a:fillToRect l="43000" r="43000" b="100000"/>
+          </a:path>
+        </a:gradFill>
+        <a:effectLst/>
+      </p:bgPr>
+    </p:bg>
+    <p:spTree>
+      <p:nvGrpSpPr>
+        <p:cNvPr id="1" name=""/>
+        <p:cNvGrpSpPr/>
+        <p:nvPr/>
+      </p:nvGrpSpPr>
+      <p:grpSpPr>
+        <a:xfrm>
+          <a:off x="0" y="0"/>
+          <a:ext cx="0" cy="0"/>
+          <a:chOff x="0" y="0"/>
+          <a:chExt cx="0" cy="0"/>
+        </a:xfrm>
+      </p:grpSpPr>
+      <p:sp>
+        <p:nvSpPr>
+          <p:cNvPr id="4" name="文字方塊 3">
+            <a:extLst>
+              <a:ext uri="{FF2B5EF4-FFF2-40B4-BE49-F238E27FC236}">
+                <a16:creationId xmlns:a16="http://schemas.microsoft.com/office/drawing/2014/main" id="{2659F110-C4F6-48B8-91F7-F97A47BEF5C6}"/>
+              </a:ext>
+            </a:extLst>
+          </p:cNvPr>
+          <p:cNvSpPr txBox="1"/>
+          <p:nvPr/>
+        </p:nvSpPr>
+        <p:spPr>
+          <a:xfrm>
+            <a:off x="857839" y="490194"/>
+            <a:ext cx="10237509" cy="646331"/>
+          </a:xfrm>
+          <a:prstGeom prst="rect">
+            <a:avLst/>
+          </a:prstGeom>
+          <a:noFill/>
+        </p:spPr>
+        <p:txBody>
+          <a:bodyPr wrap="square" rtlCol="0">
+            <a:spAutoFit/>
+          </a:bodyPr>
+          <a:lstStyle/>
+          <a:p>
+            <a:r>
+              <a:rPr lang="en-US" altLang="zh-TW" sz="3600" dirty="0"/>
+              <a:t>Future Studies</a:t>
+            </a:r>
+            <a:endParaRPr lang="zh-TW" altLang="en-US" sz="3600" dirty="0"/>
+          </a:p>
+        </p:txBody>
+      </p:sp>
+      <p:sp>
+        <p:nvSpPr>
+          <p:cNvPr id="2" name="文字方塊 1">
+            <a:extLst>
+              <a:ext uri="{FF2B5EF4-FFF2-40B4-BE49-F238E27FC236}">
+                <a16:creationId xmlns:a16="http://schemas.microsoft.com/office/drawing/2014/main" id="{82CE0CC7-CBC7-4DBE-AA12-A998082337A3}"/>
+              </a:ext>
+            </a:extLst>
+          </p:cNvPr>
+          <p:cNvSpPr txBox="1"/>
+          <p:nvPr/>
+        </p:nvSpPr>
+        <p:spPr>
+          <a:xfrm>
+            <a:off x="999241" y="1597249"/>
+            <a:ext cx="9954705" cy="3108543"/>
+          </a:xfrm>
+          <a:prstGeom prst="rect">
+            <a:avLst/>
+          </a:prstGeom>
+          <a:noFill/>
+        </p:spPr>
+        <p:txBody>
+          <a:bodyPr wrap="square" rtlCol="0">
+            <a:spAutoFit/>
+          </a:bodyPr>
+          <a:lstStyle/>
+          <a:p>
+            <a:pPr marL="285750" indent="-285750">
+              <a:buFont typeface="Wingdings" panose="05000000000000000000" pitchFamily="2" charset="2"/>
+              <a:buChar char="p"/>
+            </a:pPr>
+            <a:r>
+              <a:rPr lang="en-US" altLang="zh-TW" sz="2800" dirty="0"/>
+              <a:t>Increasing data size to prevent over-fitting</a:t>
+            </a:r>
+          </a:p>
+          <a:p>
+            <a:pPr marL="285750" indent="-285750">
+              <a:buFont typeface="Wingdings" panose="05000000000000000000" pitchFamily="2" charset="2"/>
+              <a:buChar char="p"/>
+            </a:pPr>
+            <a:endParaRPr lang="en-US" altLang="zh-TW" sz="2800" dirty="0"/>
+          </a:p>
+          <a:p>
+            <a:pPr marL="285750" indent="-285750">
+              <a:buFont typeface="Wingdings" panose="05000000000000000000" pitchFamily="2" charset="2"/>
+              <a:buChar char="p"/>
+            </a:pPr>
+            <a:r>
+              <a:rPr lang="en-US" altLang="zh-TW" sz="2800" dirty="0"/>
+              <a:t>Comprise more customer information (More features can be incorporated such as medical history)</a:t>
+            </a:r>
+          </a:p>
+          <a:p>
+            <a:pPr marL="285750" indent="-285750">
+              <a:buFont typeface="Wingdings" panose="05000000000000000000" pitchFamily="2" charset="2"/>
+              <a:buChar char="p"/>
+            </a:pPr>
+            <a:endParaRPr lang="en-US" altLang="zh-TW" sz="2800" dirty="0"/>
+          </a:p>
+          <a:p>
+            <a:pPr marL="285750" indent="-285750">
+              <a:buFont typeface="Wingdings" panose="05000000000000000000" pitchFamily="2" charset="2"/>
+              <a:buChar char="p"/>
+            </a:pPr>
+            <a:r>
+              <a:rPr lang="en-US" altLang="zh-TW" sz="2800" dirty="0"/>
+              <a:t>Comparing more ML methods such as K-NN, Neural Network and non-linear model</a:t>
+            </a:r>
+            <a:endParaRPr lang="zh-TW" altLang="en-US" sz="2800" dirty="0"/>
+          </a:p>
+        </p:txBody>
+      </p:sp>
+    </p:spTree>
+    <p:extLst>
+      <p:ext uri="{BB962C8B-B14F-4D97-AF65-F5344CB8AC3E}">
+        <p14:creationId xmlns:p14="http://schemas.microsoft.com/office/powerpoint/2010/main" val="283270376"/>
+      </p:ext>
+    </p:extLst>
+  </p:cSld>
+  <p:clrMapOvr>
+    <a:masterClrMapping/>
+  </p:clrMapOvr>
+</p:sld>
+</file>
+
+<file path=ppt/slides/slide21.xml><?xml version="1.0" encoding="utf-8"?>
+<p:sld xmlns:a="http://schemas.openxmlformats.org/drawingml/2006/main" xmlns:r="http://schemas.openxmlformats.org/officeDocument/2006/relationships" xmlns:p="http://schemas.openxmlformats.org/presentationml/2006/main">
+  <p:cSld>
+    <p:bg>
+      <p:bgPr>
+        <a:gradFill rotWithShape="1">
+          <a:gsLst>
+            <a:gs pos="0">
+              <a:schemeClr val="bg2">
+                <a:tint val="94000"/>
+                <a:satMod val="80000"/>
+                <a:lumMod val="106000"/>
+              </a:schemeClr>
+            </a:gs>
+            <a:gs pos="100000">
+              <a:schemeClr val="bg2">
+                <a:shade val="80000"/>
+              </a:schemeClr>
+            </a:gs>
+          </a:gsLst>
+          <a:path path="circle">
+            <a:fillToRect l="43000" r="43000" b="100000"/>
+          </a:path>
+        </a:gradFill>
+        <a:effectLst/>
+      </p:bgPr>
+    </p:bg>
+    <p:spTree>
+      <p:nvGrpSpPr>
+        <p:cNvPr id="1" name=""/>
+        <p:cNvGrpSpPr/>
+        <p:nvPr/>
+      </p:nvGrpSpPr>
+      <p:grpSpPr>
+        <a:xfrm>
+          <a:off x="0" y="0"/>
+          <a:ext cx="0" cy="0"/>
+          <a:chOff x="0" y="0"/>
+          <a:chExt cx="0" cy="0"/>
+        </a:xfrm>
+      </p:grpSpPr>
+      <p:sp>
+        <p:nvSpPr>
+          <p:cNvPr id="4" name="文字方塊 3">
+            <a:extLst>
+              <a:ext uri="{FF2B5EF4-FFF2-40B4-BE49-F238E27FC236}">
+                <a16:creationId xmlns:a16="http://schemas.microsoft.com/office/drawing/2014/main" id="{2659F110-C4F6-48B8-91F7-F97A47BEF5C6}"/>
+              </a:ext>
+            </a:extLst>
+          </p:cNvPr>
+          <p:cNvSpPr txBox="1"/>
+          <p:nvPr/>
+        </p:nvSpPr>
+        <p:spPr>
+          <a:xfrm>
+            <a:off x="857839" y="490194"/>
+            <a:ext cx="10237509" cy="646331"/>
+          </a:xfrm>
+          <a:prstGeom prst="rect">
+            <a:avLst/>
+          </a:prstGeom>
+          <a:noFill/>
+        </p:spPr>
+        <p:txBody>
+          <a:bodyPr wrap="square" rtlCol="0">
+            <a:spAutoFit/>
+          </a:bodyPr>
+          <a:lstStyle/>
+          <a:p>
+            <a:r>
+              <a:rPr lang="en-US" altLang="zh-TW" sz="3600" dirty="0"/>
+              <a:t>Conclusion</a:t>
+            </a:r>
+            <a:endParaRPr lang="zh-TW" altLang="en-US" sz="3600" dirty="0"/>
+          </a:p>
+        </p:txBody>
+      </p:sp>
+      <p:sp>
+        <p:nvSpPr>
+          <p:cNvPr id="10" name="文字方塊 9">
+            <a:extLst>
+              <a:ext uri="{FF2B5EF4-FFF2-40B4-BE49-F238E27FC236}">
+                <a16:creationId xmlns:a16="http://schemas.microsoft.com/office/drawing/2014/main" id="{E1564228-FE28-4582-B1D1-3D182BFE32BF}"/>
+              </a:ext>
+            </a:extLst>
+          </p:cNvPr>
+          <p:cNvSpPr txBox="1"/>
+          <p:nvPr/>
+        </p:nvSpPr>
+        <p:spPr>
+          <a:xfrm>
+            <a:off x="999241" y="1597249"/>
+            <a:ext cx="9954705" cy="2677656"/>
+          </a:xfrm>
+          <a:prstGeom prst="rect">
+            <a:avLst/>
+          </a:prstGeom>
+          <a:noFill/>
+        </p:spPr>
+        <p:txBody>
+          <a:bodyPr wrap="square" rtlCol="0">
+            <a:spAutoFit/>
+          </a:bodyPr>
+          <a:lstStyle/>
+          <a:p>
+            <a:pPr marL="285750" indent="-285750">
+              <a:buFont typeface="Wingdings" panose="05000000000000000000" pitchFamily="2" charset="2"/>
+              <a:buChar char="p"/>
+            </a:pPr>
+            <a:r>
+              <a:rPr lang="en-US" altLang="zh-TW" sz="2800" dirty="0"/>
+              <a:t>Established a model for predicting medical insurance cost</a:t>
+            </a:r>
+          </a:p>
+          <a:p>
+            <a:pPr marL="285750" indent="-285750">
+              <a:buFont typeface="Wingdings" panose="05000000000000000000" pitchFamily="2" charset="2"/>
+              <a:buChar char="p"/>
+            </a:pPr>
+            <a:endParaRPr lang="en-US" altLang="zh-TW" sz="2800" dirty="0"/>
+          </a:p>
+          <a:p>
+            <a:pPr marL="285750" indent="-285750">
+              <a:buFont typeface="Wingdings" panose="05000000000000000000" pitchFamily="2" charset="2"/>
+              <a:buChar char="p"/>
+            </a:pPr>
+            <a:r>
+              <a:rPr lang="en-US" altLang="zh-TW" sz="2800" dirty="0"/>
+              <a:t>Explored important and non-essential factors</a:t>
+            </a:r>
+            <a:endParaRPr lang="en-US" altLang="zh-TW" sz="2800" dirty="0">
+              <a:solidFill>
+                <a:srgbClr val="FF0000"/>
+              </a:solidFill>
+            </a:endParaRPr>
+          </a:p>
+          <a:p>
+            <a:pPr marL="285750" indent="-285750">
+              <a:buFont typeface="Wingdings" panose="05000000000000000000" pitchFamily="2" charset="2"/>
+              <a:buChar char="p"/>
+            </a:pPr>
+            <a:endParaRPr lang="en-US" altLang="zh-TW" sz="2800" dirty="0"/>
+          </a:p>
+          <a:p>
+            <a:pPr marL="285750" indent="-285750">
+              <a:buFont typeface="Wingdings" panose="05000000000000000000" pitchFamily="2" charset="2"/>
+              <a:buChar char="p"/>
+            </a:pPr>
+            <a:r>
+              <a:rPr lang="en-US" altLang="zh-TW" sz="2800" dirty="0"/>
+              <a:t>Importance to start-up companies and general public</a:t>
+            </a:r>
+          </a:p>
+          <a:p>
+            <a:endParaRPr lang="en-US" altLang="zh-TW" sz="2800" dirty="0"/>
+          </a:p>
+        </p:txBody>
+      </p:sp>
+    </p:spTree>
+    <p:extLst>
+      <p:ext uri="{BB962C8B-B14F-4D97-AF65-F5344CB8AC3E}">
+        <p14:creationId xmlns:p14="http://schemas.microsoft.com/office/powerpoint/2010/main" val="1003608044"/>
+      </p:ext>
+    </p:extLst>
+  </p:cSld>
+  <p:clrMapOvr>
+    <a:masterClrMapping/>
+  </p:clrMapOvr>
+</p:sld>
+</file>
+
+<file path=ppt/slides/slide22.xml><?xml version="1.0" encoding="utf-8"?>
+<p:sld xmlns:a="http://schemas.openxmlformats.org/drawingml/2006/main" xmlns:r="http://schemas.openxmlformats.org/officeDocument/2006/relationships" xmlns:p="http://schemas.openxmlformats.org/presentationml/2006/main">
+  <p:cSld>
+    <p:bg>
+      <p:bgPr>
+        <a:gradFill rotWithShape="1">
+          <a:gsLst>
+            <a:gs pos="0">
+              <a:schemeClr val="bg2">
+                <a:tint val="94000"/>
+                <a:satMod val="80000"/>
+                <a:lumMod val="106000"/>
+              </a:schemeClr>
+            </a:gs>
+            <a:gs pos="100000">
+              <a:schemeClr val="bg2">
+                <a:shade val="80000"/>
+              </a:schemeClr>
+            </a:gs>
+          </a:gsLst>
+          <a:path path="circle">
+            <a:fillToRect l="43000" r="43000" b="100000"/>
+          </a:path>
+        </a:gradFill>
+        <a:effectLst/>
+      </p:bgPr>
+    </p:bg>
+    <p:spTree>
+      <p:nvGrpSpPr>
+        <p:cNvPr id="1" name=""/>
+        <p:cNvGrpSpPr/>
+        <p:nvPr/>
+      </p:nvGrpSpPr>
+      <p:grpSpPr>
+        <a:xfrm>
+          <a:off x="0" y="0"/>
+          <a:ext cx="0" cy="0"/>
+          <a:chOff x="0" y="0"/>
+          <a:chExt cx="0" cy="0"/>
+        </a:xfrm>
+      </p:grpSpPr>
+      <p:sp>
+        <p:nvSpPr>
+          <p:cNvPr id="4" name="文字方塊 3">
+            <a:extLst>
+              <a:ext uri="{FF2B5EF4-FFF2-40B4-BE49-F238E27FC236}">
+                <a16:creationId xmlns:a16="http://schemas.microsoft.com/office/drawing/2014/main" id="{2659F110-C4F6-48B8-91F7-F97A47BEF5C6}"/>
+              </a:ext>
+            </a:extLst>
+          </p:cNvPr>
+          <p:cNvSpPr txBox="1"/>
+          <p:nvPr/>
+        </p:nvSpPr>
+        <p:spPr>
+          <a:xfrm>
+            <a:off x="857839" y="490194"/>
+            <a:ext cx="10237509" cy="646331"/>
+          </a:xfrm>
+          <a:prstGeom prst="rect">
+            <a:avLst/>
+          </a:prstGeom>
+          <a:noFill/>
+        </p:spPr>
+        <p:txBody>
+          <a:bodyPr wrap="square" rtlCol="0">
+            <a:spAutoFit/>
+          </a:bodyPr>
+          <a:lstStyle/>
+          <a:p>
+            <a:r>
+              <a:rPr lang="en-US" altLang="zh-TW" sz="3600" dirty="0"/>
+              <a:t>Recommendation</a:t>
+            </a:r>
+            <a:endParaRPr lang="zh-TW" altLang="en-US" sz="3600" dirty="0"/>
+          </a:p>
+        </p:txBody>
+      </p:sp>
+      <p:sp>
+        <p:nvSpPr>
+          <p:cNvPr id="10" name="文字方塊 9">
+            <a:extLst>
+              <a:ext uri="{FF2B5EF4-FFF2-40B4-BE49-F238E27FC236}">
+                <a16:creationId xmlns:a16="http://schemas.microsoft.com/office/drawing/2014/main" id="{E1564228-FE28-4582-B1D1-3D182BFE32BF}"/>
+              </a:ext>
+            </a:extLst>
+          </p:cNvPr>
+          <p:cNvSpPr txBox="1"/>
+          <p:nvPr/>
+        </p:nvSpPr>
+        <p:spPr>
+          <a:xfrm>
+            <a:off x="999241" y="1597249"/>
+            <a:ext cx="9954705" cy="5693866"/>
+          </a:xfrm>
+          <a:prstGeom prst="rect">
+            <a:avLst/>
+          </a:prstGeom>
+          <a:noFill/>
+        </p:spPr>
+        <p:txBody>
+          <a:bodyPr wrap="square" rtlCol="0">
+            <a:spAutoFit/>
+          </a:bodyPr>
+          <a:lstStyle/>
+          <a:p>
+            <a:pPr marL="285750" indent="-285750">
+              <a:buFont typeface="Wingdings" panose="05000000000000000000" pitchFamily="2" charset="2"/>
+              <a:buChar char="p"/>
+            </a:pPr>
+            <a:r>
+              <a:rPr lang="en-US" altLang="zh-TW" sz="2800" dirty="0"/>
+              <a:t>For Start-up companies:</a:t>
+            </a:r>
+          </a:p>
+          <a:p>
+            <a:pPr marL="457200" indent="-457200">
+              <a:buFont typeface="Wingdings" panose="05000000000000000000" pitchFamily="2" charset="2"/>
+              <a:buChar char="u"/>
+            </a:pPr>
+            <a:r>
+              <a:rPr lang="en-US" altLang="zh-TW" sz="2800" dirty="0"/>
+              <a:t>Can provide consultation and prediction service to customers</a:t>
+            </a:r>
+          </a:p>
+          <a:p>
+            <a:pPr marL="457200" indent="-457200">
+              <a:buFont typeface="Wingdings" panose="05000000000000000000" pitchFamily="2" charset="2"/>
+              <a:buChar char="u"/>
+            </a:pPr>
+            <a:r>
+              <a:rPr lang="en-US" altLang="zh-TW" sz="2800" dirty="0"/>
+              <a:t>Can set-up their long-term marketing strategy</a:t>
+            </a:r>
+          </a:p>
+          <a:p>
+            <a:pPr marL="457200" indent="-457200">
+              <a:buFont typeface="Wingdings" panose="05000000000000000000" pitchFamily="2" charset="2"/>
+              <a:buChar char="u"/>
+            </a:pPr>
+            <a:r>
+              <a:rPr lang="en-US" altLang="zh-TW" sz="2800" dirty="0"/>
+              <a:t>Can explore potential customers</a:t>
+            </a:r>
+          </a:p>
+          <a:p>
+            <a:pPr marL="285750" indent="-285750">
+              <a:buFont typeface="Wingdings" panose="05000000000000000000" pitchFamily="2" charset="2"/>
+              <a:buChar char="p"/>
+            </a:pPr>
+            <a:endParaRPr lang="en-US" altLang="zh-TW" sz="2800" dirty="0"/>
+          </a:p>
+          <a:p>
+            <a:pPr marL="285750" indent="-285750">
+              <a:buFont typeface="Wingdings" panose="05000000000000000000" pitchFamily="2" charset="2"/>
+              <a:buChar char="p"/>
+            </a:pPr>
+            <a:r>
+              <a:rPr lang="en-US" altLang="zh-TW" sz="2800" dirty="0"/>
+              <a:t>For general public:</a:t>
+            </a:r>
+          </a:p>
+          <a:p>
+            <a:pPr marL="457200" indent="-457200">
+              <a:buFont typeface="Wingdings" panose="05000000000000000000" pitchFamily="2" charset="2"/>
+              <a:buChar char="u"/>
+            </a:pPr>
+            <a:r>
+              <a:rPr lang="en-US" altLang="zh-TW" sz="2800" dirty="0"/>
+              <a:t>Can compare current medical insurance with predicted results</a:t>
+            </a:r>
+          </a:p>
+          <a:p>
+            <a:pPr marL="457200" indent="-457200">
+              <a:buFont typeface="Wingdings" panose="05000000000000000000" pitchFamily="2" charset="2"/>
+              <a:buChar char="u"/>
+            </a:pPr>
+            <a:r>
+              <a:rPr lang="en-US" altLang="zh-TW" sz="2800" dirty="0"/>
+              <a:t>Can forecast future insurance cost and set-up better planning (such as changing smoking behavior and target BMI) </a:t>
+            </a:r>
+          </a:p>
+          <a:p>
+            <a:pPr marL="457200" indent="-457200">
+              <a:buFont typeface="Wingdings" panose="05000000000000000000" pitchFamily="2" charset="2"/>
+              <a:buChar char="u"/>
+            </a:pPr>
+            <a:r>
+              <a:rPr lang="en-US" altLang="zh-TW" sz="2800" dirty="0"/>
+              <a:t>Can understand better the features affecting their insurance cost and the features can be ignored</a:t>
+            </a:r>
+          </a:p>
+          <a:p>
+            <a:pPr marL="285750" indent="-285750">
+              <a:buFont typeface="Wingdings" panose="05000000000000000000" pitchFamily="2" charset="2"/>
+              <a:buChar char="p"/>
+            </a:pPr>
+            <a:endParaRPr lang="en-US" altLang="zh-TW" sz="2800" dirty="0"/>
+          </a:p>
+          <a:p>
+            <a:endParaRPr lang="en-US" altLang="zh-TW" sz="2800" dirty="0"/>
+          </a:p>
+        </p:txBody>
+      </p:sp>
+    </p:spTree>
+    <p:extLst>
+      <p:ext uri="{BB962C8B-B14F-4D97-AF65-F5344CB8AC3E}">
+        <p14:creationId xmlns:p14="http://schemas.microsoft.com/office/powerpoint/2010/main" val="998925843"/>
+      </p:ext>
+    </p:extLst>
+  </p:cSld>
+  <p:clrMapOvr>
+    <a:masterClrMapping/>
+  </p:clrMapOvr>
+</p:sld>
+</file>
+
+<file path=ppt/slides/slide23.xml><?xml version="1.0" encoding="utf-8"?>
+<p:sld xmlns:a="http://schemas.openxmlformats.org/drawingml/2006/main" xmlns:r="http://schemas.openxmlformats.org/officeDocument/2006/relationships" xmlns:p="http://schemas.openxmlformats.org/presentationml/2006/main">
+  <p:cSld>
+    <p:bg>
+      <p:bgPr>
+        <a:gradFill rotWithShape="1">
+          <a:gsLst>
+            <a:gs pos="0">
+              <a:schemeClr val="bg2">
+                <a:tint val="94000"/>
+                <a:satMod val="80000"/>
+                <a:lumMod val="106000"/>
+              </a:schemeClr>
+            </a:gs>
+            <a:gs pos="100000">
+              <a:schemeClr val="bg2">
+                <a:shade val="80000"/>
+              </a:schemeClr>
+            </a:gs>
+          </a:gsLst>
+          <a:path path="circle">
+            <a:fillToRect l="43000" r="43000" b="100000"/>
+          </a:path>
+        </a:gradFill>
+        <a:effectLst/>
+      </p:bgPr>
+    </p:bg>
+    <p:spTree>
+      <p:nvGrpSpPr>
+        <p:cNvPr id="1" name=""/>
+        <p:cNvGrpSpPr/>
+        <p:nvPr/>
+      </p:nvGrpSpPr>
+      <p:grpSpPr>
+        <a:xfrm>
+          <a:off x="0" y="0"/>
+          <a:ext cx="0" cy="0"/>
+          <a:chOff x="0" y="0"/>
+          <a:chExt cx="0" cy="0"/>
+        </a:xfrm>
+      </p:grpSpPr>
+      <p:sp>
+        <p:nvSpPr>
+          <p:cNvPr id="4" name="文字方塊 3">
+            <a:extLst>
+              <a:ext uri="{FF2B5EF4-FFF2-40B4-BE49-F238E27FC236}">
+                <a16:creationId xmlns:a16="http://schemas.microsoft.com/office/drawing/2014/main" id="{2659F110-C4F6-48B8-91F7-F97A47BEF5C6}"/>
+              </a:ext>
+            </a:extLst>
+          </p:cNvPr>
+          <p:cNvSpPr txBox="1"/>
+          <p:nvPr/>
+        </p:nvSpPr>
+        <p:spPr>
+          <a:xfrm>
+            <a:off x="4775780" y="2592973"/>
+            <a:ext cx="2899344" cy="1200329"/>
+          </a:xfrm>
+          <a:prstGeom prst="rect">
+            <a:avLst/>
+          </a:prstGeom>
+          <a:noFill/>
+        </p:spPr>
+        <p:txBody>
+          <a:bodyPr wrap="square" rtlCol="0">
+            <a:spAutoFit/>
+          </a:bodyPr>
+          <a:lstStyle/>
+          <a:p>
+            <a:r>
+              <a:rPr lang="en-US" altLang="zh-TW" sz="7200" dirty="0"/>
+              <a:t>Q &amp; A</a:t>
+            </a:r>
+            <a:endParaRPr lang="zh-TW" altLang="en-US" sz="7200" dirty="0"/>
+          </a:p>
+        </p:txBody>
+      </p:sp>
+    </p:spTree>
+    <p:extLst>
+      <p:ext uri="{BB962C8B-B14F-4D97-AF65-F5344CB8AC3E}">
+        <p14:creationId xmlns:p14="http://schemas.microsoft.com/office/powerpoint/2010/main" val="4228334862"/>
+      </p:ext>
+    </p:extLst>
+  </p:cSld>
+  <p:clrMapOvr>
+    <a:masterClrMapping/>
+  </p:clrMapOvr>
+</p:sld>
+</file>
+
 <file path=ppt/slides/slide3.xml><?xml version="1.0" encoding="utf-8"?>
 <p:sld xmlns:a="http://schemas.openxmlformats.org/drawingml/2006/main" xmlns:r="http://schemas.openxmlformats.org/officeDocument/2006/relationships" xmlns:p="http://schemas.openxmlformats.org/presentationml/2006/main">
   <p:cSld>
@@ -6525,7 +7566,7 @@
         <p:spPr>
           <a:xfrm>
             <a:off x="838986" y="480767"/>
-            <a:ext cx="10237509" cy="646331"/>
+            <a:ext cx="10237509" cy="1754326"/>
           </a:xfrm>
           <a:prstGeom prst="rect">
             <a:avLst/>
@@ -6540,9 +7581,14 @@
           <a:p>
             <a:r>
               <a:rPr lang="en-US" altLang="zh-TW" sz="3600" dirty="0"/>
-              <a:t>Who might Care?</a:t>
-            </a:r>
-            <a:endParaRPr lang="zh-TW" altLang="en-US" sz="3600" dirty="0"/>
+              <a:t>Aims and Objectives </a:t>
+            </a:r>
+          </a:p>
+          <a:p>
+            <a:endParaRPr lang="en-US" altLang="zh-TW" sz="3600" dirty="0"/>
+          </a:p>
+          <a:p>
+            <a:endParaRPr lang="en-US" altLang="zh-TW" sz="3600" dirty="0"/>
           </a:p>
         </p:txBody>
       </p:sp>
@@ -6561,7 +7607,7 @@
         <p:spPr>
           <a:xfrm>
             <a:off x="838986" y="1602556"/>
-            <a:ext cx="10416618" cy="4493538"/>
+            <a:ext cx="10416618" cy="3693319"/>
           </a:xfrm>
           <a:prstGeom prst="rect">
             <a:avLst/>
@@ -6580,37 +7626,7 @@
             </a:pPr>
             <a:r>
               <a:rPr lang="en-US" altLang="zh-TW" sz="2600" dirty="0"/>
-              <a:t>Start-up Companies</a:t>
-            </a:r>
-          </a:p>
-          <a:p>
-            <a:endParaRPr lang="en-US" altLang="zh-TW" sz="2600" dirty="0"/>
-          </a:p>
-          <a:p>
-            <a:pPr marL="457200" indent="-457200">
-              <a:buFont typeface="Wingdings" panose="05000000000000000000" pitchFamily="2" charset="2"/>
-              <a:buChar char="Ø"/>
-            </a:pPr>
-            <a:r>
-              <a:rPr lang="en-US" altLang="zh-TW" sz="2600" dirty="0"/>
-              <a:t>Provide services such as consulting</a:t>
-            </a:r>
-          </a:p>
-          <a:p>
-            <a:pPr marL="457200" indent="-457200">
-              <a:buFont typeface="Wingdings" panose="05000000000000000000" pitchFamily="2" charset="2"/>
-              <a:buChar char="Ø"/>
-            </a:pPr>
-            <a:endParaRPr lang="en-US" altLang="zh-TW" sz="2600" dirty="0"/>
-          </a:p>
-          <a:p>
-            <a:pPr marL="457200" indent="-457200">
-              <a:buFont typeface="Wingdings" panose="05000000000000000000" pitchFamily="2" charset="2"/>
-              <a:buChar char="Ø"/>
-            </a:pPr>
-            <a:r>
-              <a:rPr lang="en-US" altLang="zh-TW" sz="2600" dirty="0"/>
-              <a:t>Finding potential customers</a:t>
+              <a:t>Establish a ML model for predicting medical insurance cost</a:t>
             </a:r>
           </a:p>
           <a:p>
@@ -6623,176 +7639,59 @@
             </a:pPr>
             <a:r>
               <a:rPr lang="en-US" altLang="zh-TW" sz="2600" dirty="0"/>
-              <a:t>General Public</a:t>
-            </a:r>
-          </a:p>
-          <a:p>
-            <a:endParaRPr lang="en-US" altLang="zh-TW" sz="2600" dirty="0"/>
-          </a:p>
-          <a:p>
-            <a:pPr marL="514350" indent="-514350">
+              <a:t>Understand essential and non-essential factors for insurance cost</a:t>
+            </a:r>
+          </a:p>
+          <a:p>
+            <a:pPr marL="457200" indent="-457200">
               <a:buFont typeface="Wingdings" panose="05000000000000000000" pitchFamily="2" charset="2"/>
-              <a:buChar char="Ø"/>
-            </a:pPr>
-            <a:r>
-              <a:rPr lang="en-US" altLang="zh-TW" sz="2600" dirty="0"/>
-              <a:t>Evaluation of their current planes</a:t>
-            </a:r>
-          </a:p>
-          <a:p>
-            <a:pPr marL="514350" indent="-514350">
-              <a:buFont typeface="Wingdings" panose="05000000000000000000" pitchFamily="2" charset="2"/>
-              <a:buChar char="Ø"/>
+              <a:buChar char="p"/>
             </a:pPr>
             <a:endParaRPr lang="en-US" altLang="zh-TW" sz="2600" dirty="0"/>
           </a:p>
           <a:p>
-            <a:pPr marL="514350" indent="-514350">
+            <a:pPr marL="457200" indent="-457200">
               <a:buFont typeface="Wingdings" panose="05000000000000000000" pitchFamily="2" charset="2"/>
-              <a:buChar char="Ø"/>
+              <a:buChar char="p"/>
             </a:pPr>
             <a:r>
               <a:rPr lang="en-US" altLang="zh-TW" sz="2600" dirty="0"/>
-              <a:t>Better planning and strategy</a:t>
-            </a:r>
+              <a:t>Aid start-up companies to set up better marketing strategy</a:t>
+            </a:r>
+          </a:p>
+          <a:p>
+            <a:pPr marL="457200" indent="-457200">
+              <a:buFont typeface="Wingdings" panose="05000000000000000000" pitchFamily="2" charset="2"/>
+              <a:buChar char="p"/>
+            </a:pPr>
+            <a:endParaRPr lang="en-US" altLang="zh-TW" sz="2600" dirty="0"/>
+          </a:p>
+          <a:p>
+            <a:pPr marL="457200" indent="-457200">
+              <a:buFont typeface="Wingdings" panose="05000000000000000000" pitchFamily="2" charset="2"/>
+              <a:buChar char="p"/>
+            </a:pPr>
+            <a:r>
+              <a:rPr lang="en-US" altLang="zh-TW" sz="2600" dirty="0"/>
+              <a:t>Aid customers to have better planning on their medical insurance </a:t>
+            </a:r>
+          </a:p>
+          <a:p>
+            <a:endParaRPr lang="en-US" altLang="zh-TW" sz="2600" dirty="0"/>
+          </a:p>
+          <a:p>
+            <a:pPr marL="457200" indent="-457200">
+              <a:buFont typeface="Wingdings" panose="05000000000000000000" pitchFamily="2" charset="2"/>
+              <a:buChar char="p"/>
+            </a:pPr>
             <a:endParaRPr lang="zh-TW" altLang="en-US" sz="2600" dirty="0"/>
-          </a:p>
-        </p:txBody>
-      </p:sp>
-      <p:pic>
-        <p:nvPicPr>
-          <p:cNvPr id="1030" name="Picture 6" descr="Image result for rising medical insurance">
-            <a:extLst>
-              <a:ext uri="{FF2B5EF4-FFF2-40B4-BE49-F238E27FC236}">
-                <a16:creationId xmlns:a16="http://schemas.microsoft.com/office/drawing/2014/main" id="{1471D663-6DD5-4594-9D1B-95FB7D8D09BC}"/>
-              </a:ext>
-            </a:extLst>
-          </p:cNvPr>
-          <p:cNvPicPr>
-            <a:picLocks noChangeAspect="1" noChangeArrowheads="1"/>
-          </p:cNvPicPr>
-          <p:nvPr/>
-        </p:nvPicPr>
-        <p:blipFill>
-          <a:blip r:embed="rId2">
-            <a:extLst>
-              <a:ext uri="{28A0092B-C50C-407E-A947-70E740481C1C}">
-                <a14:useLocalDpi xmlns:a14="http://schemas.microsoft.com/office/drawing/2010/main" val="0"/>
-              </a:ext>
-            </a:extLst>
-          </a:blip>
-          <a:srcRect/>
-          <a:stretch>
-            <a:fillRect/>
-          </a:stretch>
-        </p:blipFill>
-        <p:spPr bwMode="auto">
-          <a:xfrm>
-            <a:off x="6627044" y="3453978"/>
-            <a:ext cx="3902696" cy="2923255"/>
-          </a:xfrm>
-          <a:prstGeom prst="rect">
-            <a:avLst/>
-          </a:prstGeom>
-          <a:noFill/>
-          <a:extLst>
-            <a:ext uri="{909E8E84-426E-40DD-AFC4-6F175D3DCCD1}">
-              <a14:hiddenFill xmlns:a14="http://schemas.microsoft.com/office/drawing/2010/main">
-                <a:solidFill>
-                  <a:srgbClr val="FFFFFF"/>
-                </a:solidFill>
-              </a14:hiddenFill>
-            </a:ext>
-          </a:extLst>
-        </p:spPr>
-      </p:pic>
-      <p:pic>
-        <p:nvPicPr>
-          <p:cNvPr id="2050" name="Picture 2" descr="No">
-            <a:extLst>
-              <a:ext uri="{FF2B5EF4-FFF2-40B4-BE49-F238E27FC236}">
-                <a16:creationId xmlns:a16="http://schemas.microsoft.com/office/drawing/2014/main" id="{37A09252-4912-4A19-9372-746B22C6E99D}"/>
-              </a:ext>
-            </a:extLst>
-          </p:cNvPr>
-          <p:cNvPicPr>
-            <a:picLocks noChangeAspect="1" noChangeArrowheads="1"/>
-          </p:cNvPicPr>
-          <p:nvPr/>
-        </p:nvPicPr>
-        <p:blipFill>
-          <a:blip r:embed="rId3">
-            <a:extLst>
-              <a:ext uri="{28A0092B-C50C-407E-A947-70E740481C1C}">
-                <a14:useLocalDpi xmlns:a14="http://schemas.microsoft.com/office/drawing/2010/main" val="0"/>
-              </a:ext>
-            </a:extLst>
-          </a:blip>
-          <a:srcRect/>
-          <a:stretch>
-            <a:fillRect/>
-          </a:stretch>
-        </p:blipFill>
-        <p:spPr bwMode="auto">
-          <a:xfrm>
-            <a:off x="6553118" y="400918"/>
-            <a:ext cx="3976622" cy="2649312"/>
-          </a:xfrm>
-          <a:prstGeom prst="rect">
-            <a:avLst/>
-          </a:prstGeom>
-          <a:noFill/>
-          <a:extLst>
-            <a:ext uri="{909E8E84-426E-40DD-AFC4-6F175D3DCCD1}">
-              <a14:hiddenFill xmlns:a14="http://schemas.microsoft.com/office/drawing/2010/main">
-                <a:solidFill>
-                  <a:srgbClr val="FFFFFF"/>
-                </a:solidFill>
-              </a14:hiddenFill>
-            </a:ext>
-          </a:extLst>
-        </p:spPr>
-      </p:pic>
-      <p:sp>
-        <p:nvSpPr>
-          <p:cNvPr id="3" name="文字方塊 2">
-            <a:extLst>
-              <a:ext uri="{FF2B5EF4-FFF2-40B4-BE49-F238E27FC236}">
-                <a16:creationId xmlns:a16="http://schemas.microsoft.com/office/drawing/2014/main" id="{D9A606AC-07AD-43A8-A12A-B2F21B13DA5D}"/>
-              </a:ext>
-            </a:extLst>
-          </p:cNvPr>
-          <p:cNvSpPr txBox="1"/>
-          <p:nvPr/>
-        </p:nvSpPr>
-        <p:spPr>
-          <a:xfrm>
-            <a:off x="6553118" y="6571552"/>
-            <a:ext cx="3684535" cy="276999"/>
-          </a:xfrm>
-          <a:prstGeom prst="rect">
-            <a:avLst/>
-          </a:prstGeom>
-          <a:noFill/>
-        </p:spPr>
-        <p:txBody>
-          <a:bodyPr wrap="none" rtlCol="0">
-            <a:spAutoFit/>
-          </a:bodyPr>
-          <a:lstStyle/>
-          <a:p>
-            <a:r>
-              <a:rPr lang="en-US" altLang="zh-TW" sz="1200" dirty="0"/>
-              <a:t>Photo source: http://canonprintermx410.blogspot.com</a:t>
-            </a:r>
-            <a:endParaRPr lang="zh-TW" altLang="en-US" sz="1200" dirty="0"/>
           </a:p>
         </p:txBody>
       </p:sp>
     </p:spTree>
     <p:extLst>
       <p:ext uri="{BB962C8B-B14F-4D97-AF65-F5344CB8AC3E}">
-        <p14:creationId xmlns:p14="http://schemas.microsoft.com/office/powerpoint/2010/main" val="3497912214"/>
+        <p14:creationId xmlns:p14="http://schemas.microsoft.com/office/powerpoint/2010/main" val="4275355706"/>
       </p:ext>
     </p:extLst>
   </p:cSld>
@@ -6873,47 +7772,18 @@
           <a:p>
             <a:r>
               <a:rPr lang="en-US" altLang="zh-TW" sz="3600" dirty="0"/>
-              <a:t>Dataset</a:t>
+              <a:t>Who might Care?</a:t>
             </a:r>
             <a:endParaRPr lang="zh-TW" altLang="en-US" sz="3600" dirty="0"/>
           </a:p>
         </p:txBody>
       </p:sp>
-      <p:pic>
-        <p:nvPicPr>
-          <p:cNvPr id="2" name="圖片 1">
+      <p:sp>
+        <p:nvSpPr>
+          <p:cNvPr id="5" name="文字方塊 4">
             <a:extLst>
               <a:ext uri="{FF2B5EF4-FFF2-40B4-BE49-F238E27FC236}">
-                <a16:creationId xmlns:a16="http://schemas.microsoft.com/office/drawing/2014/main" id="{D4A34BE0-93FF-4B37-A3E4-7F4394EA38E8}"/>
-              </a:ext>
-            </a:extLst>
-          </p:cNvPr>
-          <p:cNvPicPr>
-            <a:picLocks noChangeAspect="1"/>
-          </p:cNvPicPr>
-          <p:nvPr/>
-        </p:nvPicPr>
-        <p:blipFill rotWithShape="1">
-          <a:blip r:embed="rId2"/>
-          <a:srcRect l="17629" t="67079" r="50000" b="13127"/>
-          <a:stretch/>
-        </p:blipFill>
-        <p:spPr>
-          <a:xfrm>
-            <a:off x="1630836" y="2247120"/>
-            <a:ext cx="7499376" cy="2579403"/>
-          </a:xfrm>
-          <a:prstGeom prst="rect">
-            <a:avLst/>
-          </a:prstGeom>
-        </p:spPr>
-      </p:pic>
-      <p:sp>
-        <p:nvSpPr>
-          <p:cNvPr id="6" name="文字方塊 5">
-            <a:extLst>
-              <a:ext uri="{FF2B5EF4-FFF2-40B4-BE49-F238E27FC236}">
-                <a16:creationId xmlns:a16="http://schemas.microsoft.com/office/drawing/2014/main" id="{5891D6D1-B461-4BB5-93FD-9781E0D556A5}"/>
+                <a16:creationId xmlns:a16="http://schemas.microsoft.com/office/drawing/2014/main" id="{427124C5-8F3D-447D-A7CD-4C14CFE522E6}"/>
               </a:ext>
             </a:extLst>
           </p:cNvPr>
@@ -6922,8 +7792,8 @@
         </p:nvSpPr>
         <p:spPr>
           <a:xfrm>
-            <a:off x="1225485" y="1234911"/>
-            <a:ext cx="7746095" cy="461665"/>
+            <a:off x="838986" y="1602556"/>
+            <a:ext cx="10416618" cy="4493538"/>
           </a:xfrm>
           <a:prstGeom prst="rect">
             <a:avLst/>
@@ -6931,23 +7801,230 @@
           <a:noFill/>
         </p:spPr>
         <p:txBody>
+          <a:bodyPr wrap="square" rtlCol="0">
+            <a:spAutoFit/>
+          </a:bodyPr>
+          <a:lstStyle/>
+          <a:p>
+            <a:pPr marL="457200" indent="-457200">
+              <a:buFont typeface="Wingdings" panose="05000000000000000000" pitchFamily="2" charset="2"/>
+              <a:buChar char="p"/>
+            </a:pPr>
+            <a:r>
+              <a:rPr lang="en-US" altLang="zh-TW" sz="2600" dirty="0"/>
+              <a:t>Start-up Companies</a:t>
+            </a:r>
+          </a:p>
+          <a:p>
+            <a:endParaRPr lang="en-US" altLang="zh-TW" sz="2600" dirty="0"/>
+          </a:p>
+          <a:p>
+            <a:pPr marL="457200" indent="-457200">
+              <a:buFont typeface="Wingdings" panose="05000000000000000000" pitchFamily="2" charset="2"/>
+              <a:buChar char="Ø"/>
+            </a:pPr>
+            <a:r>
+              <a:rPr lang="en-US" altLang="zh-TW" sz="2600" dirty="0"/>
+              <a:t>Provide services such as consulting</a:t>
+            </a:r>
+          </a:p>
+          <a:p>
+            <a:pPr marL="457200" indent="-457200">
+              <a:buFont typeface="Wingdings" panose="05000000000000000000" pitchFamily="2" charset="2"/>
+              <a:buChar char="Ø"/>
+            </a:pPr>
+            <a:endParaRPr lang="en-US" altLang="zh-TW" sz="2600" dirty="0"/>
+          </a:p>
+          <a:p>
+            <a:pPr marL="457200" indent="-457200">
+              <a:buFont typeface="Wingdings" panose="05000000000000000000" pitchFamily="2" charset="2"/>
+              <a:buChar char="Ø"/>
+            </a:pPr>
+            <a:r>
+              <a:rPr lang="en-US" altLang="zh-TW" sz="2600" dirty="0"/>
+              <a:t>Finding potential customers</a:t>
+            </a:r>
+          </a:p>
+          <a:p>
+            <a:endParaRPr lang="en-US" altLang="zh-TW" sz="2600" dirty="0"/>
+          </a:p>
+          <a:p>
+            <a:pPr marL="457200" indent="-457200">
+              <a:buFont typeface="Wingdings" panose="05000000000000000000" pitchFamily="2" charset="2"/>
+              <a:buChar char="p"/>
+            </a:pPr>
+            <a:r>
+              <a:rPr lang="en-US" altLang="zh-TW" sz="2600" dirty="0"/>
+              <a:t>General Public</a:t>
+            </a:r>
+          </a:p>
+          <a:p>
+            <a:endParaRPr lang="en-US" altLang="zh-TW" sz="2600" dirty="0"/>
+          </a:p>
+          <a:p>
+            <a:pPr marL="514350" indent="-514350">
+              <a:buFont typeface="Wingdings" panose="05000000000000000000" pitchFamily="2" charset="2"/>
+              <a:buChar char="Ø"/>
+            </a:pPr>
+            <a:r>
+              <a:rPr lang="en-US" altLang="zh-TW" sz="2600" dirty="0"/>
+              <a:t>Evaluation of their current planes</a:t>
+            </a:r>
+          </a:p>
+          <a:p>
+            <a:pPr marL="514350" indent="-514350">
+              <a:buFont typeface="Wingdings" panose="05000000000000000000" pitchFamily="2" charset="2"/>
+              <a:buChar char="Ø"/>
+            </a:pPr>
+            <a:endParaRPr lang="en-US" altLang="zh-TW" sz="2600" dirty="0"/>
+          </a:p>
+          <a:p>
+            <a:pPr marL="514350" indent="-514350">
+              <a:buFont typeface="Wingdings" panose="05000000000000000000" pitchFamily="2" charset="2"/>
+              <a:buChar char="Ø"/>
+            </a:pPr>
+            <a:r>
+              <a:rPr lang="en-US" altLang="zh-TW" sz="2600" dirty="0"/>
+              <a:t>Better planning and strategy</a:t>
+            </a:r>
+            <a:endParaRPr lang="zh-TW" altLang="en-US" sz="2600" dirty="0"/>
+          </a:p>
+        </p:txBody>
+      </p:sp>
+      <p:pic>
+        <p:nvPicPr>
+          <p:cNvPr id="1030" name="Picture 6" descr="Image result for rising medical insurance">
+            <a:extLst>
+              <a:ext uri="{FF2B5EF4-FFF2-40B4-BE49-F238E27FC236}">
+                <a16:creationId xmlns:a16="http://schemas.microsoft.com/office/drawing/2014/main" id="{1471D663-6DD5-4594-9D1B-95FB7D8D09BC}"/>
+              </a:ext>
+            </a:extLst>
+          </p:cNvPr>
+          <p:cNvPicPr>
+            <a:picLocks noChangeAspect="1" noChangeArrowheads="1"/>
+          </p:cNvPicPr>
+          <p:nvPr/>
+        </p:nvPicPr>
+        <p:blipFill>
+          <a:blip r:embed="rId2">
+            <a:extLst>
+              <a:ext uri="{28A0092B-C50C-407E-A947-70E740481C1C}">
+                <a14:useLocalDpi xmlns:a14="http://schemas.microsoft.com/office/drawing/2010/main" val="0"/>
+              </a:ext>
+            </a:extLst>
+          </a:blip>
+          <a:srcRect/>
+          <a:stretch>
+            <a:fillRect/>
+          </a:stretch>
+        </p:blipFill>
+        <p:spPr bwMode="auto">
+          <a:xfrm>
+            <a:off x="6627044" y="3453978"/>
+            <a:ext cx="3902696" cy="2923255"/>
+          </a:xfrm>
+          <a:prstGeom prst="rect">
+            <a:avLst/>
+          </a:prstGeom>
+          <a:noFill/>
+          <a:extLst>
+            <a:ext uri="{909E8E84-426E-40DD-AFC4-6F175D3DCCD1}">
+              <a14:hiddenFill xmlns:a14="http://schemas.microsoft.com/office/drawing/2010/main">
+                <a:solidFill>
+                  <a:srgbClr val="FFFFFF"/>
+                </a:solidFill>
+              </a14:hiddenFill>
+            </a:ext>
+          </a:extLst>
+        </p:spPr>
+      </p:pic>
+      <p:pic>
+        <p:nvPicPr>
+          <p:cNvPr id="2050" name="Picture 2" descr="No">
+            <a:extLst>
+              <a:ext uri="{FF2B5EF4-FFF2-40B4-BE49-F238E27FC236}">
+                <a16:creationId xmlns:a16="http://schemas.microsoft.com/office/drawing/2014/main" id="{37A09252-4912-4A19-9372-746B22C6E99D}"/>
+              </a:ext>
+            </a:extLst>
+          </p:cNvPr>
+          <p:cNvPicPr>
+            <a:picLocks noChangeAspect="1" noChangeArrowheads="1"/>
+          </p:cNvPicPr>
+          <p:nvPr/>
+        </p:nvPicPr>
+        <p:blipFill>
+          <a:blip r:embed="rId3">
+            <a:extLst>
+              <a:ext uri="{28A0092B-C50C-407E-A947-70E740481C1C}">
+                <a14:useLocalDpi xmlns:a14="http://schemas.microsoft.com/office/drawing/2010/main" val="0"/>
+              </a:ext>
+            </a:extLst>
+          </a:blip>
+          <a:srcRect/>
+          <a:stretch>
+            <a:fillRect/>
+          </a:stretch>
+        </p:blipFill>
+        <p:spPr bwMode="auto">
+          <a:xfrm>
+            <a:off x="6553118" y="400918"/>
+            <a:ext cx="3976622" cy="2649312"/>
+          </a:xfrm>
+          <a:prstGeom prst="rect">
+            <a:avLst/>
+          </a:prstGeom>
+          <a:noFill/>
+          <a:extLst>
+            <a:ext uri="{909E8E84-426E-40DD-AFC4-6F175D3DCCD1}">
+              <a14:hiddenFill xmlns:a14="http://schemas.microsoft.com/office/drawing/2010/main">
+                <a:solidFill>
+                  <a:srgbClr val="FFFFFF"/>
+                </a:solidFill>
+              </a14:hiddenFill>
+            </a:ext>
+          </a:extLst>
+        </p:spPr>
+      </p:pic>
+      <p:sp>
+        <p:nvSpPr>
+          <p:cNvPr id="3" name="文字方塊 2">
+            <a:extLst>
+              <a:ext uri="{FF2B5EF4-FFF2-40B4-BE49-F238E27FC236}">
+                <a16:creationId xmlns:a16="http://schemas.microsoft.com/office/drawing/2014/main" id="{D9A606AC-07AD-43A8-A12A-B2F21B13DA5D}"/>
+              </a:ext>
+            </a:extLst>
+          </p:cNvPr>
+          <p:cNvSpPr txBox="1"/>
+          <p:nvPr/>
+        </p:nvSpPr>
+        <p:spPr>
+          <a:xfrm>
+            <a:off x="6553118" y="6571552"/>
+            <a:ext cx="3684535" cy="276999"/>
+          </a:xfrm>
+          <a:prstGeom prst="rect">
+            <a:avLst/>
+          </a:prstGeom>
+          <a:noFill/>
+        </p:spPr>
+        <p:txBody>
           <a:bodyPr wrap="none" rtlCol="0">
             <a:spAutoFit/>
           </a:bodyPr>
           <a:lstStyle/>
           <a:p>
             <a:r>
-              <a:rPr lang="en-US" altLang="zh-TW" sz="2400" dirty="0"/>
-              <a:t>1337 customers with their information obtained from Kaggle</a:t>
-            </a:r>
-            <a:endParaRPr lang="zh-TW" altLang="en-US" sz="2400" dirty="0"/>
+              <a:rPr lang="en-US" altLang="zh-TW" sz="1200" dirty="0"/>
+              <a:t>Photo source: http://canonprintermx410.blogspot.com</a:t>
+            </a:r>
+            <a:endParaRPr lang="zh-TW" altLang="en-US" sz="1200" dirty="0"/>
           </a:p>
         </p:txBody>
       </p:sp>
     </p:spTree>
     <p:extLst>
       <p:ext uri="{BB962C8B-B14F-4D97-AF65-F5344CB8AC3E}">
-        <p14:creationId xmlns:p14="http://schemas.microsoft.com/office/powerpoint/2010/main" val="3349204585"/>
+        <p14:creationId xmlns:p14="http://schemas.microsoft.com/office/powerpoint/2010/main" val="3497912214"/>
       </p:ext>
     </p:extLst>
   </p:cSld>
@@ -7028,7 +8105,7 @@
           <a:p>
             <a:r>
               <a:rPr lang="en-US" altLang="zh-TW" sz="3600" dirty="0"/>
-              <a:t>Project Outline</a:t>
+              <a:t>Dataset</a:t>
             </a:r>
             <a:endParaRPr lang="zh-TW" altLang="en-US" sz="3600" dirty="0"/>
           </a:p>
@@ -7036,540 +8113,10 @@
       </p:sp>
       <p:sp>
         <p:nvSpPr>
-          <p:cNvPr id="6" name="矩形 5">
+          <p:cNvPr id="5" name="文字方塊 4">
             <a:extLst>
               <a:ext uri="{FF2B5EF4-FFF2-40B4-BE49-F238E27FC236}">
-                <a16:creationId xmlns:a16="http://schemas.microsoft.com/office/drawing/2014/main" id="{B1AFAE04-FC2B-4FC2-A5B9-2C35A5B178D3}"/>
-              </a:ext>
-            </a:extLst>
-          </p:cNvPr>
-          <p:cNvSpPr/>
-          <p:nvPr/>
-        </p:nvSpPr>
-        <p:spPr>
-          <a:xfrm>
-            <a:off x="4610100" y="810868"/>
-            <a:ext cx="2971800" cy="632460"/>
-          </a:xfrm>
-          <a:prstGeom prst="rect">
-            <a:avLst/>
-          </a:prstGeom>
-          <a:ln>
-            <a:solidFill>
-              <a:schemeClr val="tx1"/>
-            </a:solidFill>
-          </a:ln>
-        </p:spPr>
-        <p:style>
-          <a:lnRef idx="2">
-            <a:schemeClr val="accent6"/>
-          </a:lnRef>
-          <a:fillRef idx="1">
-            <a:schemeClr val="lt1"/>
-          </a:fillRef>
-          <a:effectRef idx="0">
-            <a:schemeClr val="accent6"/>
-          </a:effectRef>
-          <a:fontRef idx="minor">
-            <a:schemeClr val="dk1"/>
-          </a:fontRef>
-        </p:style>
-        <p:txBody>
-          <a:bodyPr rot="0" spcFirstLastPara="0" vert="horz" wrap="square" lIns="91440" tIns="45720" rIns="91440" bIns="45720" numCol="1" spcCol="0" rtlCol="0" fromWordArt="0" anchor="ctr" anchorCtr="0" forceAA="0" compatLnSpc="1">
-            <a:prstTxWarp prst="textNoShape">
-              <a:avLst/>
-            </a:prstTxWarp>
-            <a:noAutofit/>
-          </a:bodyPr>
-          <a:lstStyle/>
-          <a:p>
-            <a:pPr algn="ctr"/>
-            <a:r>
-              <a:rPr lang="en-US" sz="2800" kern="100" dirty="0">
-                <a:effectLst/>
-                <a:ea typeface="新細明體" panose="02020500000000000000" pitchFamily="18" charset="-120"/>
-                <a:cs typeface="Times New Roman" panose="02020603050405020304" pitchFamily="18" charset="0"/>
-              </a:rPr>
-              <a:t>Data Wrangling </a:t>
-            </a:r>
-            <a:endParaRPr lang="zh-TW" sz="1600" kern="100" dirty="0">
-              <a:effectLst/>
-              <a:ea typeface="新細明體" panose="02020500000000000000" pitchFamily="18" charset="-120"/>
-              <a:cs typeface="Times New Roman" panose="02020603050405020304" pitchFamily="18" charset="0"/>
-            </a:endParaRPr>
-          </a:p>
-        </p:txBody>
-      </p:sp>
-      <p:sp>
-        <p:nvSpPr>
-          <p:cNvPr id="7" name="矩形 6">
-            <a:extLst>
-              <a:ext uri="{FF2B5EF4-FFF2-40B4-BE49-F238E27FC236}">
-                <a16:creationId xmlns:a16="http://schemas.microsoft.com/office/drawing/2014/main" id="{DAB2E621-6F59-4598-9F44-BD4C855BCBF3}"/>
-              </a:ext>
-            </a:extLst>
-          </p:cNvPr>
-          <p:cNvSpPr/>
-          <p:nvPr/>
-        </p:nvSpPr>
-        <p:spPr>
-          <a:xfrm>
-            <a:off x="4610100" y="1984348"/>
-            <a:ext cx="2964180" cy="708660"/>
-          </a:xfrm>
-          <a:prstGeom prst="rect">
-            <a:avLst/>
-          </a:prstGeom>
-          <a:ln>
-            <a:solidFill>
-              <a:schemeClr val="tx1"/>
-            </a:solidFill>
-          </a:ln>
-        </p:spPr>
-        <p:style>
-          <a:lnRef idx="2">
-            <a:schemeClr val="accent6"/>
-          </a:lnRef>
-          <a:fillRef idx="1">
-            <a:schemeClr val="lt1"/>
-          </a:fillRef>
-          <a:effectRef idx="0">
-            <a:schemeClr val="accent6"/>
-          </a:effectRef>
-          <a:fontRef idx="minor">
-            <a:schemeClr val="dk1"/>
-          </a:fontRef>
-        </p:style>
-        <p:txBody>
-          <a:bodyPr rot="0" spcFirstLastPara="0" vert="horz" wrap="square" lIns="91440" tIns="45720" rIns="91440" bIns="45720" numCol="1" spcCol="0" rtlCol="0" fromWordArt="0" anchor="ctr" anchorCtr="0" forceAA="0" compatLnSpc="1">
-            <a:prstTxWarp prst="textNoShape">
-              <a:avLst/>
-            </a:prstTxWarp>
-            <a:noAutofit/>
-          </a:bodyPr>
-          <a:lstStyle/>
-          <a:p>
-            <a:pPr algn="ctr"/>
-            <a:r>
-              <a:rPr lang="en-US" sz="2400" kern="100" dirty="0">
-                <a:effectLst/>
-                <a:ea typeface="新細明體" panose="02020500000000000000" pitchFamily="18" charset="-120"/>
-                <a:cs typeface="Times New Roman" panose="02020603050405020304" pitchFamily="18" charset="0"/>
-              </a:rPr>
-              <a:t>Exploratory Data Analysis (EDA)</a:t>
-            </a:r>
-            <a:endParaRPr lang="zh-TW" kern="100" dirty="0">
-              <a:effectLst/>
-              <a:ea typeface="新細明體" panose="02020500000000000000" pitchFamily="18" charset="-120"/>
-              <a:cs typeface="Times New Roman" panose="02020603050405020304" pitchFamily="18" charset="0"/>
-            </a:endParaRPr>
-          </a:p>
-        </p:txBody>
-      </p:sp>
-      <p:sp>
-        <p:nvSpPr>
-          <p:cNvPr id="8" name="箭號: 向右 7">
-            <a:extLst>
-              <a:ext uri="{FF2B5EF4-FFF2-40B4-BE49-F238E27FC236}">
-                <a16:creationId xmlns:a16="http://schemas.microsoft.com/office/drawing/2014/main" id="{925CDA97-7263-4168-900A-93419E83868A}"/>
-              </a:ext>
-            </a:extLst>
-          </p:cNvPr>
-          <p:cNvSpPr/>
-          <p:nvPr/>
-        </p:nvSpPr>
-        <p:spPr>
-          <a:xfrm rot="5400000">
-            <a:off x="5833110" y="1469998"/>
-            <a:ext cx="472440" cy="495300"/>
-          </a:xfrm>
-          <a:prstGeom prst="rightArrow">
-            <a:avLst/>
-          </a:prstGeom>
-        </p:spPr>
-        <p:style>
-          <a:lnRef idx="2">
-            <a:schemeClr val="accent1">
-              <a:shade val="50000"/>
-            </a:schemeClr>
-          </a:lnRef>
-          <a:fillRef idx="1">
-            <a:schemeClr val="accent1"/>
-          </a:fillRef>
-          <a:effectRef idx="0">
-            <a:schemeClr val="accent1"/>
-          </a:effectRef>
-          <a:fontRef idx="minor">
-            <a:schemeClr val="lt1"/>
-          </a:fontRef>
-        </p:style>
-        <p:txBody>
-          <a:bodyPr rot="0" spcFirstLastPara="0" vert="horz" wrap="square" lIns="91440" tIns="45720" rIns="91440" bIns="45720" numCol="1" spcCol="0" rtlCol="0" fromWordArt="0" anchor="ctr" anchorCtr="0" forceAA="0" compatLnSpc="1">
-            <a:prstTxWarp prst="textNoShape">
-              <a:avLst/>
-            </a:prstTxWarp>
-            <a:noAutofit/>
-          </a:bodyPr>
-          <a:lstStyle/>
-          <a:p>
-            <a:endParaRPr lang="zh-TW" altLang="en-US"/>
-          </a:p>
-        </p:txBody>
-      </p:sp>
-      <p:sp>
-        <p:nvSpPr>
-          <p:cNvPr id="9" name="矩形 8">
-            <a:extLst>
-              <a:ext uri="{FF2B5EF4-FFF2-40B4-BE49-F238E27FC236}">
-                <a16:creationId xmlns:a16="http://schemas.microsoft.com/office/drawing/2014/main" id="{22945735-75EE-47C4-AB83-528533680BF2}"/>
-              </a:ext>
-            </a:extLst>
-          </p:cNvPr>
-          <p:cNvSpPr/>
-          <p:nvPr/>
-        </p:nvSpPr>
-        <p:spPr>
-          <a:xfrm>
-            <a:off x="4594860" y="3211168"/>
-            <a:ext cx="2964180" cy="708660"/>
-          </a:xfrm>
-          <a:prstGeom prst="rect">
-            <a:avLst/>
-          </a:prstGeom>
-          <a:ln>
-            <a:solidFill>
-              <a:schemeClr val="tx1"/>
-            </a:solidFill>
-          </a:ln>
-        </p:spPr>
-        <p:style>
-          <a:lnRef idx="2">
-            <a:schemeClr val="accent6"/>
-          </a:lnRef>
-          <a:fillRef idx="1">
-            <a:schemeClr val="lt1"/>
-          </a:fillRef>
-          <a:effectRef idx="0">
-            <a:schemeClr val="accent6"/>
-          </a:effectRef>
-          <a:fontRef idx="minor">
-            <a:schemeClr val="dk1"/>
-          </a:fontRef>
-        </p:style>
-        <p:txBody>
-          <a:bodyPr rot="0" spcFirstLastPara="0" vert="horz" wrap="square" lIns="91440" tIns="45720" rIns="91440" bIns="45720" numCol="1" spcCol="0" rtlCol="0" fromWordArt="0" anchor="ctr" anchorCtr="0" forceAA="0" compatLnSpc="1">
-            <a:prstTxWarp prst="textNoShape">
-              <a:avLst/>
-            </a:prstTxWarp>
-            <a:noAutofit/>
-          </a:bodyPr>
-          <a:lstStyle/>
-          <a:p>
-            <a:pPr algn="ctr"/>
-            <a:r>
-              <a:rPr lang="en-US" sz="2400" kern="100" dirty="0">
-                <a:effectLst/>
-                <a:ea typeface="新細明體" panose="02020500000000000000" pitchFamily="18" charset="-120"/>
-                <a:cs typeface="Times New Roman" panose="02020603050405020304" pitchFamily="18" charset="0"/>
-              </a:rPr>
-              <a:t>Pre-processing and Training Data</a:t>
-            </a:r>
-            <a:endParaRPr lang="zh-TW" kern="100" dirty="0">
-              <a:effectLst/>
-              <a:ea typeface="新細明體" panose="02020500000000000000" pitchFamily="18" charset="-120"/>
-              <a:cs typeface="Times New Roman" panose="02020603050405020304" pitchFamily="18" charset="0"/>
-            </a:endParaRPr>
-          </a:p>
-        </p:txBody>
-      </p:sp>
-      <p:sp>
-        <p:nvSpPr>
-          <p:cNvPr id="10" name="箭號: 向右 9">
-            <a:extLst>
-              <a:ext uri="{FF2B5EF4-FFF2-40B4-BE49-F238E27FC236}">
-                <a16:creationId xmlns:a16="http://schemas.microsoft.com/office/drawing/2014/main" id="{1DC66070-62DA-4419-A68E-2F2375503E6E}"/>
-              </a:ext>
-            </a:extLst>
-          </p:cNvPr>
-          <p:cNvSpPr/>
-          <p:nvPr/>
-        </p:nvSpPr>
-        <p:spPr>
-          <a:xfrm rot="5400000">
-            <a:off x="5821680" y="2696818"/>
-            <a:ext cx="472440" cy="495300"/>
-          </a:xfrm>
-          <a:prstGeom prst="rightArrow">
-            <a:avLst/>
-          </a:prstGeom>
-        </p:spPr>
-        <p:style>
-          <a:lnRef idx="2">
-            <a:schemeClr val="accent1">
-              <a:shade val="50000"/>
-            </a:schemeClr>
-          </a:lnRef>
-          <a:fillRef idx="1">
-            <a:schemeClr val="accent1"/>
-          </a:fillRef>
-          <a:effectRef idx="0">
-            <a:schemeClr val="accent1"/>
-          </a:effectRef>
-          <a:fontRef idx="minor">
-            <a:schemeClr val="lt1"/>
-          </a:fontRef>
-        </p:style>
-        <p:txBody>
-          <a:bodyPr rot="0" spcFirstLastPara="0" vert="horz" wrap="square" lIns="91440" tIns="45720" rIns="91440" bIns="45720" numCol="1" spcCol="0" rtlCol="0" fromWordArt="0" anchor="ctr" anchorCtr="0" forceAA="0" compatLnSpc="1">
-            <a:prstTxWarp prst="textNoShape">
-              <a:avLst/>
-            </a:prstTxWarp>
-            <a:noAutofit/>
-          </a:bodyPr>
-          <a:lstStyle/>
-          <a:p>
-            <a:endParaRPr lang="zh-TW" altLang="en-US"/>
-          </a:p>
-        </p:txBody>
-      </p:sp>
-      <p:sp>
-        <p:nvSpPr>
-          <p:cNvPr id="11" name="矩形 10">
-            <a:extLst>
-              <a:ext uri="{FF2B5EF4-FFF2-40B4-BE49-F238E27FC236}">
-                <a16:creationId xmlns:a16="http://schemas.microsoft.com/office/drawing/2014/main" id="{71E85BAE-C175-4BC0-9427-A217684F8FC5}"/>
-              </a:ext>
-            </a:extLst>
-          </p:cNvPr>
-          <p:cNvSpPr/>
-          <p:nvPr/>
-        </p:nvSpPr>
-        <p:spPr>
-          <a:xfrm>
-            <a:off x="4585970" y="4491328"/>
-            <a:ext cx="2964180" cy="708660"/>
-          </a:xfrm>
-          <a:prstGeom prst="rect">
-            <a:avLst/>
-          </a:prstGeom>
-          <a:ln>
-            <a:solidFill>
-              <a:schemeClr val="tx1"/>
-            </a:solidFill>
-          </a:ln>
-        </p:spPr>
-        <p:style>
-          <a:lnRef idx="2">
-            <a:schemeClr val="accent6"/>
-          </a:lnRef>
-          <a:fillRef idx="1">
-            <a:schemeClr val="lt1"/>
-          </a:fillRef>
-          <a:effectRef idx="0">
-            <a:schemeClr val="accent6"/>
-          </a:effectRef>
-          <a:fontRef idx="minor">
-            <a:schemeClr val="dk1"/>
-          </a:fontRef>
-        </p:style>
-        <p:txBody>
-          <a:bodyPr rot="0" spcFirstLastPara="0" vert="horz" wrap="square" lIns="91440" tIns="45720" rIns="91440" bIns="45720" numCol="1" spcCol="0" rtlCol="0" fromWordArt="0" anchor="ctr" anchorCtr="0" forceAA="0" compatLnSpc="1">
-            <a:prstTxWarp prst="textNoShape">
-              <a:avLst/>
-            </a:prstTxWarp>
-            <a:noAutofit/>
-          </a:bodyPr>
-          <a:lstStyle/>
-          <a:p>
-            <a:pPr algn="ctr"/>
-            <a:r>
-              <a:rPr lang="en-US" sz="2800" kern="100" dirty="0">
-                <a:effectLst/>
-                <a:ea typeface="新細明體" panose="02020500000000000000" pitchFamily="18" charset="-120"/>
-                <a:cs typeface="Times New Roman" panose="02020603050405020304" pitchFamily="18" charset="0"/>
-              </a:rPr>
-              <a:t>Modeling</a:t>
-            </a:r>
-            <a:endParaRPr lang="zh-TW" sz="1200" kern="100" dirty="0">
-              <a:effectLst/>
-              <a:ea typeface="新細明體" panose="02020500000000000000" pitchFamily="18" charset="-120"/>
-              <a:cs typeface="Times New Roman" panose="02020603050405020304" pitchFamily="18" charset="0"/>
-            </a:endParaRPr>
-          </a:p>
-        </p:txBody>
-      </p:sp>
-      <p:sp>
-        <p:nvSpPr>
-          <p:cNvPr id="12" name="箭號: 向右 11">
-            <a:extLst>
-              <a:ext uri="{FF2B5EF4-FFF2-40B4-BE49-F238E27FC236}">
-                <a16:creationId xmlns:a16="http://schemas.microsoft.com/office/drawing/2014/main" id="{1B93FEDC-A747-4024-A785-9A7CAC939778}"/>
-              </a:ext>
-            </a:extLst>
-          </p:cNvPr>
-          <p:cNvSpPr/>
-          <p:nvPr/>
-        </p:nvSpPr>
-        <p:spPr>
-          <a:xfrm rot="5400000">
-            <a:off x="5822315" y="3961738"/>
-            <a:ext cx="472440" cy="495300"/>
-          </a:xfrm>
-          <a:prstGeom prst="rightArrow">
-            <a:avLst/>
-          </a:prstGeom>
-        </p:spPr>
-        <p:style>
-          <a:lnRef idx="2">
-            <a:schemeClr val="accent1">
-              <a:shade val="50000"/>
-            </a:schemeClr>
-          </a:lnRef>
-          <a:fillRef idx="1">
-            <a:schemeClr val="accent1"/>
-          </a:fillRef>
-          <a:effectRef idx="0">
-            <a:schemeClr val="accent1"/>
-          </a:effectRef>
-          <a:fontRef idx="minor">
-            <a:schemeClr val="lt1"/>
-          </a:fontRef>
-        </p:style>
-        <p:txBody>
-          <a:bodyPr rot="0" spcFirstLastPara="0" vert="horz" wrap="square" lIns="91440" tIns="45720" rIns="91440" bIns="45720" numCol="1" spcCol="0" rtlCol="0" fromWordArt="0" anchor="ctr" anchorCtr="0" forceAA="0" compatLnSpc="1">
-            <a:prstTxWarp prst="textNoShape">
-              <a:avLst/>
-            </a:prstTxWarp>
-            <a:noAutofit/>
-          </a:bodyPr>
-          <a:lstStyle/>
-          <a:p>
-            <a:endParaRPr lang="zh-TW" altLang="en-US"/>
-          </a:p>
-        </p:txBody>
-      </p:sp>
-      <p:sp>
-        <p:nvSpPr>
-          <p:cNvPr id="13" name="矩形 12">
-            <a:extLst>
-              <a:ext uri="{FF2B5EF4-FFF2-40B4-BE49-F238E27FC236}">
-                <a16:creationId xmlns:a16="http://schemas.microsoft.com/office/drawing/2014/main" id="{F2183DCD-2E4B-45CB-878E-20811E1DB17D}"/>
-              </a:ext>
-            </a:extLst>
-          </p:cNvPr>
-          <p:cNvSpPr/>
-          <p:nvPr/>
-        </p:nvSpPr>
-        <p:spPr>
-          <a:xfrm>
-            <a:off x="4585970" y="5862928"/>
-            <a:ext cx="2964180" cy="708660"/>
-          </a:xfrm>
-          <a:prstGeom prst="rect">
-            <a:avLst/>
-          </a:prstGeom>
-          <a:ln>
-            <a:solidFill>
-              <a:schemeClr val="tx1"/>
-            </a:solidFill>
-          </a:ln>
-        </p:spPr>
-        <p:style>
-          <a:lnRef idx="2">
-            <a:schemeClr val="accent6"/>
-          </a:lnRef>
-          <a:fillRef idx="1">
-            <a:schemeClr val="lt1"/>
-          </a:fillRef>
-          <a:effectRef idx="0">
-            <a:schemeClr val="accent6"/>
-          </a:effectRef>
-          <a:fontRef idx="minor">
-            <a:schemeClr val="dk1"/>
-          </a:fontRef>
-        </p:style>
-        <p:txBody>
-          <a:bodyPr rot="0" spcFirstLastPara="0" vert="horz" wrap="square" lIns="91440" tIns="45720" rIns="91440" bIns="45720" numCol="1" spcCol="0" rtlCol="0" fromWordArt="0" anchor="ctr" anchorCtr="0" forceAA="0" compatLnSpc="1">
-            <a:prstTxWarp prst="textNoShape">
-              <a:avLst/>
-            </a:prstTxWarp>
-            <a:noAutofit/>
-          </a:bodyPr>
-          <a:lstStyle/>
-          <a:p>
-            <a:pPr algn="ctr"/>
-            <a:r>
-              <a:rPr lang="en-US" sz="2800" kern="100" dirty="0">
-                <a:effectLst/>
-                <a:ea typeface="新細明體" panose="02020500000000000000" pitchFamily="18" charset="-120"/>
-                <a:cs typeface="Times New Roman" panose="02020603050405020304" pitchFamily="18" charset="0"/>
-              </a:rPr>
-              <a:t>Conclusion</a:t>
-            </a:r>
-            <a:endParaRPr lang="zh-TW" sz="1200" kern="100" dirty="0">
-              <a:effectLst/>
-              <a:ea typeface="新細明體" panose="02020500000000000000" pitchFamily="18" charset="-120"/>
-              <a:cs typeface="Times New Roman" panose="02020603050405020304" pitchFamily="18" charset="0"/>
-            </a:endParaRPr>
-          </a:p>
-        </p:txBody>
-      </p:sp>
-      <p:sp>
-        <p:nvSpPr>
-          <p:cNvPr id="14" name="箭號: 向右 13">
-            <a:extLst>
-              <a:ext uri="{FF2B5EF4-FFF2-40B4-BE49-F238E27FC236}">
-                <a16:creationId xmlns:a16="http://schemas.microsoft.com/office/drawing/2014/main" id="{57C39CB1-60A6-4CC3-A302-1462B31E0078}"/>
-              </a:ext>
-            </a:extLst>
-          </p:cNvPr>
-          <p:cNvSpPr/>
-          <p:nvPr/>
-        </p:nvSpPr>
-        <p:spPr>
-          <a:xfrm rot="5400000">
-            <a:off x="5783580" y="5249518"/>
-            <a:ext cx="472440" cy="495300"/>
-          </a:xfrm>
-          <a:prstGeom prst="rightArrow">
-            <a:avLst/>
-          </a:prstGeom>
-        </p:spPr>
-        <p:style>
-          <a:lnRef idx="2">
-            <a:schemeClr val="accent1">
-              <a:shade val="50000"/>
-            </a:schemeClr>
-          </a:lnRef>
-          <a:fillRef idx="1">
-            <a:schemeClr val="accent1"/>
-          </a:fillRef>
-          <a:effectRef idx="0">
-            <a:schemeClr val="accent1"/>
-          </a:effectRef>
-          <a:fontRef idx="minor">
-            <a:schemeClr val="lt1"/>
-          </a:fontRef>
-        </p:style>
-        <p:txBody>
-          <a:bodyPr rot="0" spcFirstLastPara="0" vert="horz" wrap="square" lIns="91440" tIns="45720" rIns="91440" bIns="45720" numCol="1" spcCol="0" rtlCol="0" fromWordArt="0" anchor="ctr" anchorCtr="0" forceAA="0" compatLnSpc="1">
-            <a:prstTxWarp prst="textNoShape">
-              <a:avLst/>
-            </a:prstTxWarp>
-            <a:noAutofit/>
-          </a:bodyPr>
-          <a:lstStyle/>
-          <a:p>
-            <a:endParaRPr lang="zh-TW" altLang="en-US"/>
-          </a:p>
-        </p:txBody>
-      </p:sp>
-      <p:sp>
-        <p:nvSpPr>
-          <p:cNvPr id="3" name="文字方塊 2">
-            <a:extLst>
-              <a:ext uri="{FF2B5EF4-FFF2-40B4-BE49-F238E27FC236}">
-                <a16:creationId xmlns:a16="http://schemas.microsoft.com/office/drawing/2014/main" id="{BFCBDAF2-CE61-4304-8048-343092F88E52}"/>
+                <a16:creationId xmlns:a16="http://schemas.microsoft.com/office/drawing/2014/main" id="{516C8558-A925-4661-9282-FD69A9532791}"/>
               </a:ext>
             </a:extLst>
           </p:cNvPr>
@@ -7578,8 +8125,8 @@
         </p:nvSpPr>
         <p:spPr>
           <a:xfrm>
-            <a:off x="7833674" y="803932"/>
-            <a:ext cx="2318135" cy="923330"/>
+            <a:off x="838986" y="1168342"/>
+            <a:ext cx="10883877" cy="4893647"/>
           </a:xfrm>
           <a:prstGeom prst="rect">
             <a:avLst/>
@@ -7592,209 +8139,135 @@
           </a:bodyPr>
           <a:lstStyle/>
           <a:p>
-            <a:r>
-              <a:rPr lang="en-US" altLang="zh-TW" dirty="0"/>
-              <a:t>-Cleaning Data</a:t>
-            </a:r>
-            <a:endParaRPr lang="zh-TW" altLang="zh-TW" dirty="0"/>
-          </a:p>
-          <a:p>
-            <a:r>
-              <a:rPr lang="en-US" altLang="zh-TW" dirty="0"/>
-              <a:t>-Data Quality Checking</a:t>
-            </a:r>
-            <a:endParaRPr lang="zh-TW" altLang="zh-TW" dirty="0"/>
-          </a:p>
-          <a:p>
-            <a:endParaRPr lang="zh-TW" altLang="en-US" dirty="0"/>
-          </a:p>
-        </p:txBody>
-      </p:sp>
-      <p:sp>
-        <p:nvSpPr>
-          <p:cNvPr id="16" name="文字方塊 15">
-            <a:extLst>
-              <a:ext uri="{FF2B5EF4-FFF2-40B4-BE49-F238E27FC236}">
-                <a16:creationId xmlns:a16="http://schemas.microsoft.com/office/drawing/2014/main" id="{5FB969F2-80FC-41A8-ACEA-6797B093F45C}"/>
-              </a:ext>
-            </a:extLst>
-          </p:cNvPr>
-          <p:cNvSpPr txBox="1"/>
-          <p:nvPr/>
-        </p:nvSpPr>
-        <p:spPr>
-          <a:xfrm>
-            <a:off x="7916196" y="1953868"/>
-            <a:ext cx="1925848" cy="923330"/>
-          </a:xfrm>
-          <a:prstGeom prst="rect">
-            <a:avLst/>
-          </a:prstGeom>
-          <a:noFill/>
-        </p:spPr>
-        <p:txBody>
-          <a:bodyPr wrap="none" rtlCol="0">
-            <a:spAutoFit/>
-          </a:bodyPr>
-          <a:lstStyle/>
-          <a:p>
-            <a:r>
-              <a:rPr lang="en-US" altLang="zh-TW" dirty="0"/>
-              <a:t>-Data Visualization</a:t>
-            </a:r>
-            <a:endParaRPr lang="zh-TW" altLang="zh-TW" dirty="0"/>
-          </a:p>
-          <a:p>
-            <a:r>
-              <a:rPr lang="en-US" altLang="zh-TW" dirty="0"/>
-              <a:t>-Statistical Testing</a:t>
-            </a:r>
-            <a:endParaRPr lang="zh-TW" altLang="zh-TW" dirty="0"/>
-          </a:p>
-          <a:p>
-            <a:endParaRPr lang="zh-TW" altLang="en-US" dirty="0"/>
-          </a:p>
-        </p:txBody>
-      </p:sp>
-      <p:sp>
-        <p:nvSpPr>
-          <p:cNvPr id="18" name="文字方塊 17">
-            <a:extLst>
-              <a:ext uri="{FF2B5EF4-FFF2-40B4-BE49-F238E27FC236}">
-                <a16:creationId xmlns:a16="http://schemas.microsoft.com/office/drawing/2014/main" id="{C5C17B12-0E04-47B1-9EB1-63BC84119190}"/>
-              </a:ext>
-            </a:extLst>
-          </p:cNvPr>
-          <p:cNvSpPr txBox="1"/>
-          <p:nvPr/>
-        </p:nvSpPr>
-        <p:spPr>
-          <a:xfrm>
-            <a:off x="7813524" y="3217965"/>
-            <a:ext cx="1949252" cy="923330"/>
-          </a:xfrm>
-          <a:prstGeom prst="rect">
-            <a:avLst/>
-          </a:prstGeom>
-          <a:noFill/>
-        </p:spPr>
-        <p:txBody>
-          <a:bodyPr wrap="none" rtlCol="0">
-            <a:spAutoFit/>
-          </a:bodyPr>
-          <a:lstStyle/>
-          <a:p>
-            <a:r>
-              <a:rPr lang="en-US" altLang="zh-TW" dirty="0"/>
-              <a:t>-One-hot encoding</a:t>
-            </a:r>
-            <a:endParaRPr lang="zh-TW" altLang="zh-TW" dirty="0"/>
-          </a:p>
-          <a:p>
-            <a:r>
-              <a:rPr lang="en-US" altLang="zh-TW" dirty="0"/>
-              <a:t>-Data Splitting</a:t>
-            </a:r>
-            <a:endParaRPr lang="zh-TW" altLang="zh-TW" dirty="0"/>
-          </a:p>
-          <a:p>
-            <a:endParaRPr lang="zh-TW" altLang="en-US" dirty="0"/>
-          </a:p>
-        </p:txBody>
-      </p:sp>
-      <p:sp>
-        <p:nvSpPr>
-          <p:cNvPr id="19" name="文字方塊 18">
-            <a:extLst>
-              <a:ext uri="{FF2B5EF4-FFF2-40B4-BE49-F238E27FC236}">
-                <a16:creationId xmlns:a16="http://schemas.microsoft.com/office/drawing/2014/main" id="{882DD17B-00CD-4E86-AE7D-1DF4F2D3B329}"/>
-              </a:ext>
-            </a:extLst>
-          </p:cNvPr>
-          <p:cNvSpPr txBox="1"/>
-          <p:nvPr/>
-        </p:nvSpPr>
-        <p:spPr>
-          <a:xfrm>
-            <a:off x="7833674" y="4491328"/>
-            <a:ext cx="2863156" cy="923330"/>
-          </a:xfrm>
-          <a:prstGeom prst="rect">
-            <a:avLst/>
-          </a:prstGeom>
-          <a:noFill/>
-        </p:spPr>
-        <p:txBody>
-          <a:bodyPr wrap="none" rtlCol="0">
-            <a:spAutoFit/>
-          </a:bodyPr>
-          <a:lstStyle/>
-          <a:p>
-            <a:r>
-              <a:rPr lang="en-US" altLang="zh-TW" dirty="0"/>
-              <a:t>-Models Comparison</a:t>
-            </a:r>
-            <a:endParaRPr lang="zh-TW" altLang="zh-TW" dirty="0"/>
-          </a:p>
-          <a:p>
-            <a:r>
-              <a:rPr lang="en-US" altLang="zh-TW" dirty="0"/>
-              <a:t>-Model Features Importance</a:t>
-            </a:r>
-            <a:endParaRPr lang="zh-TW" altLang="zh-TW" dirty="0"/>
-          </a:p>
-          <a:p>
-            <a:endParaRPr lang="zh-TW" altLang="en-US" dirty="0"/>
-          </a:p>
-        </p:txBody>
-      </p:sp>
-      <p:sp>
-        <p:nvSpPr>
-          <p:cNvPr id="20" name="文字方塊 19">
-            <a:extLst>
-              <a:ext uri="{FF2B5EF4-FFF2-40B4-BE49-F238E27FC236}">
-                <a16:creationId xmlns:a16="http://schemas.microsoft.com/office/drawing/2014/main" id="{6799D2D4-503A-47C5-89F0-EE652F188D43}"/>
-              </a:ext>
-            </a:extLst>
-          </p:cNvPr>
-          <p:cNvSpPr txBox="1"/>
-          <p:nvPr/>
-        </p:nvSpPr>
-        <p:spPr>
-          <a:xfrm>
-            <a:off x="7833674" y="5855016"/>
-            <a:ext cx="2090893" cy="646331"/>
-          </a:xfrm>
-          <a:prstGeom prst="rect">
-            <a:avLst/>
-          </a:prstGeom>
-          <a:noFill/>
-        </p:spPr>
-        <p:txBody>
-          <a:bodyPr wrap="none" rtlCol="0">
-            <a:spAutoFit/>
-          </a:bodyPr>
-          <a:lstStyle/>
-          <a:p>
-            <a:r>
-              <a:rPr lang="en-US" altLang="zh-TW" dirty="0"/>
-              <a:t>-Predicting Accuracy</a:t>
-            </a:r>
-            <a:endParaRPr lang="zh-TW" altLang="zh-TW" dirty="0"/>
-          </a:p>
-          <a:p>
-            <a:r>
-              <a:rPr lang="en-US" altLang="zh-TW" dirty="0"/>
-              <a:t>-Other Findings</a:t>
-            </a:r>
-            <a:endParaRPr lang="zh-TW" altLang="zh-TW" dirty="0"/>
+            <a:pPr marL="457200" indent="-457200">
+              <a:buFont typeface="Wingdings" panose="05000000000000000000" pitchFamily="2" charset="2"/>
+              <a:buChar char="p"/>
+            </a:pPr>
+            <a:r>
+              <a:rPr lang="en-US" altLang="zh-TW" sz="2400" dirty="0"/>
+              <a:t>Data source from Kaggle -  a subsidiary of Google LLC, is an online community </a:t>
+            </a:r>
+          </a:p>
+          <a:p>
+            <a:r>
+              <a:rPr lang="en-US" altLang="zh-TW" sz="2400" dirty="0"/>
+              <a:t>of data scientists and machine learning practitioners</a:t>
+            </a:r>
+          </a:p>
+          <a:p>
+            <a:endParaRPr lang="en-US" altLang="zh-TW" sz="2400" dirty="0"/>
+          </a:p>
+          <a:p>
+            <a:pPr marL="342900" indent="-342900">
+              <a:buFont typeface="Wingdings" panose="05000000000000000000" pitchFamily="2" charset="2"/>
+              <a:buChar char="p"/>
+            </a:pPr>
+            <a:r>
+              <a:rPr lang="en-US" altLang="zh-TW" sz="2400" dirty="0"/>
+              <a:t>Contains information of 1337 customers with the following features </a:t>
+            </a:r>
+          </a:p>
+          <a:p>
+            <a:r>
+              <a:rPr lang="en-US" altLang="zh-TW" sz="2400" dirty="0"/>
+              <a:t>     (1337 rows,  7 columns)</a:t>
+            </a:r>
+          </a:p>
+          <a:p>
+            <a:pPr marL="342900" indent="-342900">
+              <a:buFont typeface="Wingdings" panose="05000000000000000000" pitchFamily="2" charset="2"/>
+              <a:buChar char="p"/>
+            </a:pPr>
+            <a:endParaRPr lang="en-US" altLang="zh-TW" sz="2400" dirty="0"/>
+          </a:p>
+          <a:p>
+            <a:pPr marL="342900" indent="-342900">
+              <a:buFont typeface="Wingdings" panose="05000000000000000000" pitchFamily="2" charset="2"/>
+              <a:buChar char="u"/>
+            </a:pPr>
+            <a:r>
+              <a:rPr lang="en-US" altLang="zh-TW" sz="2400" dirty="0"/>
+              <a:t>age: age of primary beneficiary</a:t>
+            </a:r>
+          </a:p>
+          <a:p>
+            <a:pPr marL="342900" indent="-342900">
+              <a:buFont typeface="Wingdings" panose="05000000000000000000" pitchFamily="2" charset="2"/>
+              <a:buChar char="u"/>
+            </a:pPr>
+            <a:r>
+              <a:rPr lang="en-US" altLang="zh-TW" sz="2400" dirty="0"/>
+              <a:t>sex: insurance contractor gender, female, male</a:t>
+            </a:r>
+          </a:p>
+          <a:p>
+            <a:pPr marL="342900" indent="-342900">
+              <a:buFont typeface="Wingdings" panose="05000000000000000000" pitchFamily="2" charset="2"/>
+              <a:buChar char="u"/>
+            </a:pPr>
+            <a:r>
+              <a:rPr lang="en-US" altLang="zh-TW" sz="2400" dirty="0" err="1"/>
+              <a:t>bmi</a:t>
+            </a:r>
+            <a:r>
+              <a:rPr lang="en-US" altLang="zh-TW" sz="2400" dirty="0"/>
+              <a:t>: Body mass index, (kg / m</a:t>
+            </a:r>
+            <a:r>
+              <a:rPr lang="en-US" altLang="zh-TW" sz="2400" baseline="30000" dirty="0"/>
+              <a:t>2</a:t>
+            </a:r>
+            <a:r>
+              <a:rPr lang="en-US" altLang="zh-TW" sz="2400" dirty="0"/>
+              <a:t>) ideally 18.5 to 24.9</a:t>
+            </a:r>
+          </a:p>
+          <a:p>
+            <a:pPr marL="342900" indent="-342900">
+              <a:buFont typeface="Wingdings" panose="05000000000000000000" pitchFamily="2" charset="2"/>
+              <a:buChar char="u"/>
+            </a:pPr>
+            <a:r>
+              <a:rPr lang="en-US" altLang="zh-TW" sz="2400" dirty="0"/>
+              <a:t>children: Number of children covered by health insurance / Number of dependents</a:t>
+            </a:r>
+          </a:p>
+          <a:p>
+            <a:pPr marL="342900" indent="-342900">
+              <a:buFont typeface="Wingdings" panose="05000000000000000000" pitchFamily="2" charset="2"/>
+              <a:buChar char="u"/>
+            </a:pPr>
+            <a:r>
+              <a:rPr lang="en-US" altLang="zh-TW" sz="2400" dirty="0"/>
+              <a:t>smoker: Smoking</a:t>
+            </a:r>
+          </a:p>
+          <a:p>
+            <a:pPr marL="342900" indent="-342900">
+              <a:buFont typeface="Wingdings" panose="05000000000000000000" pitchFamily="2" charset="2"/>
+              <a:buChar char="u"/>
+            </a:pPr>
+            <a:r>
+              <a:rPr lang="en-US" altLang="zh-TW" sz="2400" dirty="0"/>
+              <a:t>region: the beneficiary's residential area in the US, NE, SE, SW, NW</a:t>
+            </a:r>
+          </a:p>
+          <a:p>
+            <a:pPr marL="342900" indent="-342900">
+              <a:buFont typeface="Wingdings" panose="05000000000000000000" pitchFamily="2" charset="2"/>
+              <a:buChar char="u"/>
+            </a:pPr>
+            <a:r>
+              <a:rPr lang="en-US" altLang="zh-TW" sz="2400" dirty="0"/>
+              <a:t>charges: Individual medical costs billed by health insurance</a:t>
+            </a:r>
           </a:p>
         </p:txBody>
       </p:sp>
     </p:spTree>
     <p:extLst>
       <p:ext uri="{BB962C8B-B14F-4D97-AF65-F5344CB8AC3E}">
-        <p14:creationId xmlns:p14="http://schemas.microsoft.com/office/powerpoint/2010/main" val="2421128304"/>
+        <p14:creationId xmlns:p14="http://schemas.microsoft.com/office/powerpoint/2010/main" val="3349204585"/>
       </p:ext>
     </p:extLst>
   </p:cSld>
@@ -7875,18 +8348,47 @@
           <a:p>
             <a:r>
               <a:rPr lang="en-US" altLang="zh-TW" sz="3600" dirty="0"/>
-              <a:t>Exploratory Data Analysis (EDA) – t-test</a:t>
+              <a:t>Dataset</a:t>
             </a:r>
             <a:endParaRPr lang="zh-TW" altLang="en-US" sz="3600" dirty="0"/>
           </a:p>
         </p:txBody>
       </p:sp>
-      <p:sp>
-        <p:nvSpPr>
-          <p:cNvPr id="2" name="文字方塊 1">
+      <p:pic>
+        <p:nvPicPr>
+          <p:cNvPr id="2" name="圖片 1">
             <a:extLst>
               <a:ext uri="{FF2B5EF4-FFF2-40B4-BE49-F238E27FC236}">
-                <a16:creationId xmlns:a16="http://schemas.microsoft.com/office/drawing/2014/main" id="{0F89DF96-FB6B-42E2-8D87-C5FBED9D9AA1}"/>
+                <a16:creationId xmlns:a16="http://schemas.microsoft.com/office/drawing/2014/main" id="{D4A34BE0-93FF-4B37-A3E4-7F4394EA38E8}"/>
+              </a:ext>
+            </a:extLst>
+          </p:cNvPr>
+          <p:cNvPicPr>
+            <a:picLocks noChangeAspect="1"/>
+          </p:cNvPicPr>
+          <p:nvPr/>
+        </p:nvPicPr>
+        <p:blipFill rotWithShape="1">
+          <a:blip r:embed="rId2"/>
+          <a:srcRect l="17629" t="67079" r="50000" b="13127"/>
+          <a:stretch/>
+        </p:blipFill>
+        <p:spPr>
+          <a:xfrm>
+            <a:off x="1984316" y="2174132"/>
+            <a:ext cx="8498824" cy="2923162"/>
+          </a:xfrm>
+          <a:prstGeom prst="rect">
+            <a:avLst/>
+          </a:prstGeom>
+        </p:spPr>
+      </p:pic>
+      <p:sp>
+        <p:nvSpPr>
+          <p:cNvPr id="6" name="文字方塊 5">
+            <a:extLst>
+              <a:ext uri="{FF2B5EF4-FFF2-40B4-BE49-F238E27FC236}">
+                <a16:creationId xmlns:a16="http://schemas.microsoft.com/office/drawing/2014/main" id="{5891D6D1-B461-4BB5-93FD-9781E0D556A5}"/>
               </a:ext>
             </a:extLst>
           </p:cNvPr>
@@ -7895,8 +8397,8 @@
         </p:nvSpPr>
         <p:spPr>
           <a:xfrm>
-            <a:off x="838986" y="1932495"/>
-            <a:ext cx="9148658" cy="3108543"/>
+            <a:off x="1215758" y="2637915"/>
+            <a:ext cx="184731" cy="461665"/>
           </a:xfrm>
           <a:prstGeom prst="rect">
             <a:avLst/>
@@ -7909,73 +8411,50 @@
           </a:bodyPr>
           <a:lstStyle/>
           <a:p>
-            <a:pPr marL="457200" indent="-457200">
-              <a:buFont typeface="Wingdings" panose="05000000000000000000" pitchFamily="2" charset="2"/>
-              <a:buChar char="p"/>
-            </a:pPr>
-            <a:r>
-              <a:rPr lang="en-US" altLang="zh-TW" sz="2800" dirty="0"/>
-              <a:t>For comparing categorical variable with numerical variable</a:t>
-            </a:r>
-          </a:p>
-          <a:p>
-            <a:pPr marL="457200" indent="-457200">
-              <a:buFont typeface="Wingdings" panose="05000000000000000000" pitchFamily="2" charset="2"/>
-              <a:buChar char="p"/>
-            </a:pPr>
-            <a:endParaRPr lang="en-US" altLang="zh-TW" sz="2800" dirty="0"/>
-          </a:p>
-          <a:p>
-            <a:pPr marL="457200" indent="-457200">
-              <a:buFont typeface="Wingdings" panose="05000000000000000000" pitchFamily="2" charset="2"/>
-              <a:buChar char="p"/>
-            </a:pPr>
-            <a:r>
-              <a:rPr lang="en-US" altLang="zh-TW" sz="2800" dirty="0"/>
-              <a:t>For 2 unique values in categorical variable</a:t>
-            </a:r>
-          </a:p>
-          <a:p>
-            <a:pPr marL="457200" indent="-457200">
-              <a:buFont typeface="Wingdings" panose="05000000000000000000" pitchFamily="2" charset="2"/>
-              <a:buChar char="p"/>
-            </a:pPr>
-            <a:endParaRPr lang="en-US" altLang="zh-TW" sz="2800" dirty="0"/>
-          </a:p>
-          <a:p>
-            <a:pPr marL="457200" indent="-457200">
-              <a:buFont typeface="Wingdings" panose="05000000000000000000" pitchFamily="2" charset="2"/>
-              <a:buChar char="p"/>
-            </a:pPr>
-            <a:r>
-              <a:rPr lang="en-US" altLang="zh-TW" sz="2800" dirty="0"/>
-              <a:t>Null Hypothesis: Mean of two groups are the same</a:t>
-            </a:r>
-          </a:p>
-          <a:p>
-            <a:pPr marL="457200" indent="-457200">
-              <a:buFont typeface="Wingdings" panose="05000000000000000000" pitchFamily="2" charset="2"/>
-              <a:buChar char="p"/>
-            </a:pPr>
-            <a:endParaRPr lang="en-US" altLang="zh-TW" sz="2800" dirty="0"/>
-          </a:p>
-          <a:p>
-            <a:pPr marL="457200" indent="-457200">
-              <a:buFont typeface="Wingdings" panose="05000000000000000000" pitchFamily="2" charset="2"/>
-              <a:buChar char="p"/>
-            </a:pPr>
-            <a:r>
-              <a:rPr lang="en-US" altLang="zh-TW" sz="2800" dirty="0"/>
-              <a:t>Adopted for gender and smoking behavior</a:t>
-            </a:r>
-            <a:endParaRPr lang="zh-TW" altLang="en-US" sz="2800" dirty="0"/>
+            <a:endParaRPr lang="zh-TW" altLang="en-US" sz="2400" dirty="0"/>
+          </a:p>
+        </p:txBody>
+      </p:sp>
+      <p:sp>
+        <p:nvSpPr>
+          <p:cNvPr id="5" name="文字方塊 4">
+            <a:extLst>
+              <a:ext uri="{FF2B5EF4-FFF2-40B4-BE49-F238E27FC236}">
+                <a16:creationId xmlns:a16="http://schemas.microsoft.com/office/drawing/2014/main" id="{516C8558-A925-4661-9282-FD69A9532791}"/>
+              </a:ext>
+            </a:extLst>
+          </p:cNvPr>
+          <p:cNvSpPr txBox="1"/>
+          <p:nvPr/>
+        </p:nvSpPr>
+        <p:spPr>
+          <a:xfrm>
+            <a:off x="838986" y="1190009"/>
+            <a:ext cx="1911870" cy="461665"/>
+          </a:xfrm>
+          <a:prstGeom prst="rect">
+            <a:avLst/>
+          </a:prstGeom>
+          <a:noFill/>
+        </p:spPr>
+        <p:txBody>
+          <a:bodyPr wrap="none" rtlCol="0">
+            <a:spAutoFit/>
+          </a:bodyPr>
+          <a:lstStyle/>
+          <a:p>
+            <a:r>
+              <a:rPr lang="en-US" altLang="zh-TW" sz="2400" dirty="0"/>
+              <a:t>Data Preview:</a:t>
+            </a:r>
+            <a:endParaRPr lang="zh-TW" altLang="en-US" sz="2400" dirty="0"/>
           </a:p>
         </p:txBody>
       </p:sp>
     </p:spTree>
     <p:extLst>
       <p:ext uri="{BB962C8B-B14F-4D97-AF65-F5344CB8AC3E}">
-        <p14:creationId xmlns:p14="http://schemas.microsoft.com/office/powerpoint/2010/main" val="366676544"/>
+        <p14:creationId xmlns:p14="http://schemas.microsoft.com/office/powerpoint/2010/main" val="2276473900"/>
       </p:ext>
     </p:extLst>
   </p:cSld>
@@ -8056,9 +8535,539 @@
           <a:p>
             <a:r>
               <a:rPr lang="en-US" altLang="zh-TW" sz="3600" dirty="0"/>
-              <a:t>Exploratory Data Analysis (EDA) – One-way ANOVA</a:t>
+              <a:t>Project Outline</a:t>
             </a:r>
             <a:endParaRPr lang="zh-TW" altLang="en-US" sz="3600" dirty="0"/>
+          </a:p>
+        </p:txBody>
+      </p:sp>
+      <p:sp>
+        <p:nvSpPr>
+          <p:cNvPr id="6" name="矩形 5">
+            <a:extLst>
+              <a:ext uri="{FF2B5EF4-FFF2-40B4-BE49-F238E27FC236}">
+                <a16:creationId xmlns:a16="http://schemas.microsoft.com/office/drawing/2014/main" id="{B1AFAE04-FC2B-4FC2-A5B9-2C35A5B178D3}"/>
+              </a:ext>
+            </a:extLst>
+          </p:cNvPr>
+          <p:cNvSpPr/>
+          <p:nvPr/>
+        </p:nvSpPr>
+        <p:spPr>
+          <a:xfrm>
+            <a:off x="4610100" y="810868"/>
+            <a:ext cx="2971800" cy="632460"/>
+          </a:xfrm>
+          <a:prstGeom prst="rect">
+            <a:avLst/>
+          </a:prstGeom>
+          <a:ln>
+            <a:solidFill>
+              <a:schemeClr val="tx1"/>
+            </a:solidFill>
+          </a:ln>
+        </p:spPr>
+        <p:style>
+          <a:lnRef idx="2">
+            <a:schemeClr val="accent6"/>
+          </a:lnRef>
+          <a:fillRef idx="1">
+            <a:schemeClr val="lt1"/>
+          </a:fillRef>
+          <a:effectRef idx="0">
+            <a:schemeClr val="accent6"/>
+          </a:effectRef>
+          <a:fontRef idx="minor">
+            <a:schemeClr val="dk1"/>
+          </a:fontRef>
+        </p:style>
+        <p:txBody>
+          <a:bodyPr rot="0" spcFirstLastPara="0" vert="horz" wrap="square" lIns="91440" tIns="45720" rIns="91440" bIns="45720" numCol="1" spcCol="0" rtlCol="0" fromWordArt="0" anchor="ctr" anchorCtr="0" forceAA="0" compatLnSpc="1">
+            <a:prstTxWarp prst="textNoShape">
+              <a:avLst/>
+            </a:prstTxWarp>
+            <a:noAutofit/>
+          </a:bodyPr>
+          <a:lstStyle/>
+          <a:p>
+            <a:pPr algn="ctr"/>
+            <a:r>
+              <a:rPr lang="en-US" sz="2800" kern="100" dirty="0">
+                <a:effectLst/>
+                <a:ea typeface="新細明體" panose="02020500000000000000" pitchFamily="18" charset="-120"/>
+                <a:cs typeface="Times New Roman" panose="02020603050405020304" pitchFamily="18" charset="0"/>
+              </a:rPr>
+              <a:t>Data Wrangling </a:t>
+            </a:r>
+            <a:endParaRPr lang="zh-TW" sz="1600" kern="100" dirty="0">
+              <a:effectLst/>
+              <a:ea typeface="新細明體" panose="02020500000000000000" pitchFamily="18" charset="-120"/>
+              <a:cs typeface="Times New Roman" panose="02020603050405020304" pitchFamily="18" charset="0"/>
+            </a:endParaRPr>
+          </a:p>
+        </p:txBody>
+      </p:sp>
+      <p:sp>
+        <p:nvSpPr>
+          <p:cNvPr id="7" name="矩形 6">
+            <a:extLst>
+              <a:ext uri="{FF2B5EF4-FFF2-40B4-BE49-F238E27FC236}">
+                <a16:creationId xmlns:a16="http://schemas.microsoft.com/office/drawing/2014/main" id="{DAB2E621-6F59-4598-9F44-BD4C855BCBF3}"/>
+              </a:ext>
+            </a:extLst>
+          </p:cNvPr>
+          <p:cNvSpPr/>
+          <p:nvPr/>
+        </p:nvSpPr>
+        <p:spPr>
+          <a:xfrm>
+            <a:off x="4610100" y="1984348"/>
+            <a:ext cx="2964180" cy="708660"/>
+          </a:xfrm>
+          <a:prstGeom prst="rect">
+            <a:avLst/>
+          </a:prstGeom>
+          <a:ln>
+            <a:solidFill>
+              <a:schemeClr val="tx1"/>
+            </a:solidFill>
+          </a:ln>
+        </p:spPr>
+        <p:style>
+          <a:lnRef idx="2">
+            <a:schemeClr val="accent6"/>
+          </a:lnRef>
+          <a:fillRef idx="1">
+            <a:schemeClr val="lt1"/>
+          </a:fillRef>
+          <a:effectRef idx="0">
+            <a:schemeClr val="accent6"/>
+          </a:effectRef>
+          <a:fontRef idx="minor">
+            <a:schemeClr val="dk1"/>
+          </a:fontRef>
+        </p:style>
+        <p:txBody>
+          <a:bodyPr rot="0" spcFirstLastPara="0" vert="horz" wrap="square" lIns="91440" tIns="45720" rIns="91440" bIns="45720" numCol="1" spcCol="0" rtlCol="0" fromWordArt="0" anchor="ctr" anchorCtr="0" forceAA="0" compatLnSpc="1">
+            <a:prstTxWarp prst="textNoShape">
+              <a:avLst/>
+            </a:prstTxWarp>
+            <a:noAutofit/>
+          </a:bodyPr>
+          <a:lstStyle/>
+          <a:p>
+            <a:pPr algn="ctr"/>
+            <a:r>
+              <a:rPr lang="en-US" sz="2400" kern="100" dirty="0">
+                <a:effectLst/>
+                <a:ea typeface="新細明體" panose="02020500000000000000" pitchFamily="18" charset="-120"/>
+                <a:cs typeface="Times New Roman" panose="02020603050405020304" pitchFamily="18" charset="0"/>
+              </a:rPr>
+              <a:t>Exploratory Data Analysis (EDA)</a:t>
+            </a:r>
+            <a:endParaRPr lang="zh-TW" kern="100" dirty="0">
+              <a:effectLst/>
+              <a:ea typeface="新細明體" panose="02020500000000000000" pitchFamily="18" charset="-120"/>
+              <a:cs typeface="Times New Roman" panose="02020603050405020304" pitchFamily="18" charset="0"/>
+            </a:endParaRPr>
+          </a:p>
+        </p:txBody>
+      </p:sp>
+      <p:sp>
+        <p:nvSpPr>
+          <p:cNvPr id="8" name="箭號: 向右 7">
+            <a:extLst>
+              <a:ext uri="{FF2B5EF4-FFF2-40B4-BE49-F238E27FC236}">
+                <a16:creationId xmlns:a16="http://schemas.microsoft.com/office/drawing/2014/main" id="{925CDA97-7263-4168-900A-93419E83868A}"/>
+              </a:ext>
+            </a:extLst>
+          </p:cNvPr>
+          <p:cNvSpPr/>
+          <p:nvPr/>
+        </p:nvSpPr>
+        <p:spPr>
+          <a:xfrm rot="5400000">
+            <a:off x="5833110" y="1469998"/>
+            <a:ext cx="472440" cy="495300"/>
+          </a:xfrm>
+          <a:prstGeom prst="rightArrow">
+            <a:avLst/>
+          </a:prstGeom>
+        </p:spPr>
+        <p:style>
+          <a:lnRef idx="2">
+            <a:schemeClr val="accent1">
+              <a:shade val="50000"/>
+            </a:schemeClr>
+          </a:lnRef>
+          <a:fillRef idx="1">
+            <a:schemeClr val="accent1"/>
+          </a:fillRef>
+          <a:effectRef idx="0">
+            <a:schemeClr val="accent1"/>
+          </a:effectRef>
+          <a:fontRef idx="minor">
+            <a:schemeClr val="lt1"/>
+          </a:fontRef>
+        </p:style>
+        <p:txBody>
+          <a:bodyPr rot="0" spcFirstLastPara="0" vert="horz" wrap="square" lIns="91440" tIns="45720" rIns="91440" bIns="45720" numCol="1" spcCol="0" rtlCol="0" fromWordArt="0" anchor="ctr" anchorCtr="0" forceAA="0" compatLnSpc="1">
+            <a:prstTxWarp prst="textNoShape">
+              <a:avLst/>
+            </a:prstTxWarp>
+            <a:noAutofit/>
+          </a:bodyPr>
+          <a:lstStyle/>
+          <a:p>
+            <a:endParaRPr lang="zh-TW" altLang="en-US"/>
+          </a:p>
+        </p:txBody>
+      </p:sp>
+      <p:sp>
+        <p:nvSpPr>
+          <p:cNvPr id="9" name="矩形 8">
+            <a:extLst>
+              <a:ext uri="{FF2B5EF4-FFF2-40B4-BE49-F238E27FC236}">
+                <a16:creationId xmlns:a16="http://schemas.microsoft.com/office/drawing/2014/main" id="{22945735-75EE-47C4-AB83-528533680BF2}"/>
+              </a:ext>
+            </a:extLst>
+          </p:cNvPr>
+          <p:cNvSpPr/>
+          <p:nvPr/>
+        </p:nvSpPr>
+        <p:spPr>
+          <a:xfrm>
+            <a:off x="4594860" y="3211168"/>
+            <a:ext cx="2964180" cy="708660"/>
+          </a:xfrm>
+          <a:prstGeom prst="rect">
+            <a:avLst/>
+          </a:prstGeom>
+          <a:ln>
+            <a:solidFill>
+              <a:schemeClr val="tx1"/>
+            </a:solidFill>
+          </a:ln>
+        </p:spPr>
+        <p:style>
+          <a:lnRef idx="2">
+            <a:schemeClr val="accent6"/>
+          </a:lnRef>
+          <a:fillRef idx="1">
+            <a:schemeClr val="lt1"/>
+          </a:fillRef>
+          <a:effectRef idx="0">
+            <a:schemeClr val="accent6"/>
+          </a:effectRef>
+          <a:fontRef idx="minor">
+            <a:schemeClr val="dk1"/>
+          </a:fontRef>
+        </p:style>
+        <p:txBody>
+          <a:bodyPr rot="0" spcFirstLastPara="0" vert="horz" wrap="square" lIns="91440" tIns="45720" rIns="91440" bIns="45720" numCol="1" spcCol="0" rtlCol="0" fromWordArt="0" anchor="ctr" anchorCtr="0" forceAA="0" compatLnSpc="1">
+            <a:prstTxWarp prst="textNoShape">
+              <a:avLst/>
+            </a:prstTxWarp>
+            <a:noAutofit/>
+          </a:bodyPr>
+          <a:lstStyle/>
+          <a:p>
+            <a:pPr algn="ctr"/>
+            <a:r>
+              <a:rPr lang="en-US" sz="2400" kern="100" dirty="0">
+                <a:effectLst/>
+                <a:ea typeface="新細明體" panose="02020500000000000000" pitchFamily="18" charset="-120"/>
+                <a:cs typeface="Times New Roman" panose="02020603050405020304" pitchFamily="18" charset="0"/>
+              </a:rPr>
+              <a:t>Pre-processing and Training Data</a:t>
+            </a:r>
+            <a:endParaRPr lang="zh-TW" kern="100" dirty="0">
+              <a:effectLst/>
+              <a:ea typeface="新細明體" panose="02020500000000000000" pitchFamily="18" charset="-120"/>
+              <a:cs typeface="Times New Roman" panose="02020603050405020304" pitchFamily="18" charset="0"/>
+            </a:endParaRPr>
+          </a:p>
+        </p:txBody>
+      </p:sp>
+      <p:sp>
+        <p:nvSpPr>
+          <p:cNvPr id="10" name="箭號: 向右 9">
+            <a:extLst>
+              <a:ext uri="{FF2B5EF4-FFF2-40B4-BE49-F238E27FC236}">
+                <a16:creationId xmlns:a16="http://schemas.microsoft.com/office/drawing/2014/main" id="{1DC66070-62DA-4419-A68E-2F2375503E6E}"/>
+              </a:ext>
+            </a:extLst>
+          </p:cNvPr>
+          <p:cNvSpPr/>
+          <p:nvPr/>
+        </p:nvSpPr>
+        <p:spPr>
+          <a:xfrm rot="5400000">
+            <a:off x="5821680" y="2696818"/>
+            <a:ext cx="472440" cy="495300"/>
+          </a:xfrm>
+          <a:prstGeom prst="rightArrow">
+            <a:avLst/>
+          </a:prstGeom>
+        </p:spPr>
+        <p:style>
+          <a:lnRef idx="2">
+            <a:schemeClr val="accent1">
+              <a:shade val="50000"/>
+            </a:schemeClr>
+          </a:lnRef>
+          <a:fillRef idx="1">
+            <a:schemeClr val="accent1"/>
+          </a:fillRef>
+          <a:effectRef idx="0">
+            <a:schemeClr val="accent1"/>
+          </a:effectRef>
+          <a:fontRef idx="minor">
+            <a:schemeClr val="lt1"/>
+          </a:fontRef>
+        </p:style>
+        <p:txBody>
+          <a:bodyPr rot="0" spcFirstLastPara="0" vert="horz" wrap="square" lIns="91440" tIns="45720" rIns="91440" bIns="45720" numCol="1" spcCol="0" rtlCol="0" fromWordArt="0" anchor="ctr" anchorCtr="0" forceAA="0" compatLnSpc="1">
+            <a:prstTxWarp prst="textNoShape">
+              <a:avLst/>
+            </a:prstTxWarp>
+            <a:noAutofit/>
+          </a:bodyPr>
+          <a:lstStyle/>
+          <a:p>
+            <a:endParaRPr lang="zh-TW" altLang="en-US"/>
+          </a:p>
+        </p:txBody>
+      </p:sp>
+      <p:sp>
+        <p:nvSpPr>
+          <p:cNvPr id="11" name="矩形 10">
+            <a:extLst>
+              <a:ext uri="{FF2B5EF4-FFF2-40B4-BE49-F238E27FC236}">
+                <a16:creationId xmlns:a16="http://schemas.microsoft.com/office/drawing/2014/main" id="{71E85BAE-C175-4BC0-9427-A217684F8FC5}"/>
+              </a:ext>
+            </a:extLst>
+          </p:cNvPr>
+          <p:cNvSpPr/>
+          <p:nvPr/>
+        </p:nvSpPr>
+        <p:spPr>
+          <a:xfrm>
+            <a:off x="4585970" y="4491328"/>
+            <a:ext cx="2964180" cy="708660"/>
+          </a:xfrm>
+          <a:prstGeom prst="rect">
+            <a:avLst/>
+          </a:prstGeom>
+          <a:ln>
+            <a:solidFill>
+              <a:schemeClr val="tx1"/>
+            </a:solidFill>
+          </a:ln>
+        </p:spPr>
+        <p:style>
+          <a:lnRef idx="2">
+            <a:schemeClr val="accent6"/>
+          </a:lnRef>
+          <a:fillRef idx="1">
+            <a:schemeClr val="lt1"/>
+          </a:fillRef>
+          <a:effectRef idx="0">
+            <a:schemeClr val="accent6"/>
+          </a:effectRef>
+          <a:fontRef idx="minor">
+            <a:schemeClr val="dk1"/>
+          </a:fontRef>
+        </p:style>
+        <p:txBody>
+          <a:bodyPr rot="0" spcFirstLastPara="0" vert="horz" wrap="square" lIns="91440" tIns="45720" rIns="91440" bIns="45720" numCol="1" spcCol="0" rtlCol="0" fromWordArt="0" anchor="ctr" anchorCtr="0" forceAA="0" compatLnSpc="1">
+            <a:prstTxWarp prst="textNoShape">
+              <a:avLst/>
+            </a:prstTxWarp>
+            <a:noAutofit/>
+          </a:bodyPr>
+          <a:lstStyle/>
+          <a:p>
+            <a:pPr algn="ctr"/>
+            <a:r>
+              <a:rPr lang="en-US" sz="2800" kern="100" dirty="0">
+                <a:effectLst/>
+                <a:ea typeface="新細明體" panose="02020500000000000000" pitchFamily="18" charset="-120"/>
+                <a:cs typeface="Times New Roman" panose="02020603050405020304" pitchFamily="18" charset="0"/>
+              </a:rPr>
+              <a:t>Modeling</a:t>
+            </a:r>
+            <a:endParaRPr lang="zh-TW" sz="1200" kern="100" dirty="0">
+              <a:effectLst/>
+              <a:ea typeface="新細明體" panose="02020500000000000000" pitchFamily="18" charset="-120"/>
+              <a:cs typeface="Times New Roman" panose="02020603050405020304" pitchFamily="18" charset="0"/>
+            </a:endParaRPr>
+          </a:p>
+        </p:txBody>
+      </p:sp>
+      <p:sp>
+        <p:nvSpPr>
+          <p:cNvPr id="12" name="箭號: 向右 11">
+            <a:extLst>
+              <a:ext uri="{FF2B5EF4-FFF2-40B4-BE49-F238E27FC236}">
+                <a16:creationId xmlns:a16="http://schemas.microsoft.com/office/drawing/2014/main" id="{1B93FEDC-A747-4024-A785-9A7CAC939778}"/>
+              </a:ext>
+            </a:extLst>
+          </p:cNvPr>
+          <p:cNvSpPr/>
+          <p:nvPr/>
+        </p:nvSpPr>
+        <p:spPr>
+          <a:xfrm rot="5400000">
+            <a:off x="5822315" y="3961738"/>
+            <a:ext cx="472440" cy="495300"/>
+          </a:xfrm>
+          <a:prstGeom prst="rightArrow">
+            <a:avLst/>
+          </a:prstGeom>
+        </p:spPr>
+        <p:style>
+          <a:lnRef idx="2">
+            <a:schemeClr val="accent1">
+              <a:shade val="50000"/>
+            </a:schemeClr>
+          </a:lnRef>
+          <a:fillRef idx="1">
+            <a:schemeClr val="accent1"/>
+          </a:fillRef>
+          <a:effectRef idx="0">
+            <a:schemeClr val="accent1"/>
+          </a:effectRef>
+          <a:fontRef idx="minor">
+            <a:schemeClr val="lt1"/>
+          </a:fontRef>
+        </p:style>
+        <p:txBody>
+          <a:bodyPr rot="0" spcFirstLastPara="0" vert="horz" wrap="square" lIns="91440" tIns="45720" rIns="91440" bIns="45720" numCol="1" spcCol="0" rtlCol="0" fromWordArt="0" anchor="ctr" anchorCtr="0" forceAA="0" compatLnSpc="1">
+            <a:prstTxWarp prst="textNoShape">
+              <a:avLst/>
+            </a:prstTxWarp>
+            <a:noAutofit/>
+          </a:bodyPr>
+          <a:lstStyle/>
+          <a:p>
+            <a:endParaRPr lang="zh-TW" altLang="en-US"/>
+          </a:p>
+        </p:txBody>
+      </p:sp>
+      <p:sp>
+        <p:nvSpPr>
+          <p:cNvPr id="13" name="矩形 12">
+            <a:extLst>
+              <a:ext uri="{FF2B5EF4-FFF2-40B4-BE49-F238E27FC236}">
+                <a16:creationId xmlns:a16="http://schemas.microsoft.com/office/drawing/2014/main" id="{F2183DCD-2E4B-45CB-878E-20811E1DB17D}"/>
+              </a:ext>
+            </a:extLst>
+          </p:cNvPr>
+          <p:cNvSpPr/>
+          <p:nvPr/>
+        </p:nvSpPr>
+        <p:spPr>
+          <a:xfrm>
+            <a:off x="4585970" y="5862928"/>
+            <a:ext cx="2964180" cy="708660"/>
+          </a:xfrm>
+          <a:prstGeom prst="rect">
+            <a:avLst/>
+          </a:prstGeom>
+          <a:ln>
+            <a:solidFill>
+              <a:schemeClr val="tx1"/>
+            </a:solidFill>
+          </a:ln>
+        </p:spPr>
+        <p:style>
+          <a:lnRef idx="2">
+            <a:schemeClr val="accent6"/>
+          </a:lnRef>
+          <a:fillRef idx="1">
+            <a:schemeClr val="lt1"/>
+          </a:fillRef>
+          <a:effectRef idx="0">
+            <a:schemeClr val="accent6"/>
+          </a:effectRef>
+          <a:fontRef idx="minor">
+            <a:schemeClr val="dk1"/>
+          </a:fontRef>
+        </p:style>
+        <p:txBody>
+          <a:bodyPr rot="0" spcFirstLastPara="0" vert="horz" wrap="square" lIns="91440" tIns="45720" rIns="91440" bIns="45720" numCol="1" spcCol="0" rtlCol="0" fromWordArt="0" anchor="ctr" anchorCtr="0" forceAA="0" compatLnSpc="1">
+            <a:prstTxWarp prst="textNoShape">
+              <a:avLst/>
+            </a:prstTxWarp>
+            <a:noAutofit/>
+          </a:bodyPr>
+          <a:lstStyle/>
+          <a:p>
+            <a:pPr algn="ctr"/>
+            <a:r>
+              <a:rPr lang="en-US" sz="2800" kern="100" dirty="0">
+                <a:effectLst/>
+                <a:ea typeface="新細明體" panose="02020500000000000000" pitchFamily="18" charset="-120"/>
+                <a:cs typeface="Times New Roman" panose="02020603050405020304" pitchFamily="18" charset="0"/>
+              </a:rPr>
+              <a:t>Conclusion</a:t>
+            </a:r>
+            <a:endParaRPr lang="zh-TW" sz="1200" kern="100" dirty="0">
+              <a:effectLst/>
+              <a:ea typeface="新細明體" panose="02020500000000000000" pitchFamily="18" charset="-120"/>
+              <a:cs typeface="Times New Roman" panose="02020603050405020304" pitchFamily="18" charset="0"/>
+            </a:endParaRPr>
+          </a:p>
+        </p:txBody>
+      </p:sp>
+      <p:sp>
+        <p:nvSpPr>
+          <p:cNvPr id="14" name="箭號: 向右 13">
+            <a:extLst>
+              <a:ext uri="{FF2B5EF4-FFF2-40B4-BE49-F238E27FC236}">
+                <a16:creationId xmlns:a16="http://schemas.microsoft.com/office/drawing/2014/main" id="{57C39CB1-60A6-4CC3-A302-1462B31E0078}"/>
+              </a:ext>
+            </a:extLst>
+          </p:cNvPr>
+          <p:cNvSpPr/>
+          <p:nvPr/>
+        </p:nvSpPr>
+        <p:spPr>
+          <a:xfrm rot="5400000">
+            <a:off x="5783580" y="5249518"/>
+            <a:ext cx="472440" cy="495300"/>
+          </a:xfrm>
+          <a:prstGeom prst="rightArrow">
+            <a:avLst/>
+          </a:prstGeom>
+        </p:spPr>
+        <p:style>
+          <a:lnRef idx="2">
+            <a:schemeClr val="accent1">
+              <a:shade val="50000"/>
+            </a:schemeClr>
+          </a:lnRef>
+          <a:fillRef idx="1">
+            <a:schemeClr val="accent1"/>
+          </a:fillRef>
+          <a:effectRef idx="0">
+            <a:schemeClr val="accent1"/>
+          </a:effectRef>
+          <a:fontRef idx="minor">
+            <a:schemeClr val="lt1"/>
+          </a:fontRef>
+        </p:style>
+        <p:txBody>
+          <a:bodyPr rot="0" spcFirstLastPara="0" vert="horz" wrap="square" lIns="91440" tIns="45720" rIns="91440" bIns="45720" numCol="1" spcCol="0" rtlCol="0" fromWordArt="0" anchor="ctr" anchorCtr="0" forceAA="0" compatLnSpc="1">
+            <a:prstTxWarp prst="textNoShape">
+              <a:avLst/>
+            </a:prstTxWarp>
+            <a:noAutofit/>
+          </a:bodyPr>
+          <a:lstStyle/>
+          <a:p>
+            <a:endParaRPr lang="zh-TW" altLang="en-US"/>
           </a:p>
         </p:txBody>
       </p:sp>
@@ -8067,7 +9076,7 @@
           <p:cNvPr id="3" name="文字方塊 2">
             <a:extLst>
               <a:ext uri="{FF2B5EF4-FFF2-40B4-BE49-F238E27FC236}">
-                <a16:creationId xmlns:a16="http://schemas.microsoft.com/office/drawing/2014/main" id="{64E71A00-5D91-472B-99E2-FD1F85FCEE75}"/>
+                <a16:creationId xmlns:a16="http://schemas.microsoft.com/office/drawing/2014/main" id="{BFCBDAF2-CE61-4304-8048-343092F88E52}"/>
               </a:ext>
             </a:extLst>
           </p:cNvPr>
@@ -8076,8 +9085,8 @@
         </p:nvSpPr>
         <p:spPr>
           <a:xfrm>
-            <a:off x="838986" y="1932495"/>
-            <a:ext cx="9148658" cy="3108543"/>
+            <a:off x="7833674" y="803932"/>
+            <a:ext cx="2318135" cy="923330"/>
           </a:xfrm>
           <a:prstGeom prst="rect">
             <a:avLst/>
@@ -8090,73 +9099,209 @@
           </a:bodyPr>
           <a:lstStyle/>
           <a:p>
-            <a:pPr marL="457200" indent="-457200">
-              <a:buFont typeface="Wingdings" panose="05000000000000000000" pitchFamily="2" charset="2"/>
-              <a:buChar char="p"/>
-            </a:pPr>
-            <a:r>
-              <a:rPr lang="en-US" altLang="zh-TW" sz="2800" dirty="0"/>
-              <a:t>For comparing categorical variable with numerical variable</a:t>
-            </a:r>
-          </a:p>
-          <a:p>
-            <a:pPr marL="457200" indent="-457200">
-              <a:buFont typeface="Wingdings" panose="05000000000000000000" pitchFamily="2" charset="2"/>
-              <a:buChar char="p"/>
-            </a:pPr>
-            <a:endParaRPr lang="en-US" altLang="zh-TW" sz="2800" dirty="0"/>
-          </a:p>
-          <a:p>
-            <a:pPr marL="457200" indent="-457200">
-              <a:buFont typeface="Wingdings" panose="05000000000000000000" pitchFamily="2" charset="2"/>
-              <a:buChar char="p"/>
-            </a:pPr>
-            <a:r>
-              <a:rPr lang="en-US" altLang="zh-TW" sz="2800" dirty="0"/>
-              <a:t>For 3 or more unique values in categorical variable</a:t>
-            </a:r>
-          </a:p>
-          <a:p>
-            <a:pPr marL="457200" indent="-457200">
-              <a:buFont typeface="Wingdings" panose="05000000000000000000" pitchFamily="2" charset="2"/>
-              <a:buChar char="p"/>
-            </a:pPr>
-            <a:endParaRPr lang="en-US" altLang="zh-TW" sz="2800" dirty="0"/>
-          </a:p>
-          <a:p>
-            <a:pPr marL="457200" indent="-457200">
-              <a:buFont typeface="Wingdings" panose="05000000000000000000" pitchFamily="2" charset="2"/>
-              <a:buChar char="p"/>
-            </a:pPr>
-            <a:r>
-              <a:rPr lang="en-US" altLang="zh-TW" sz="2800" dirty="0"/>
-              <a:t>Null Hypothesis: Mean of all groups are the same</a:t>
-            </a:r>
-          </a:p>
-          <a:p>
-            <a:pPr marL="457200" indent="-457200">
-              <a:buFont typeface="Wingdings" panose="05000000000000000000" pitchFamily="2" charset="2"/>
-              <a:buChar char="p"/>
-            </a:pPr>
-            <a:endParaRPr lang="en-US" altLang="zh-TW" sz="2800" dirty="0"/>
-          </a:p>
-          <a:p>
-            <a:pPr marL="457200" indent="-457200">
-              <a:buFont typeface="Wingdings" panose="05000000000000000000" pitchFamily="2" charset="2"/>
-              <a:buChar char="p"/>
-            </a:pPr>
-            <a:r>
-              <a:rPr lang="en-US" altLang="zh-TW" sz="2800" dirty="0"/>
-              <a:t>Adopted for region and family size (0 to 5 children)</a:t>
-            </a:r>
-            <a:endParaRPr lang="zh-TW" altLang="en-US" sz="2800" dirty="0"/>
+            <a:r>
+              <a:rPr lang="en-US" altLang="zh-TW" dirty="0"/>
+              <a:t>-Cleaning Data</a:t>
+            </a:r>
+            <a:endParaRPr lang="zh-TW" altLang="zh-TW" dirty="0"/>
+          </a:p>
+          <a:p>
+            <a:r>
+              <a:rPr lang="en-US" altLang="zh-TW" dirty="0"/>
+              <a:t>-Data Quality Checking</a:t>
+            </a:r>
+            <a:endParaRPr lang="zh-TW" altLang="zh-TW" dirty="0"/>
+          </a:p>
+          <a:p>
+            <a:endParaRPr lang="zh-TW" altLang="en-US" dirty="0"/>
+          </a:p>
+        </p:txBody>
+      </p:sp>
+      <p:sp>
+        <p:nvSpPr>
+          <p:cNvPr id="16" name="文字方塊 15">
+            <a:extLst>
+              <a:ext uri="{FF2B5EF4-FFF2-40B4-BE49-F238E27FC236}">
+                <a16:creationId xmlns:a16="http://schemas.microsoft.com/office/drawing/2014/main" id="{5FB969F2-80FC-41A8-ACEA-6797B093F45C}"/>
+              </a:ext>
+            </a:extLst>
+          </p:cNvPr>
+          <p:cNvSpPr txBox="1"/>
+          <p:nvPr/>
+        </p:nvSpPr>
+        <p:spPr>
+          <a:xfrm>
+            <a:off x="7916196" y="1953868"/>
+            <a:ext cx="1925848" cy="923330"/>
+          </a:xfrm>
+          <a:prstGeom prst="rect">
+            <a:avLst/>
+          </a:prstGeom>
+          <a:noFill/>
+        </p:spPr>
+        <p:txBody>
+          <a:bodyPr wrap="none" rtlCol="0">
+            <a:spAutoFit/>
+          </a:bodyPr>
+          <a:lstStyle/>
+          <a:p>
+            <a:r>
+              <a:rPr lang="en-US" altLang="zh-TW" dirty="0"/>
+              <a:t>-Data Visualization</a:t>
+            </a:r>
+            <a:endParaRPr lang="zh-TW" altLang="zh-TW" dirty="0"/>
+          </a:p>
+          <a:p>
+            <a:r>
+              <a:rPr lang="en-US" altLang="zh-TW" dirty="0"/>
+              <a:t>-Statistical Testing</a:t>
+            </a:r>
+            <a:endParaRPr lang="zh-TW" altLang="zh-TW" dirty="0"/>
+          </a:p>
+          <a:p>
+            <a:endParaRPr lang="zh-TW" altLang="en-US" dirty="0"/>
+          </a:p>
+        </p:txBody>
+      </p:sp>
+      <p:sp>
+        <p:nvSpPr>
+          <p:cNvPr id="18" name="文字方塊 17">
+            <a:extLst>
+              <a:ext uri="{FF2B5EF4-FFF2-40B4-BE49-F238E27FC236}">
+                <a16:creationId xmlns:a16="http://schemas.microsoft.com/office/drawing/2014/main" id="{C5C17B12-0E04-47B1-9EB1-63BC84119190}"/>
+              </a:ext>
+            </a:extLst>
+          </p:cNvPr>
+          <p:cNvSpPr txBox="1"/>
+          <p:nvPr/>
+        </p:nvSpPr>
+        <p:spPr>
+          <a:xfrm>
+            <a:off x="7813524" y="3217965"/>
+            <a:ext cx="1949252" cy="923330"/>
+          </a:xfrm>
+          <a:prstGeom prst="rect">
+            <a:avLst/>
+          </a:prstGeom>
+          <a:noFill/>
+        </p:spPr>
+        <p:txBody>
+          <a:bodyPr wrap="none" rtlCol="0">
+            <a:spAutoFit/>
+          </a:bodyPr>
+          <a:lstStyle/>
+          <a:p>
+            <a:r>
+              <a:rPr lang="en-US" altLang="zh-TW" dirty="0"/>
+              <a:t>-One-hot encoding</a:t>
+            </a:r>
+            <a:endParaRPr lang="zh-TW" altLang="zh-TW" dirty="0"/>
+          </a:p>
+          <a:p>
+            <a:r>
+              <a:rPr lang="en-US" altLang="zh-TW" dirty="0"/>
+              <a:t>-Data Splitting</a:t>
+            </a:r>
+            <a:endParaRPr lang="zh-TW" altLang="zh-TW" dirty="0"/>
+          </a:p>
+          <a:p>
+            <a:endParaRPr lang="zh-TW" altLang="en-US" dirty="0"/>
+          </a:p>
+        </p:txBody>
+      </p:sp>
+      <p:sp>
+        <p:nvSpPr>
+          <p:cNvPr id="19" name="文字方塊 18">
+            <a:extLst>
+              <a:ext uri="{FF2B5EF4-FFF2-40B4-BE49-F238E27FC236}">
+                <a16:creationId xmlns:a16="http://schemas.microsoft.com/office/drawing/2014/main" id="{882DD17B-00CD-4E86-AE7D-1DF4F2D3B329}"/>
+              </a:ext>
+            </a:extLst>
+          </p:cNvPr>
+          <p:cNvSpPr txBox="1"/>
+          <p:nvPr/>
+        </p:nvSpPr>
+        <p:spPr>
+          <a:xfrm>
+            <a:off x="7833674" y="4491328"/>
+            <a:ext cx="2863156" cy="923330"/>
+          </a:xfrm>
+          <a:prstGeom prst="rect">
+            <a:avLst/>
+          </a:prstGeom>
+          <a:noFill/>
+        </p:spPr>
+        <p:txBody>
+          <a:bodyPr wrap="none" rtlCol="0">
+            <a:spAutoFit/>
+          </a:bodyPr>
+          <a:lstStyle/>
+          <a:p>
+            <a:r>
+              <a:rPr lang="en-US" altLang="zh-TW" dirty="0"/>
+              <a:t>-Models Comparison</a:t>
+            </a:r>
+            <a:endParaRPr lang="zh-TW" altLang="zh-TW" dirty="0"/>
+          </a:p>
+          <a:p>
+            <a:r>
+              <a:rPr lang="en-US" altLang="zh-TW" dirty="0"/>
+              <a:t>-Model Features Importance</a:t>
+            </a:r>
+            <a:endParaRPr lang="zh-TW" altLang="zh-TW" dirty="0"/>
+          </a:p>
+          <a:p>
+            <a:endParaRPr lang="zh-TW" altLang="en-US" dirty="0"/>
+          </a:p>
+        </p:txBody>
+      </p:sp>
+      <p:sp>
+        <p:nvSpPr>
+          <p:cNvPr id="20" name="文字方塊 19">
+            <a:extLst>
+              <a:ext uri="{FF2B5EF4-FFF2-40B4-BE49-F238E27FC236}">
+                <a16:creationId xmlns:a16="http://schemas.microsoft.com/office/drawing/2014/main" id="{6799D2D4-503A-47C5-89F0-EE652F188D43}"/>
+              </a:ext>
+            </a:extLst>
+          </p:cNvPr>
+          <p:cNvSpPr txBox="1"/>
+          <p:nvPr/>
+        </p:nvSpPr>
+        <p:spPr>
+          <a:xfrm>
+            <a:off x="7833674" y="5855016"/>
+            <a:ext cx="2090893" cy="646331"/>
+          </a:xfrm>
+          <a:prstGeom prst="rect">
+            <a:avLst/>
+          </a:prstGeom>
+          <a:noFill/>
+        </p:spPr>
+        <p:txBody>
+          <a:bodyPr wrap="none" rtlCol="0">
+            <a:spAutoFit/>
+          </a:bodyPr>
+          <a:lstStyle/>
+          <a:p>
+            <a:r>
+              <a:rPr lang="en-US" altLang="zh-TW" dirty="0"/>
+              <a:t>-Predicting Accuracy</a:t>
+            </a:r>
+            <a:endParaRPr lang="zh-TW" altLang="zh-TW" dirty="0"/>
+          </a:p>
+          <a:p>
+            <a:r>
+              <a:rPr lang="en-US" altLang="zh-TW" dirty="0"/>
+              <a:t>-Other Findings</a:t>
+            </a:r>
+            <a:endParaRPr lang="zh-TW" altLang="zh-TW" dirty="0"/>
           </a:p>
         </p:txBody>
       </p:sp>
     </p:spTree>
     <p:extLst>
       <p:ext uri="{BB962C8B-B14F-4D97-AF65-F5344CB8AC3E}">
-        <p14:creationId xmlns:p14="http://schemas.microsoft.com/office/powerpoint/2010/main" val="4202882187"/>
+        <p14:creationId xmlns:p14="http://schemas.microsoft.com/office/powerpoint/2010/main" val="2421128304"/>
       </p:ext>
     </p:extLst>
   </p:cSld>
@@ -8237,7 +9382,7 @@
           <a:p>
             <a:r>
               <a:rPr lang="en-US" altLang="zh-TW" sz="3600" dirty="0"/>
-              <a:t>Exploratory Data Analysis (EDA) – chi-squared test</a:t>
+              <a:t>Exploratory Data Analysis (EDA) – t-test</a:t>
             </a:r>
             <a:endParaRPr lang="zh-TW" altLang="en-US" sz="3600" dirty="0"/>
           </a:p>
@@ -8245,10 +9390,10 @@
       </p:sp>
       <p:sp>
         <p:nvSpPr>
-          <p:cNvPr id="5" name="文字方塊 4">
+          <p:cNvPr id="2" name="文字方塊 1">
             <a:extLst>
               <a:ext uri="{FF2B5EF4-FFF2-40B4-BE49-F238E27FC236}">
-                <a16:creationId xmlns:a16="http://schemas.microsoft.com/office/drawing/2014/main" id="{96FA59E2-9E6D-448C-A9F4-6D5C926EFAE1}"/>
+                <a16:creationId xmlns:a16="http://schemas.microsoft.com/office/drawing/2014/main" id="{0F89DF96-FB6B-42E2-8D87-C5FBED9D9AA1}"/>
               </a:ext>
             </a:extLst>
           </p:cNvPr>
@@ -8258,7 +9403,7 @@
         <p:spPr>
           <a:xfrm>
             <a:off x="838986" y="1932495"/>
-            <a:ext cx="9618531" cy="3108543"/>
+            <a:ext cx="9148658" cy="3108543"/>
           </a:xfrm>
           <a:prstGeom prst="rect">
             <a:avLst/>
@@ -8277,7 +9422,7 @@
             </a:pPr>
             <a:r>
               <a:rPr lang="en-US" altLang="zh-TW" sz="2800" dirty="0"/>
-              <a:t>For checking correlation between categorical variables </a:t>
+              <a:t>For comparing categorical variable with numerical variable</a:t>
             </a:r>
           </a:p>
           <a:p>
@@ -8294,7 +9439,7 @@
             </a:pPr>
             <a:r>
               <a:rPr lang="en-US" altLang="zh-TW" sz="2800" dirty="0"/>
-              <a:t>Similar with heatmap for numerical variables</a:t>
+              <a:t>For 2 unique values in categorical variable</a:t>
             </a:r>
           </a:p>
           <a:p>
@@ -8311,7 +9456,7 @@
             </a:pPr>
             <a:r>
               <a:rPr lang="en-US" altLang="zh-TW" sz="2800" dirty="0"/>
-              <a:t>Null Hypothesis: The categorical variables are not correlated</a:t>
+              <a:t>Null Hypothesis: Mean of two groups are the same</a:t>
             </a:r>
           </a:p>
           <a:p>
@@ -8328,23 +9473,16 @@
             </a:pPr>
             <a:r>
               <a:rPr lang="en-US" altLang="zh-TW" sz="2800" dirty="0"/>
-              <a:t>Findings: Smoker and Gender,  </a:t>
-            </a:r>
-            <a:r>
-              <a:rPr lang="en-US" altLang="zh-TW" sz="2800" dirty="0" err="1"/>
-              <a:t>bmi</a:t>
-            </a:r>
-            <a:r>
-              <a:rPr lang="en-US" altLang="zh-TW" sz="2800" dirty="0"/>
-              <a:t> and Gender are correlated</a:t>
-            </a:r>
+              <a:t>Adopted for gender and smoking behavior</a:t>
+            </a:r>
+            <a:endParaRPr lang="zh-TW" altLang="en-US" sz="2800" dirty="0"/>
           </a:p>
         </p:txBody>
       </p:sp>
     </p:spTree>
     <p:extLst>
       <p:ext uri="{BB962C8B-B14F-4D97-AF65-F5344CB8AC3E}">
-        <p14:creationId xmlns:p14="http://schemas.microsoft.com/office/powerpoint/2010/main" val="2598681696"/>
+        <p14:creationId xmlns:p14="http://schemas.microsoft.com/office/powerpoint/2010/main" val="366676544"/>
       </p:ext>
     </p:extLst>
   </p:cSld>
@@ -8409,7 +9547,7 @@
         </p:nvSpPr>
         <p:spPr>
           <a:xfrm>
-            <a:off x="857839" y="490194"/>
+            <a:off x="838986" y="480767"/>
             <a:ext cx="10237509" cy="646331"/>
           </a:xfrm>
           <a:prstGeom prst="rect">
@@ -8425,196 +9563,107 @@
           <a:p>
             <a:r>
               <a:rPr lang="en-US" altLang="zh-TW" sz="3600" dirty="0"/>
-              <a:t>Modelling</a:t>
+              <a:t>Exploratory Data Analysis (EDA) – One-way ANOVA</a:t>
             </a:r>
             <a:endParaRPr lang="zh-TW" altLang="en-US" sz="3600" dirty="0"/>
           </a:p>
         </p:txBody>
       </p:sp>
-      <p:graphicFrame>
-        <p:nvGraphicFramePr>
-          <p:cNvPr id="2" name="表格 2">
+      <p:sp>
+        <p:nvSpPr>
+          <p:cNvPr id="3" name="文字方塊 2">
             <a:extLst>
               <a:ext uri="{FF2B5EF4-FFF2-40B4-BE49-F238E27FC236}">
-                <a16:creationId xmlns:a16="http://schemas.microsoft.com/office/drawing/2014/main" id="{E2C16CF0-0949-48F9-ABB1-9B0ACAED6C5A}"/>
+                <a16:creationId xmlns:a16="http://schemas.microsoft.com/office/drawing/2014/main" id="{64E71A00-5D91-472B-99E2-FD1F85FCEE75}"/>
               </a:ext>
             </a:extLst>
           </p:cNvPr>
-          <p:cNvGraphicFramePr>
-            <a:graphicFrameLocks noGrp="1"/>
-          </p:cNvGraphicFramePr>
-          <p:nvPr>
-            <p:extLst>
-              <p:ext uri="{D42A27DB-BD31-4B8C-83A1-F6EECF244321}">
-                <p14:modId xmlns:p14="http://schemas.microsoft.com/office/powerpoint/2010/main" val="1639677683"/>
-              </p:ext>
-            </p:extLst>
-          </p:nvPr>
-        </p:nvGraphicFramePr>
-        <p:xfrm>
-          <a:off x="2032000" y="2284516"/>
-          <a:ext cx="8128000" cy="1645920"/>
-        </p:xfrm>
-        <a:graphic>
-          <a:graphicData uri="http://schemas.openxmlformats.org/drawingml/2006/table">
-            <a:tbl>
-              <a:tblPr firstRow="1" bandRow="1">
-                <a:tableStyleId>{073A0DAA-6AF3-43AB-8588-CEC1D06C72B9}</a:tableStyleId>
-              </a:tblPr>
-              <a:tblGrid>
-                <a:gridCol w="4064000">
-                  <a:extLst>
-                    <a:ext uri="{9D8B030D-6E8A-4147-A177-3AD203B41FA5}">
-                      <a16:colId xmlns:a16="http://schemas.microsoft.com/office/drawing/2014/main" val="332749139"/>
-                    </a:ext>
-                  </a:extLst>
-                </a:gridCol>
-                <a:gridCol w="4064000">
-                  <a:extLst>
-                    <a:ext uri="{9D8B030D-6E8A-4147-A177-3AD203B41FA5}">
-                      <a16:colId xmlns:a16="http://schemas.microsoft.com/office/drawing/2014/main" val="3439184314"/>
-                    </a:ext>
-                  </a:extLst>
-                </a:gridCol>
-              </a:tblGrid>
-              <a:tr h="370840">
-                <a:tc>
-                  <a:txBody>
-                    <a:bodyPr/>
-                    <a:lstStyle/>
-                    <a:p>
-                      <a:pPr algn="ctr"/>
-                      <a:r>
-                        <a:rPr lang="en-US" altLang="zh-TW" sz="3200" dirty="0"/>
-                        <a:t>Approach 1</a:t>
-                      </a:r>
-                      <a:endParaRPr lang="zh-TW" altLang="en-US" sz="3200" dirty="0"/>
-                    </a:p>
-                  </a:txBody>
-                  <a:tcPr/>
-                </a:tc>
-                <a:tc>
-                  <a:txBody>
-                    <a:bodyPr/>
-                    <a:lstStyle/>
-                    <a:p>
-                      <a:pPr marL="0" marR="0" lvl="0" indent="0" algn="ctr" defTabSz="914400" rtl="0" eaLnBrk="1" fontAlgn="auto" latinLnBrk="0" hangingPunct="1">
-                        <a:lnSpc>
-                          <a:spcPct val="100000"/>
-                        </a:lnSpc>
-                        <a:spcBef>
-                          <a:spcPts val="0"/>
-                        </a:spcBef>
-                        <a:spcAft>
-                          <a:spcPts val="0"/>
-                        </a:spcAft>
-                        <a:buClrTx/>
-                        <a:buSzTx/>
-                        <a:buFontTx/>
-                        <a:buNone/>
-                        <a:tabLst/>
-                        <a:defRPr/>
-                      </a:pPr>
-                      <a:r>
-                        <a:rPr lang="en-US" altLang="zh-TW" sz="3200" dirty="0"/>
-                        <a:t>Approach 2</a:t>
-                      </a:r>
-                      <a:endParaRPr lang="zh-TW" altLang="en-US" sz="3200" dirty="0"/>
-                    </a:p>
-                  </a:txBody>
-                  <a:tcPr/>
-                </a:tc>
-                <a:extLst>
-                  <a:ext uri="{0D108BD9-81ED-4DB2-BD59-A6C34878D82A}">
-                    <a16:rowId xmlns:a16="http://schemas.microsoft.com/office/drawing/2014/main" val="1393922544"/>
-                  </a:ext>
-                </a:extLst>
-              </a:tr>
-              <a:tr h="370840">
-                <a:tc>
-                  <a:txBody>
-                    <a:bodyPr/>
-                    <a:lstStyle/>
-                    <a:p>
-                      <a:pPr lvl="1"/>
-                      <a:r>
-                        <a:rPr lang="en-US" altLang="zh-TW" sz="3200" b="1" kern="1200" dirty="0">
-                          <a:solidFill>
-                            <a:schemeClr val="dk1"/>
-                          </a:solidFill>
-                          <a:effectLst/>
-                          <a:latin typeface="+mn-lt"/>
-                          <a:ea typeface="+mn-ea"/>
-                          <a:cs typeface="+mn-cs"/>
-                        </a:rPr>
-                        <a:t>Ordinary least squares (OLS)</a:t>
-                      </a:r>
-                      <a:endParaRPr lang="zh-TW" altLang="zh-TW" sz="4400" b="1" kern="1200" dirty="0">
-                        <a:solidFill>
-                          <a:schemeClr val="dk1"/>
-                        </a:solidFill>
-                        <a:effectLst/>
-                        <a:latin typeface="+mn-lt"/>
-                        <a:ea typeface="+mn-ea"/>
-                        <a:cs typeface="+mn-cs"/>
-                      </a:endParaRPr>
-                    </a:p>
-                  </a:txBody>
-                  <a:tcPr/>
-                </a:tc>
-                <a:tc>
-                  <a:txBody>
-                    <a:bodyPr/>
-                    <a:lstStyle/>
-                    <a:p>
-                      <a:pPr marL="0" marR="0" lvl="0" indent="0" algn="ctr" defTabSz="914400" rtl="0" eaLnBrk="1" fontAlgn="auto" latinLnBrk="0" hangingPunct="1">
-                        <a:lnSpc>
-                          <a:spcPct val="100000"/>
-                        </a:lnSpc>
-                        <a:spcBef>
-                          <a:spcPts val="0"/>
-                        </a:spcBef>
-                        <a:spcAft>
-                          <a:spcPts val="0"/>
-                        </a:spcAft>
-                        <a:buClrTx/>
-                        <a:buSzTx/>
-                        <a:buFontTx/>
-                        <a:buNone/>
-                        <a:tabLst/>
-                        <a:defRPr/>
-                      </a:pPr>
-                      <a:r>
-                        <a:rPr lang="en-US" altLang="zh-TW" sz="3200" b="1" kern="1200" dirty="0">
-                          <a:solidFill>
-                            <a:schemeClr val="dk1"/>
-                          </a:solidFill>
-                          <a:effectLst/>
-                          <a:latin typeface="+mn-lt"/>
-                          <a:ea typeface="+mn-ea"/>
-                          <a:cs typeface="+mn-cs"/>
-                        </a:rPr>
-                        <a:t>Random Forest Regressor (RFR)</a:t>
-                      </a:r>
-                      <a:endParaRPr lang="zh-TW" altLang="en-US" sz="3200" dirty="0"/>
-                    </a:p>
-                  </a:txBody>
-                  <a:tcPr/>
-                </a:tc>
-                <a:extLst>
-                  <a:ext uri="{0D108BD9-81ED-4DB2-BD59-A6C34878D82A}">
-                    <a16:rowId xmlns:a16="http://schemas.microsoft.com/office/drawing/2014/main" val="3334323866"/>
-                  </a:ext>
-                </a:extLst>
-              </a:tr>
-            </a:tbl>
-          </a:graphicData>
-        </a:graphic>
-      </p:graphicFrame>
+          <p:cNvSpPr txBox="1"/>
+          <p:nvPr/>
+        </p:nvSpPr>
+        <p:spPr>
+          <a:xfrm>
+            <a:off x="838986" y="1932495"/>
+            <a:ext cx="9148658" cy="3108543"/>
+          </a:xfrm>
+          <a:prstGeom prst="rect">
+            <a:avLst/>
+          </a:prstGeom>
+          <a:noFill/>
+        </p:spPr>
+        <p:txBody>
+          <a:bodyPr wrap="none" rtlCol="0">
+            <a:spAutoFit/>
+          </a:bodyPr>
+          <a:lstStyle/>
+          <a:p>
+            <a:pPr marL="457200" indent="-457200">
+              <a:buFont typeface="Wingdings" panose="05000000000000000000" pitchFamily="2" charset="2"/>
+              <a:buChar char="p"/>
+            </a:pPr>
+            <a:r>
+              <a:rPr lang="en-US" altLang="zh-TW" sz="2800" dirty="0"/>
+              <a:t>For comparing categorical variable with numerical variable</a:t>
+            </a:r>
+          </a:p>
+          <a:p>
+            <a:pPr marL="457200" indent="-457200">
+              <a:buFont typeface="Wingdings" panose="05000000000000000000" pitchFamily="2" charset="2"/>
+              <a:buChar char="p"/>
+            </a:pPr>
+            <a:endParaRPr lang="en-US" altLang="zh-TW" sz="2800" dirty="0"/>
+          </a:p>
+          <a:p>
+            <a:pPr marL="457200" indent="-457200">
+              <a:buFont typeface="Wingdings" panose="05000000000000000000" pitchFamily="2" charset="2"/>
+              <a:buChar char="p"/>
+            </a:pPr>
+            <a:r>
+              <a:rPr lang="en-US" altLang="zh-TW" sz="2800" dirty="0"/>
+              <a:t>For 3 or more unique values in categorical variable</a:t>
+            </a:r>
+          </a:p>
+          <a:p>
+            <a:pPr marL="457200" indent="-457200">
+              <a:buFont typeface="Wingdings" panose="05000000000000000000" pitchFamily="2" charset="2"/>
+              <a:buChar char="p"/>
+            </a:pPr>
+            <a:endParaRPr lang="en-US" altLang="zh-TW" sz="2800" dirty="0"/>
+          </a:p>
+          <a:p>
+            <a:pPr marL="457200" indent="-457200">
+              <a:buFont typeface="Wingdings" panose="05000000000000000000" pitchFamily="2" charset="2"/>
+              <a:buChar char="p"/>
+            </a:pPr>
+            <a:r>
+              <a:rPr lang="en-US" altLang="zh-TW" sz="2800" dirty="0"/>
+              <a:t>Null Hypothesis: Mean of all groups are the same</a:t>
+            </a:r>
+          </a:p>
+          <a:p>
+            <a:pPr marL="457200" indent="-457200">
+              <a:buFont typeface="Wingdings" panose="05000000000000000000" pitchFamily="2" charset="2"/>
+              <a:buChar char="p"/>
+            </a:pPr>
+            <a:endParaRPr lang="en-US" altLang="zh-TW" sz="2800" dirty="0"/>
+          </a:p>
+          <a:p>
+            <a:pPr marL="457200" indent="-457200">
+              <a:buFont typeface="Wingdings" panose="05000000000000000000" pitchFamily="2" charset="2"/>
+              <a:buChar char="p"/>
+            </a:pPr>
+            <a:r>
+              <a:rPr lang="en-US" altLang="zh-TW" sz="2800" dirty="0"/>
+              <a:t>Adopted for region and family size (0 to 5 children)</a:t>
+            </a:r>
+            <a:endParaRPr lang="zh-TW" altLang="en-US" sz="2800" dirty="0"/>
+          </a:p>
+        </p:txBody>
+      </p:sp>
     </p:spTree>
     <p:extLst>
       <p:ext uri="{BB962C8B-B14F-4D97-AF65-F5344CB8AC3E}">
-        <p14:creationId xmlns:p14="http://schemas.microsoft.com/office/powerpoint/2010/main" val="3376696260"/>
+        <p14:creationId xmlns:p14="http://schemas.microsoft.com/office/powerpoint/2010/main" val="4202882187"/>
       </p:ext>
     </p:extLst>
   </p:cSld>
